--- a/Group8.Project.pptx
+++ b/Group8.Project.pptx
@@ -22,15 +22,16 @@
     <p:sldId id="293" r:id="rId16"/>
     <p:sldId id="313" r:id="rId17"/>
     <p:sldId id="314" r:id="rId18"/>
-    <p:sldId id="315" r:id="rId19"/>
-    <p:sldId id="298" r:id="rId20"/>
-    <p:sldId id="316" r:id="rId21"/>
-    <p:sldId id="318" r:id="rId22"/>
-    <p:sldId id="320" r:id="rId23"/>
-    <p:sldId id="317" r:id="rId24"/>
-    <p:sldId id="304" r:id="rId25"/>
-    <p:sldId id="319" r:id="rId26"/>
-    <p:sldId id="306" r:id="rId27"/>
+    <p:sldId id="322" r:id="rId19"/>
+    <p:sldId id="315" r:id="rId20"/>
+    <p:sldId id="298" r:id="rId21"/>
+    <p:sldId id="316" r:id="rId22"/>
+    <p:sldId id="318" r:id="rId23"/>
+    <p:sldId id="320" r:id="rId24"/>
+    <p:sldId id="317" r:id="rId25"/>
+    <p:sldId id="304" r:id="rId26"/>
+    <p:sldId id="319" r:id="rId27"/>
+    <p:sldId id="306" r:id="rId28"/>
   </p:sldIdLst>
   <p:sldSz cx="12192000" cy="6858000"/>
   <p:notesSz cx="6858000" cy="9144000"/>
@@ -140,13 +141,161 @@
 <file path=ppt/revisionInfo.xml><?xml version="1.0" encoding="utf-8"?>
 <p1510:revInfo xmlns:a="http://schemas.openxmlformats.org/drawingml/2006/main" xmlns:r="http://schemas.openxmlformats.org/officeDocument/2006/relationships" xmlns:p1510="http://schemas.microsoft.com/office/powerpoint/2015/10/main">
   <p1510:revLst>
-    <p1510:client id="{9C6018EA-39C4-4AB7-B48D-617997665656}" v="78" dt="2024-04-07T02:44:23.286"/>
+    <p1510:client id="{9C6018EA-39C4-4AB7-B48D-617997665656}" v="83" dt="2024-04-08T16:19:10.020"/>
   </p1510:revLst>
 </p1510:revInfo>
 </file>
 
 <file path=ppt/changesInfos/changesInfo1.xml><?xml version="1.0" encoding="utf-8"?>
 <pc:chgInfo xmlns:a="http://schemas.openxmlformats.org/drawingml/2006/main" xmlns:r="http://schemas.openxmlformats.org/officeDocument/2006/relationships" xmlns:ac="http://schemas.microsoft.com/office/drawing/2013/main/command" xmlns:pc="http://schemas.microsoft.com/office/powerpoint/2013/main/command">
+  <pc:docChgLst>
+    <pc:chgData name="Sergio Torres" userId="e32728b6-7cbc-4ccd-b17b-325991a4b818" providerId="ADAL" clId="{9C6018EA-39C4-4AB7-B48D-617997665656}"/>
+    <pc:docChg chg="undo custSel addSld delSld modSld">
+      <pc:chgData name="Sergio Torres" userId="e32728b6-7cbc-4ccd-b17b-325991a4b818" providerId="ADAL" clId="{9C6018EA-39C4-4AB7-B48D-617997665656}" dt="2024-04-08T16:32:06.688" v="73" actId="207"/>
+      <pc:docMkLst>
+        <pc:docMk/>
+      </pc:docMkLst>
+      <pc:sldChg chg="modSp mod">
+        <pc:chgData name="Sergio Torres" userId="e32728b6-7cbc-4ccd-b17b-325991a4b818" providerId="ADAL" clId="{9C6018EA-39C4-4AB7-B48D-617997665656}" dt="2024-04-08T16:32:06.688" v="73" actId="207"/>
+        <pc:sldMkLst>
+          <pc:docMk/>
+          <pc:sldMk cId="1314500098" sldId="257"/>
+        </pc:sldMkLst>
+        <pc:spChg chg="mod">
+          <ac:chgData name="Sergio Torres" userId="e32728b6-7cbc-4ccd-b17b-325991a4b818" providerId="ADAL" clId="{9C6018EA-39C4-4AB7-B48D-617997665656}" dt="2024-04-08T16:32:06.688" v="73" actId="207"/>
+          <ac:spMkLst>
+            <pc:docMk/>
+            <pc:sldMk cId="1314500098" sldId="257"/>
+            <ac:spMk id="3" creationId="{5E8BA5FB-6C9E-4A1C-8038-6871E8514952}"/>
+          </ac:spMkLst>
+        </pc:spChg>
+      </pc:sldChg>
+      <pc:sldChg chg="addSp delSp modSp mod">
+        <pc:chgData name="Sergio Torres" userId="e32728b6-7cbc-4ccd-b17b-325991a4b818" providerId="ADAL" clId="{9C6018EA-39C4-4AB7-B48D-617997665656}" dt="2024-04-08T16:19:45.025" v="67" actId="478"/>
+        <pc:sldMkLst>
+          <pc:docMk/>
+          <pc:sldMk cId="3904493462" sldId="289"/>
+        </pc:sldMkLst>
+        <pc:spChg chg="add del mod">
+          <ac:chgData name="Sergio Torres" userId="e32728b6-7cbc-4ccd-b17b-325991a4b818" providerId="ADAL" clId="{9C6018EA-39C4-4AB7-B48D-617997665656}" dt="2024-04-08T16:19:45.025" v="67" actId="478"/>
+          <ac:spMkLst>
+            <pc:docMk/>
+            <pc:sldMk cId="3904493462" sldId="289"/>
+            <ac:spMk id="3" creationId="{CFEE5BBD-982D-4605-EFC3-B5525952F45C}"/>
+          </ac:spMkLst>
+        </pc:spChg>
+      </pc:sldChg>
+      <pc:sldChg chg="addSp delSp modSp add del mod setBg delDesignElem">
+        <pc:chgData name="Sergio Torres" userId="e32728b6-7cbc-4ccd-b17b-325991a4b818" providerId="ADAL" clId="{9C6018EA-39C4-4AB7-B48D-617997665656}" dt="2024-04-08T16:15:37.582" v="33" actId="47"/>
+        <pc:sldMkLst>
+          <pc:docMk/>
+          <pc:sldMk cId="1655217161" sldId="321"/>
+        </pc:sldMkLst>
+        <pc:spChg chg="del">
+          <ac:chgData name="Sergio Torres" userId="e32728b6-7cbc-4ccd-b17b-325991a4b818" providerId="ADAL" clId="{9C6018EA-39C4-4AB7-B48D-617997665656}" dt="2024-04-08T16:10:09.921" v="3" actId="478"/>
+          <ac:spMkLst>
+            <pc:docMk/>
+            <pc:sldMk cId="1655217161" sldId="321"/>
+            <ac:spMk id="3" creationId="{F937E67B-4E61-5583-EF38-ED9103FE056D}"/>
+          </ac:spMkLst>
+        </pc:spChg>
+        <pc:spChg chg="add del mod">
+          <ac:chgData name="Sergio Torres" userId="e32728b6-7cbc-4ccd-b17b-325991a4b818" providerId="ADAL" clId="{9C6018EA-39C4-4AB7-B48D-617997665656}" dt="2024-04-08T16:15:26.913" v="29" actId="21"/>
+          <ac:spMkLst>
+            <pc:docMk/>
+            <pc:sldMk cId="1655217161" sldId="321"/>
+            <ac:spMk id="7" creationId="{504BDD8D-194D-1B52-A1F0-C7D7D1B8EED3}"/>
+          </ac:spMkLst>
+        </pc:spChg>
+        <pc:spChg chg="del">
+          <ac:chgData name="Sergio Torres" userId="e32728b6-7cbc-4ccd-b17b-325991a4b818" providerId="ADAL" clId="{9C6018EA-39C4-4AB7-B48D-617997665656}" dt="2024-04-08T16:10:01.347" v="1"/>
+          <ac:spMkLst>
+            <pc:docMk/>
+            <pc:sldMk cId="1655217161" sldId="321"/>
+            <ac:spMk id="48" creationId="{53B021B3-DE93-4AB7-8A18-CF5F1CED88B8}"/>
+          </ac:spMkLst>
+        </pc:spChg>
+        <pc:spChg chg="del">
+          <ac:chgData name="Sergio Torres" userId="e32728b6-7cbc-4ccd-b17b-325991a4b818" providerId="ADAL" clId="{9C6018EA-39C4-4AB7-B48D-617997665656}" dt="2024-04-08T16:10:01.347" v="1"/>
+          <ac:spMkLst>
+            <pc:docMk/>
+            <pc:sldMk cId="1655217161" sldId="321"/>
+            <ac:spMk id="50" creationId="{52D502E5-F6B4-4D58-B4AE-FC466FF15EE8}"/>
+          </ac:spMkLst>
+        </pc:spChg>
+        <pc:spChg chg="del">
+          <ac:chgData name="Sergio Torres" userId="e32728b6-7cbc-4ccd-b17b-325991a4b818" providerId="ADAL" clId="{9C6018EA-39C4-4AB7-B48D-617997665656}" dt="2024-04-08T16:10:01.347" v="1"/>
+          <ac:spMkLst>
+            <pc:docMk/>
+            <pc:sldMk cId="1655217161" sldId="321"/>
+            <ac:spMk id="52" creationId="{9DECDBF4-02B6-4BB4-B65B-B8107AD6A9E8}"/>
+          </ac:spMkLst>
+        </pc:spChg>
+        <pc:picChg chg="del">
+          <ac:chgData name="Sergio Torres" userId="e32728b6-7cbc-4ccd-b17b-325991a4b818" providerId="ADAL" clId="{9C6018EA-39C4-4AB7-B48D-617997665656}" dt="2024-04-08T16:10:04.053" v="2" actId="478"/>
+          <ac:picMkLst>
+            <pc:docMk/>
+            <pc:sldMk cId="1655217161" sldId="321"/>
+            <ac:picMk id="4" creationId="{C4811094-EF60-24E2-0C67-3178FE82DA03}"/>
+          </ac:picMkLst>
+        </pc:picChg>
+        <pc:picChg chg="add del mod">
+          <ac:chgData name="Sergio Torres" userId="e32728b6-7cbc-4ccd-b17b-325991a4b818" providerId="ADAL" clId="{9C6018EA-39C4-4AB7-B48D-617997665656}" dt="2024-04-08T16:15:32.541" v="31" actId="21"/>
+          <ac:picMkLst>
+            <pc:docMk/>
+            <pc:sldMk cId="1655217161" sldId="321"/>
+            <ac:picMk id="6" creationId="{B1081E7F-5A1E-3AD4-FD22-B5793874226D}"/>
+          </ac:picMkLst>
+        </pc:picChg>
+      </pc:sldChg>
+      <pc:sldChg chg="new del">
+        <pc:chgData name="Sergio Torres" userId="e32728b6-7cbc-4ccd-b17b-325991a4b818" providerId="ADAL" clId="{9C6018EA-39C4-4AB7-B48D-617997665656}" dt="2024-04-08T16:15:11.331" v="25" actId="47"/>
+        <pc:sldMkLst>
+          <pc:docMk/>
+          <pc:sldMk cId="2350209981" sldId="322"/>
+        </pc:sldMkLst>
+      </pc:sldChg>
+      <pc:sldChg chg="addSp delSp modSp add mod">
+        <pc:chgData name="Sergio Torres" userId="e32728b6-7cbc-4ccd-b17b-325991a4b818" providerId="ADAL" clId="{9C6018EA-39C4-4AB7-B48D-617997665656}" dt="2024-04-08T16:30:16.839" v="69" actId="113"/>
+        <pc:sldMkLst>
+          <pc:docMk/>
+          <pc:sldMk cId="3408765465" sldId="322"/>
+        </pc:sldMkLst>
+        <pc:spChg chg="del">
+          <ac:chgData name="Sergio Torres" userId="e32728b6-7cbc-4ccd-b17b-325991a4b818" providerId="ADAL" clId="{9C6018EA-39C4-4AB7-B48D-617997665656}" dt="2024-04-08T16:15:21.916" v="28" actId="478"/>
+          <ac:spMkLst>
+            <pc:docMk/>
+            <pc:sldMk cId="3408765465" sldId="322"/>
+            <ac:spMk id="3" creationId="{F937E67B-4E61-5583-EF38-ED9103FE056D}"/>
+          </ac:spMkLst>
+        </pc:spChg>
+        <pc:spChg chg="add mod">
+          <ac:chgData name="Sergio Torres" userId="e32728b6-7cbc-4ccd-b17b-325991a4b818" providerId="ADAL" clId="{9C6018EA-39C4-4AB7-B48D-617997665656}" dt="2024-04-08T16:30:16.839" v="69" actId="113"/>
+          <ac:spMkLst>
+            <pc:docMk/>
+            <pc:sldMk cId="3408765465" sldId="322"/>
+            <ac:spMk id="7" creationId="{504BDD8D-194D-1B52-A1F0-C7D7D1B8EED3}"/>
+          </ac:spMkLst>
+        </pc:spChg>
+        <pc:picChg chg="del">
+          <ac:chgData name="Sergio Torres" userId="e32728b6-7cbc-4ccd-b17b-325991a4b818" providerId="ADAL" clId="{9C6018EA-39C4-4AB7-B48D-617997665656}" dt="2024-04-08T16:15:18.153" v="27" actId="478"/>
+          <ac:picMkLst>
+            <pc:docMk/>
+            <pc:sldMk cId="3408765465" sldId="322"/>
+            <ac:picMk id="4" creationId="{C4811094-EF60-24E2-0C67-3178FE82DA03}"/>
+          </ac:picMkLst>
+        </pc:picChg>
+        <pc:picChg chg="add mod">
+          <ac:chgData name="Sergio Torres" userId="e32728b6-7cbc-4ccd-b17b-325991a4b818" providerId="ADAL" clId="{9C6018EA-39C4-4AB7-B48D-617997665656}" dt="2024-04-08T16:15:34.827" v="32"/>
+          <ac:picMkLst>
+            <pc:docMk/>
+            <pc:sldMk cId="3408765465" sldId="322"/>
+            <ac:picMk id="6" creationId="{B1081E7F-5A1E-3AD4-FD22-B5793874226D}"/>
+          </ac:picMkLst>
+        </pc:picChg>
+      </pc:sldChg>
+    </pc:docChg>
+  </pc:docChgLst>
   <pc:docChgLst>
     <pc:chgData name="samira mehdizadeh" userId="f64ec25bcaa95464" providerId="LiveId" clId="{728002AD-949A-443B-82D3-4C96512DEF1B}"/>
     <pc:docChg chg="undo custSel addSld modSld">
@@ -389,12 +538,12 @@
   <pc:docChgLst>
     <pc:chgData name="Torres, Sergio E." userId="e32728b6-7cbc-4ccd-b17b-325991a4b818" providerId="ADAL" clId="{9C6018EA-39C4-4AB7-B48D-617997665656}"/>
     <pc:docChg chg="undo custSel addSld delSld modSld sldOrd">
-      <pc:chgData name="Torres, Sergio E." userId="e32728b6-7cbc-4ccd-b17b-325991a4b818" providerId="ADAL" clId="{9C6018EA-39C4-4AB7-B48D-617997665656}" dt="2024-04-07T03:02:36.232" v="2961" actId="20577"/>
+      <pc:chgData name="Torres, Sergio E." userId="e32728b6-7cbc-4ccd-b17b-325991a4b818" providerId="ADAL" clId="{9C6018EA-39C4-4AB7-B48D-617997665656}" dt="2024-04-07T15:31:57.051" v="3082" actId="113"/>
       <pc:docMkLst>
         <pc:docMk/>
       </pc:docMkLst>
       <pc:sldChg chg="addSp delSp modSp mod setBg">
-        <pc:chgData name="Torres, Sergio E." userId="e32728b6-7cbc-4ccd-b17b-325991a4b818" providerId="ADAL" clId="{9C6018EA-39C4-4AB7-B48D-617997665656}" dt="2024-04-07T02:54:27.132" v="2939" actId="20577"/>
+        <pc:chgData name="Torres, Sergio E." userId="e32728b6-7cbc-4ccd-b17b-325991a4b818" providerId="ADAL" clId="{9C6018EA-39C4-4AB7-B48D-617997665656}" dt="2024-04-07T15:25:33.495" v="3005"/>
         <pc:sldMkLst>
           <pc:docMk/>
           <pc:sldMk cId="851077781" sldId="256"/>
@@ -408,7 +557,7 @@
           </ac:spMkLst>
         </pc:spChg>
         <pc:spChg chg="mod">
-          <ac:chgData name="Torres, Sergio E." userId="e32728b6-7cbc-4ccd-b17b-325991a4b818" providerId="ADAL" clId="{9C6018EA-39C4-4AB7-B48D-617997665656}" dt="2024-04-06T21:13:58.688" v="51"/>
+          <ac:chgData name="Torres, Sergio E." userId="e32728b6-7cbc-4ccd-b17b-325991a4b818" providerId="ADAL" clId="{9C6018EA-39C4-4AB7-B48D-617997665656}" dt="2024-04-07T15:25:33.495" v="3005"/>
           <ac:spMkLst>
             <pc:docMk/>
             <pc:sldMk cId="851077781" sldId="256"/>
@@ -2467,20 +2616,76 @@
           </ac:spMkLst>
         </pc:spChg>
       </pc:sldChg>
-      <pc:sldChg chg="modSp add mod ord">
-        <pc:chgData name="Torres, Sergio E." userId="e32728b6-7cbc-4ccd-b17b-325991a4b818" providerId="ADAL" clId="{9C6018EA-39C4-4AB7-B48D-617997665656}" dt="2024-04-07T01:32:28.215" v="1525" actId="20577"/>
+      <pc:sldChg chg="addSp delSp modSp add mod ord">
+        <pc:chgData name="Torres, Sergio E." userId="e32728b6-7cbc-4ccd-b17b-325991a4b818" providerId="ADAL" clId="{9C6018EA-39C4-4AB7-B48D-617997665656}" dt="2024-04-07T15:27:59.684" v="3007" actId="26606"/>
         <pc:sldMkLst>
           <pc:docMk/>
           <pc:sldMk cId="757143601" sldId="293"/>
         </pc:sldMkLst>
         <pc:spChg chg="mod">
-          <ac:chgData name="Torres, Sergio E." userId="e32728b6-7cbc-4ccd-b17b-325991a4b818" providerId="ADAL" clId="{9C6018EA-39C4-4AB7-B48D-617997665656}" dt="2024-04-07T01:32:28.215" v="1525" actId="20577"/>
+          <ac:chgData name="Torres, Sergio E." userId="e32728b6-7cbc-4ccd-b17b-325991a4b818" providerId="ADAL" clId="{9C6018EA-39C4-4AB7-B48D-617997665656}" dt="2024-04-07T15:27:59.684" v="3007" actId="26606"/>
           <ac:spMkLst>
             <pc:docMk/>
             <pc:sldMk cId="757143601" sldId="293"/>
             <ac:spMk id="2" creationId="{4E35493B-EC95-4D54-B376-84DABC1F268E}"/>
           </ac:spMkLst>
         </pc:spChg>
+        <pc:spChg chg="add del">
+          <ac:chgData name="Torres, Sergio E." userId="e32728b6-7cbc-4ccd-b17b-325991a4b818" providerId="ADAL" clId="{9C6018EA-39C4-4AB7-B48D-617997665656}" dt="2024-04-07T15:27:59.684" v="3007" actId="26606"/>
+          <ac:spMkLst>
+            <pc:docMk/>
+            <pc:sldMk cId="757143601" sldId="293"/>
+            <ac:spMk id="26" creationId="{FFD48BC7-DC40-47DE-87EE-9F4B6ECB9ABB}"/>
+          </ac:spMkLst>
+        </pc:spChg>
+        <pc:spChg chg="add del">
+          <ac:chgData name="Torres, Sergio E." userId="e32728b6-7cbc-4ccd-b17b-325991a4b818" providerId="ADAL" clId="{9C6018EA-39C4-4AB7-B48D-617997665656}" dt="2024-04-07T15:27:59.684" v="3007" actId="26606"/>
+          <ac:spMkLst>
+            <pc:docMk/>
+            <pc:sldMk cId="757143601" sldId="293"/>
+            <ac:spMk id="28" creationId="{E502BBC7-2C76-46F3-BC24-5985BC13DB88}"/>
+          </ac:spMkLst>
+        </pc:spChg>
+        <pc:spChg chg="add del">
+          <ac:chgData name="Torres, Sergio E." userId="e32728b6-7cbc-4ccd-b17b-325991a4b818" providerId="ADAL" clId="{9C6018EA-39C4-4AB7-B48D-617997665656}" dt="2024-04-07T15:27:59.684" v="3007" actId="26606"/>
+          <ac:spMkLst>
+            <pc:docMk/>
+            <pc:sldMk cId="757143601" sldId="293"/>
+            <ac:spMk id="30" creationId="{C7F28D52-2A5F-4D23-81AE-7CB8B591C7AF}"/>
+          </ac:spMkLst>
+        </pc:spChg>
+        <pc:spChg chg="add del">
+          <ac:chgData name="Torres, Sergio E." userId="e32728b6-7cbc-4ccd-b17b-325991a4b818" providerId="ADAL" clId="{9C6018EA-39C4-4AB7-B48D-617997665656}" dt="2024-04-07T15:27:59.684" v="3007" actId="26606"/>
+          <ac:spMkLst>
+            <pc:docMk/>
+            <pc:sldMk cId="757143601" sldId="293"/>
+            <ac:spMk id="32" creationId="{3629484E-3792-4B3D-89AD-7C8A1ED0E0D4}"/>
+          </ac:spMkLst>
+        </pc:spChg>
+        <pc:spChg chg="add del">
+          <ac:chgData name="Torres, Sergio E." userId="e32728b6-7cbc-4ccd-b17b-325991a4b818" providerId="ADAL" clId="{9C6018EA-39C4-4AB7-B48D-617997665656}" dt="2024-04-07T15:27:59.684" v="3007" actId="26606"/>
+          <ac:spMkLst>
+            <pc:docMk/>
+            <pc:sldMk cId="757143601" sldId="293"/>
+            <ac:spMk id="41" creationId="{74751229-0244-4FBB-BED1-407467F4C951}"/>
+          </ac:spMkLst>
+        </pc:spChg>
+        <pc:picChg chg="add del">
+          <ac:chgData name="Torres, Sergio E." userId="e32728b6-7cbc-4ccd-b17b-325991a4b818" providerId="ADAL" clId="{9C6018EA-39C4-4AB7-B48D-617997665656}" dt="2024-04-07T15:27:59.684" v="3007" actId="26606"/>
+          <ac:picMkLst>
+            <pc:docMk/>
+            <pc:sldMk cId="757143601" sldId="293"/>
+            <ac:picMk id="36" creationId="{2EE66D53-9629-3D9A-038F-F99CA726E218}"/>
+          </ac:picMkLst>
+        </pc:picChg>
+        <pc:picChg chg="add del">
+          <ac:chgData name="Torres, Sergio E." userId="e32728b6-7cbc-4ccd-b17b-325991a4b818" providerId="ADAL" clId="{9C6018EA-39C4-4AB7-B48D-617997665656}" dt="2024-04-07T15:27:59.684" v="3007" actId="26606"/>
+          <ac:picMkLst>
+            <pc:docMk/>
+            <pc:sldMk cId="757143601" sldId="293"/>
+            <ac:picMk id="38" creationId="{33C02E8A-9E9F-46C3-A831-3253A1AAF0ED}"/>
+          </ac:picMkLst>
+        </pc:picChg>
       </pc:sldChg>
       <pc:sldChg chg="addSp delSp modSp add del mod setBg delDesignElem">
         <pc:chgData name="Torres, Sergio E." userId="e32728b6-7cbc-4ccd-b17b-325991a4b818" providerId="ADAL" clId="{9C6018EA-39C4-4AB7-B48D-617997665656}" dt="2024-04-07T02:41:36.351" v="2808" actId="47"/>
@@ -3796,7 +4001,7 @@
         </pc:picChg>
       </pc:sldChg>
       <pc:sldChg chg="addSp modSp add mod">
-        <pc:chgData name="Torres, Sergio E." userId="e32728b6-7cbc-4ccd-b17b-325991a4b818" providerId="ADAL" clId="{9C6018EA-39C4-4AB7-B48D-617997665656}" dt="2024-04-07T02:38:40.095" v="2718" actId="1076"/>
+        <pc:chgData name="Torres, Sergio E." userId="e32728b6-7cbc-4ccd-b17b-325991a4b818" providerId="ADAL" clId="{9C6018EA-39C4-4AB7-B48D-617997665656}" dt="2024-04-07T03:54:57.805" v="2988" actId="20577"/>
         <pc:sldMkLst>
           <pc:docMk/>
           <pc:sldMk cId="578829396" sldId="312"/>
@@ -3810,7 +4015,7 @@
           </ac:spMkLst>
         </pc:spChg>
         <pc:spChg chg="add mod">
-          <ac:chgData name="Torres, Sergio E." userId="e32728b6-7cbc-4ccd-b17b-325991a4b818" providerId="ADAL" clId="{9C6018EA-39C4-4AB7-B48D-617997665656}" dt="2024-04-07T02:38:40.095" v="2718" actId="1076"/>
+          <ac:chgData name="Torres, Sergio E." userId="e32728b6-7cbc-4ccd-b17b-325991a4b818" providerId="ADAL" clId="{9C6018EA-39C4-4AB7-B48D-617997665656}" dt="2024-04-07T03:54:57.805" v="2988" actId="20577"/>
           <ac:spMkLst>
             <pc:docMk/>
             <pc:sldMk cId="578829396" sldId="312"/>
@@ -4262,8 +4467,8 @@
           </ac:picMkLst>
         </pc:picChg>
       </pc:sldChg>
-      <pc:sldChg chg="addSp modSp add">
-        <pc:chgData name="Torres, Sergio E." userId="e32728b6-7cbc-4ccd-b17b-325991a4b818" providerId="ADAL" clId="{9C6018EA-39C4-4AB7-B48D-617997665656}" dt="2024-04-07T02:43:52.866" v="2886"/>
+      <pc:sldChg chg="addSp modSp add mod">
+        <pc:chgData name="Torres, Sergio E." userId="e32728b6-7cbc-4ccd-b17b-325991a4b818" providerId="ADAL" clId="{9C6018EA-39C4-4AB7-B48D-617997665656}" dt="2024-04-07T15:29:53.905" v="3078" actId="1037"/>
         <pc:sldMkLst>
           <pc:docMk/>
           <pc:sldMk cId="2859120986" sldId="317"/>
@@ -4277,7 +4482,7 @@
           </ac:picMkLst>
         </pc:picChg>
         <pc:picChg chg="add mod">
-          <ac:chgData name="Torres, Sergio E." userId="e32728b6-7cbc-4ccd-b17b-325991a4b818" providerId="ADAL" clId="{9C6018EA-39C4-4AB7-B48D-617997665656}" dt="2024-04-07T02:43:52.866" v="2886"/>
+          <ac:chgData name="Torres, Sergio E." userId="e32728b6-7cbc-4ccd-b17b-325991a4b818" providerId="ADAL" clId="{9C6018EA-39C4-4AB7-B48D-617997665656}" dt="2024-04-07T15:29:53.905" v="3078" actId="1037"/>
           <ac:picMkLst>
             <pc:docMk/>
             <pc:sldMk cId="2859120986" sldId="317"/>
@@ -4286,7 +4491,7 @@
         </pc:picChg>
       </pc:sldChg>
       <pc:sldChg chg="addSp modSp add mod">
-        <pc:chgData name="Torres, Sergio E." userId="e32728b6-7cbc-4ccd-b17b-325991a4b818" providerId="ADAL" clId="{9C6018EA-39C4-4AB7-B48D-617997665656}" dt="2024-04-07T02:43:28.977" v="2884" actId="1035"/>
+        <pc:chgData name="Torres, Sergio E." userId="e32728b6-7cbc-4ccd-b17b-325991a4b818" providerId="ADAL" clId="{9C6018EA-39C4-4AB7-B48D-617997665656}" dt="2024-04-07T15:29:07.767" v="3032" actId="1038"/>
         <pc:sldMkLst>
           <pc:docMk/>
           <pc:sldMk cId="1985676203" sldId="318"/>
@@ -4300,7 +4505,7 @@
           </ac:picMkLst>
         </pc:picChg>
         <pc:picChg chg="add mod">
-          <ac:chgData name="Torres, Sergio E." userId="e32728b6-7cbc-4ccd-b17b-325991a4b818" providerId="ADAL" clId="{9C6018EA-39C4-4AB7-B48D-617997665656}" dt="2024-04-07T02:43:28.977" v="2884" actId="1035"/>
+          <ac:chgData name="Torres, Sergio E." userId="e32728b6-7cbc-4ccd-b17b-325991a4b818" providerId="ADAL" clId="{9C6018EA-39C4-4AB7-B48D-617997665656}" dt="2024-04-07T15:29:07.767" v="3032" actId="1038"/>
           <ac:picMkLst>
             <pc:docMk/>
             <pc:sldMk cId="1985676203" sldId="318"/>
@@ -4309,7 +4514,7 @@
         </pc:picChg>
       </pc:sldChg>
       <pc:sldChg chg="addSp delSp modSp add mod ord">
-        <pc:chgData name="Torres, Sergio E." userId="e32728b6-7cbc-4ccd-b17b-325991a4b818" providerId="ADAL" clId="{9C6018EA-39C4-4AB7-B48D-617997665656}" dt="2024-04-07T03:01:22.673" v="2960" actId="1076"/>
+        <pc:chgData name="Torres, Sergio E." userId="e32728b6-7cbc-4ccd-b17b-325991a4b818" providerId="ADAL" clId="{9C6018EA-39C4-4AB7-B48D-617997665656}" dt="2024-04-07T15:31:57.051" v="3082" actId="113"/>
         <pc:sldMkLst>
           <pc:docMk/>
           <pc:sldMk cId="2721228401" sldId="319"/>
@@ -4323,7 +4528,7 @@
           </ac:spMkLst>
         </pc:spChg>
         <pc:spChg chg="add mod">
-          <ac:chgData name="Torres, Sergio E." userId="e32728b6-7cbc-4ccd-b17b-325991a4b818" providerId="ADAL" clId="{9C6018EA-39C4-4AB7-B48D-617997665656}" dt="2024-04-07T03:01:06.572" v="2958" actId="1076"/>
+          <ac:chgData name="Torres, Sergio E." userId="e32728b6-7cbc-4ccd-b17b-325991a4b818" providerId="ADAL" clId="{9C6018EA-39C4-4AB7-B48D-617997665656}" dt="2024-04-07T15:31:57.051" v="3082" actId="113"/>
           <ac:spMkLst>
             <pc:docMk/>
             <pc:sldMk cId="2721228401" sldId="319"/>
@@ -4331,7 +4536,7 @@
           </ac:spMkLst>
         </pc:spChg>
         <pc:spChg chg="add mod">
-          <ac:chgData name="Torres, Sergio E." userId="e32728b6-7cbc-4ccd-b17b-325991a4b818" providerId="ADAL" clId="{9C6018EA-39C4-4AB7-B48D-617997665656}" dt="2024-04-07T03:01:17.283" v="2959" actId="1076"/>
+          <ac:chgData name="Torres, Sergio E." userId="e32728b6-7cbc-4ccd-b17b-325991a4b818" providerId="ADAL" clId="{9C6018EA-39C4-4AB7-B48D-617997665656}" dt="2024-04-07T15:31:12.590" v="3081" actId="113"/>
           <ac:spMkLst>
             <pc:docMk/>
             <pc:sldMk cId="2721228401" sldId="319"/>
@@ -4555,7 +4760,7 @@
           <a:p>
             <a:fld id="{60AFC7E9-2C41-4931-9D17-B7C30FDA9379}" type="datetimeFigureOut">
               <a:rPr lang="en-CA" smtClean="0"/>
-              <a:t>2024-04-06</a:t>
+              <a:t>2024-04-08</a:t>
             </a:fld>
             <a:endParaRPr lang="en-CA"/>
           </a:p>
@@ -4755,7 +4960,7 @@
           <a:p>
             <a:fld id="{60AFC7E9-2C41-4931-9D17-B7C30FDA9379}" type="datetimeFigureOut">
               <a:rPr lang="en-CA" smtClean="0"/>
-              <a:t>2024-04-06</a:t>
+              <a:t>2024-04-08</a:t>
             </a:fld>
             <a:endParaRPr lang="en-CA"/>
           </a:p>
@@ -5031,7 +5236,7 @@
           <a:p>
             <a:fld id="{60AFC7E9-2C41-4931-9D17-B7C30FDA9379}" type="datetimeFigureOut">
               <a:rPr lang="en-CA" smtClean="0"/>
-              <a:t>2024-04-06</a:t>
+              <a:t>2024-04-08</a:t>
             </a:fld>
             <a:endParaRPr lang="en-CA"/>
           </a:p>
@@ -5299,7 +5504,7 @@
           <a:p>
             <a:fld id="{60AFC7E9-2C41-4931-9D17-B7C30FDA9379}" type="datetimeFigureOut">
               <a:rPr lang="en-CA" smtClean="0"/>
-              <a:t>2024-04-06</a:t>
+              <a:t>2024-04-08</a:t>
             </a:fld>
             <a:endParaRPr lang="en-CA"/>
           </a:p>
@@ -5714,7 +5919,7 @@
           <a:p>
             <a:fld id="{60AFC7E9-2C41-4931-9D17-B7C30FDA9379}" type="datetimeFigureOut">
               <a:rPr lang="en-CA" smtClean="0"/>
-              <a:t>2024-04-06</a:t>
+              <a:t>2024-04-08</a:t>
             </a:fld>
             <a:endParaRPr lang="en-CA"/>
           </a:p>
@@ -6027,7 +6232,7 @@
           <a:p>
             <a:fld id="{60AFC7E9-2C41-4931-9D17-B7C30FDA9379}" type="datetimeFigureOut">
               <a:rPr lang="en-CA" smtClean="0"/>
-              <a:t>2024-04-06</a:t>
+              <a:t>2024-04-08</a:t>
             </a:fld>
             <a:endParaRPr lang="en-CA"/>
           </a:p>
@@ -6316,7 +6521,7 @@
           <a:p>
             <a:fld id="{60AFC7E9-2C41-4931-9D17-B7C30FDA9379}" type="datetimeFigureOut">
               <a:rPr lang="en-CA" smtClean="0"/>
-              <a:t>2024-04-06</a:t>
+              <a:t>2024-04-08</a:t>
             </a:fld>
             <a:endParaRPr lang="en-CA"/>
           </a:p>
@@ -6516,7 +6721,7 @@
           <a:p>
             <a:fld id="{60AFC7E9-2C41-4931-9D17-B7C30FDA9379}" type="datetimeFigureOut">
               <a:rPr lang="en-CA" smtClean="0"/>
-              <a:t>2024-04-06</a:t>
+              <a:t>2024-04-08</a:t>
             </a:fld>
             <a:endParaRPr lang="en-CA"/>
           </a:p>
@@ -6726,7 +6931,7 @@
           <a:p>
             <a:fld id="{60AFC7E9-2C41-4931-9D17-B7C30FDA9379}" type="datetimeFigureOut">
               <a:rPr lang="en-CA" smtClean="0"/>
-              <a:t>2024-04-06</a:t>
+              <a:t>2024-04-08</a:t>
             </a:fld>
             <a:endParaRPr lang="en-CA"/>
           </a:p>
@@ -6969,7 +7174,7 @@
           <a:p>
             <a:fld id="{60AFC7E9-2C41-4931-9D17-B7C30FDA9379}" type="datetimeFigureOut">
               <a:rPr lang="en-CA" smtClean="0"/>
-              <a:t>2024-04-06</a:t>
+              <a:t>2024-04-08</a:t>
             </a:fld>
             <a:endParaRPr lang="en-CA"/>
           </a:p>
@@ -7776,17 +7981,6 @@
                   <a:schemeClr val="bg1"/>
                 </a:solidFill>
               </a:rPr>
-              <a:t>Sergio Torres 	300366657</a:t>
-            </a:r>
-          </a:p>
-          <a:p>
-            <a:pPr algn="l"/>
-            <a:r>
-              <a:rPr lang="en-CA" sz="1400" b="1" dirty="0">
-                <a:solidFill>
-                  <a:schemeClr val="bg1"/>
-                </a:solidFill>
-              </a:rPr>
               <a:t>Samira </a:t>
             </a:r>
             <a:r>
@@ -7808,6 +8002,14 @@
           </a:p>
           <a:p>
             <a:pPr algn="l"/>
+            <a:r>
+              <a:rPr lang="en-CA" sz="1400" b="1" dirty="0">
+                <a:solidFill>
+                  <a:schemeClr val="bg1"/>
+                </a:solidFill>
+              </a:rPr>
+              <a:t>Sergio Torres 	300366657 </a:t>
+            </a:r>
             <a:r>
               <a:rPr lang="en-CA" sz="1400" b="1" dirty="0">
                 <a:solidFill>
@@ -11671,7 +11873,7 @@
           <a:p>
             <a:pPr algn="ctr"/>
             <a:r>
-              <a:rPr lang="en-US" sz="7200" b="1" kern="1200" dirty="0">
+              <a:rPr lang="en-US" sz="7200" b="1" kern="1200">
                 <a:solidFill>
                   <a:schemeClr val="tx1"/>
                 </a:solidFill>
@@ -11682,7 +11884,7 @@
               <a:t>Classification – </a:t>
             </a:r>
             <a:br>
-              <a:rPr lang="en-US" sz="7200" b="1" kern="1200" dirty="0">
+              <a:rPr lang="en-US" sz="7200" b="1" kern="1200">
                 <a:solidFill>
                   <a:schemeClr val="tx1"/>
                 </a:solidFill>
@@ -11692,7 +11894,7 @@
               </a:rPr>
             </a:br>
             <a:r>
-              <a:rPr lang="en-US" sz="7200" b="1" kern="1200" dirty="0">
+              <a:rPr lang="en-US" sz="7200" b="1" kern="1200">
                 <a:solidFill>
                   <a:schemeClr val="tx1"/>
                 </a:solidFill>
@@ -14149,6 +14351,470 @@
       </p:sp>
       <p:sp>
         <p:nvSpPr>
+          <p:cNvPr id="7" name="TextBox 6">
+            <a:extLst>
+              <a:ext uri="{FF2B5EF4-FFF2-40B4-BE49-F238E27FC236}">
+                <a16:creationId xmlns:a16="http://schemas.microsoft.com/office/drawing/2014/main" id="{504BDD8D-194D-1B52-A1F0-C7D7D1B8EED3}"/>
+              </a:ext>
+            </a:extLst>
+          </p:cNvPr>
+          <p:cNvSpPr txBox="1"/>
+          <p:nvPr/>
+        </p:nvSpPr>
+        <p:spPr>
+          <a:xfrm>
+            <a:off x="6288798" y="1964657"/>
+            <a:ext cx="5058906" cy="4185761"/>
+          </a:xfrm>
+          <a:prstGeom prst="rect">
+            <a:avLst/>
+          </a:prstGeom>
+          <a:noFill/>
+        </p:spPr>
+        <p:txBody>
+          <a:bodyPr wrap="square" rtlCol="0">
+            <a:spAutoFit/>
+          </a:bodyPr>
+          <a:lstStyle/>
+          <a:p>
+            <a:pPr algn="just"/>
+            <a:r>
+              <a:rPr lang="en-US" sz="1400" b="1" dirty="0"/>
+              <a:t>Accuracy:</a:t>
+            </a:r>
+          </a:p>
+          <a:p>
+            <a:pPr marL="285750" indent="-285750" algn="just">
+              <a:buFont typeface="Arial" panose="020B0604020202020204" pitchFamily="34" charset="0"/>
+              <a:buChar char="•"/>
+            </a:pPr>
+            <a:r>
+              <a:rPr lang="en-US" sz="1400" dirty="0"/>
+              <a:t>The accuracy on the </a:t>
+            </a:r>
+            <a:r>
+              <a:rPr lang="en-US" sz="1400" b="1" dirty="0"/>
+              <a:t>training set</a:t>
+            </a:r>
+            <a:r>
+              <a:rPr lang="en-US" sz="1400" dirty="0"/>
+              <a:t> is approximately </a:t>
+            </a:r>
+            <a:r>
+              <a:rPr lang="en-US" sz="1400" b="1" dirty="0"/>
+              <a:t>84.27%</a:t>
+            </a:r>
+            <a:r>
+              <a:rPr lang="en-US" sz="1400" dirty="0"/>
+              <a:t>. The classifier correctly predicts the class of about 84.27% of the instances in the training dataset.</a:t>
+            </a:r>
+          </a:p>
+          <a:p>
+            <a:pPr marL="285750" indent="-285750" algn="just">
+              <a:buFont typeface="Arial" panose="020B0604020202020204" pitchFamily="34" charset="0"/>
+              <a:buChar char="•"/>
+            </a:pPr>
+            <a:r>
+              <a:rPr lang="en-US" sz="1400" dirty="0"/>
+              <a:t>The accuracy on the </a:t>
+            </a:r>
+            <a:r>
+              <a:rPr lang="en-US" sz="1400" b="1" dirty="0"/>
+              <a:t>test set</a:t>
+            </a:r>
+            <a:r>
+              <a:rPr lang="en-US" sz="1400" dirty="0"/>
+              <a:t> is approximately </a:t>
+            </a:r>
+            <a:r>
+              <a:rPr lang="en-US" sz="1400" b="1" dirty="0"/>
+              <a:t>84.20%</a:t>
+            </a:r>
+            <a:r>
+              <a:rPr lang="en-US" sz="1400" dirty="0"/>
+              <a:t>. The classifier correctly predicts the class of about 84.20% of the instances in the test dataset.</a:t>
+            </a:r>
+          </a:p>
+          <a:p>
+            <a:pPr algn="just"/>
+            <a:endParaRPr lang="en-US" sz="1400" b="1" dirty="0"/>
+          </a:p>
+          <a:p>
+            <a:pPr algn="just"/>
+            <a:r>
+              <a:rPr lang="en-US" sz="1400" b="1" dirty="0"/>
+              <a:t>Recall:</a:t>
+            </a:r>
+          </a:p>
+          <a:p>
+            <a:pPr marL="285750" indent="-285750" algn="just">
+              <a:buFont typeface="Arial" panose="020B0604020202020204" pitchFamily="34" charset="0"/>
+              <a:buChar char="•"/>
+            </a:pPr>
+            <a:r>
+              <a:rPr lang="en-US" sz="1400" dirty="0"/>
+              <a:t>The recall on the training set is approximately </a:t>
+            </a:r>
+            <a:r>
+              <a:rPr lang="en-US" sz="1400" b="1" dirty="0"/>
+              <a:t>85.75%.</a:t>
+            </a:r>
+            <a:r>
+              <a:rPr lang="en-US" sz="1400" dirty="0"/>
+              <a:t> The classifier correctly identifies about 85.75% of the positive instances in the training dataset.</a:t>
+            </a:r>
+          </a:p>
+          <a:p>
+            <a:pPr marL="285750" indent="-285750" algn="just">
+              <a:buFont typeface="Arial" panose="020B0604020202020204" pitchFamily="34" charset="0"/>
+              <a:buChar char="•"/>
+            </a:pPr>
+            <a:r>
+              <a:rPr lang="en-US" sz="1400" dirty="0"/>
+              <a:t>The recall on the test set is approximately </a:t>
+            </a:r>
+            <a:r>
+              <a:rPr lang="en-US" sz="1400" b="1" dirty="0"/>
+              <a:t>85.79%</a:t>
+            </a:r>
+            <a:r>
+              <a:rPr lang="en-US" sz="1400" dirty="0"/>
+              <a:t>. The classifier correctly identifies about 85.79% of the positive instances in the test dataset.</a:t>
+            </a:r>
+          </a:p>
+          <a:p>
+            <a:pPr algn="just"/>
+            <a:endParaRPr lang="en-US" sz="1400" dirty="0"/>
+          </a:p>
+          <a:p>
+            <a:pPr algn="just"/>
+            <a:r>
+              <a:rPr lang="en-US" sz="1400" dirty="0"/>
+              <a:t>The </a:t>
+            </a:r>
+            <a:r>
+              <a:rPr lang="en-US" sz="1400" b="1" dirty="0"/>
+              <a:t>ROC curve </a:t>
+            </a:r>
+            <a:r>
+              <a:rPr lang="en-US" sz="1400" dirty="0"/>
+              <a:t>value of 0.84 can be considered </a:t>
+            </a:r>
+            <a:r>
+              <a:rPr lang="en-US" sz="1400" b="1" dirty="0"/>
+              <a:t>good </a:t>
+            </a:r>
+            <a:r>
+              <a:rPr lang="en-US" sz="1400" dirty="0"/>
+              <a:t>range because indicating that it has a strong ability to distinguish between the positive and negative classes.</a:t>
+            </a:r>
+            <a:endParaRPr lang="en-CA" sz="1400" dirty="0"/>
+          </a:p>
+        </p:txBody>
+      </p:sp>
+      <p:pic>
+        <p:nvPicPr>
+          <p:cNvPr id="6" name="Picture 5">
+            <a:extLst>
+              <a:ext uri="{FF2B5EF4-FFF2-40B4-BE49-F238E27FC236}">
+                <a16:creationId xmlns:a16="http://schemas.microsoft.com/office/drawing/2014/main" id="{B1081E7F-5A1E-3AD4-FD22-B5793874226D}"/>
+              </a:ext>
+            </a:extLst>
+          </p:cNvPr>
+          <p:cNvPicPr>
+            <a:picLocks noChangeAspect="1"/>
+          </p:cNvPicPr>
+          <p:nvPr/>
+        </p:nvPicPr>
+        <p:blipFill>
+          <a:blip r:embed="rId2"/>
+          <a:stretch>
+            <a:fillRect/>
+          </a:stretch>
+        </p:blipFill>
+        <p:spPr>
+          <a:xfrm>
+            <a:off x="397753" y="1877783"/>
+            <a:ext cx="5505450" cy="4333875"/>
+          </a:xfrm>
+          <a:prstGeom prst="rect">
+            <a:avLst/>
+          </a:prstGeom>
+        </p:spPr>
+      </p:pic>
+    </p:spTree>
+    <p:extLst>
+      <p:ext uri="{BB962C8B-B14F-4D97-AF65-F5344CB8AC3E}">
+        <p14:creationId xmlns:p14="http://schemas.microsoft.com/office/powerpoint/2010/main" val="3408765465"/>
+      </p:ext>
+    </p:extLst>
+  </p:cSld>
+  <p:clrMapOvr>
+    <a:masterClrMapping/>
+  </p:clrMapOvr>
+</p:sld>
+</file>
+
+<file path=ppt/slides/slide19.xml><?xml version="1.0" encoding="utf-8"?>
+<p:sld xmlns:a="http://schemas.openxmlformats.org/drawingml/2006/main" xmlns:r="http://schemas.openxmlformats.org/officeDocument/2006/relationships" xmlns:p="http://schemas.openxmlformats.org/presentationml/2006/main">
+  <p:cSld>
+    <p:bg>
+      <p:bgPr>
+        <a:solidFill>
+          <a:schemeClr val="bg1"/>
+        </a:solidFill>
+        <a:effectLst/>
+      </p:bgPr>
+    </p:bg>
+    <p:spTree>
+      <p:nvGrpSpPr>
+        <p:cNvPr id="1" name=""/>
+        <p:cNvGrpSpPr/>
+        <p:nvPr/>
+      </p:nvGrpSpPr>
+      <p:grpSpPr>
+        <a:xfrm>
+          <a:off x="0" y="0"/>
+          <a:ext cx="0" cy="0"/>
+          <a:chOff x="0" y="0"/>
+          <a:chExt cx="0" cy="0"/>
+        </a:xfrm>
+      </p:grpSpPr>
+      <p:sp useBgFill="1">
+        <p:nvSpPr>
+          <p:cNvPr id="48" name="Rectangle 47">
+            <a:extLst>
+              <a:ext uri="{FF2B5EF4-FFF2-40B4-BE49-F238E27FC236}">
+                <a16:creationId xmlns:a16="http://schemas.microsoft.com/office/drawing/2014/main" id="{53B021B3-DE93-4AB7-8A18-CF5F1CED88B8}"/>
+              </a:ext>
+              <a:ext uri="{C183D7F6-B498-43B3-948B-1728B52AA6E4}">
+                <adec:decorative xmlns:adec="http://schemas.microsoft.com/office/drawing/2017/decorative" val="1"/>
+              </a:ext>
+            </a:extLst>
+          </p:cNvPr>
+          <p:cNvSpPr>
+            <a:spLocks noGrp="1" noRot="1" noChangeAspect="1" noMove="1" noResize="1" noEditPoints="1" noAdjustHandles="1" noChangeArrowheads="1" noChangeShapeType="1" noTextEdit="1"/>
+          </p:cNvSpPr>
+          <p:nvPr>
+            <p:extLst>
+              <p:ext uri="{386F3935-93C4-4BCD-93E2-E3B085C9AB24}">
+                <p16:designElem xmlns:p16="http://schemas.microsoft.com/office/powerpoint/2015/main" val="1"/>
+              </p:ext>
+            </p:extLst>
+          </p:nvPr>
+        </p:nvSpPr>
+        <p:spPr>
+          <a:xfrm>
+            <a:off x="0" y="0"/>
+            <a:ext cx="12192000" cy="6858000"/>
+          </a:xfrm>
+          <a:prstGeom prst="rect">
+            <a:avLst/>
+          </a:prstGeom>
+          <a:ln>
+            <a:noFill/>
+          </a:ln>
+        </p:spPr>
+        <p:style>
+          <a:lnRef idx="2">
+            <a:schemeClr val="accent1">
+              <a:shade val="50000"/>
+            </a:schemeClr>
+          </a:lnRef>
+          <a:fillRef idx="1">
+            <a:schemeClr val="accent1"/>
+          </a:fillRef>
+          <a:effectRef idx="0">
+            <a:schemeClr val="accent1"/>
+          </a:effectRef>
+          <a:fontRef idx="minor">
+            <a:schemeClr val="lt1"/>
+          </a:fontRef>
+        </p:style>
+        <p:txBody>
+          <a:bodyPr rtlCol="0" anchor="ctr"/>
+          <a:lstStyle/>
+          <a:p>
+            <a:pPr algn="ctr"/>
+            <a:endParaRPr lang="en-US"/>
+          </a:p>
+        </p:txBody>
+      </p:sp>
+      <p:sp>
+        <p:nvSpPr>
+          <p:cNvPr id="2" name="Title 1">
+            <a:extLst>
+              <a:ext uri="{FF2B5EF4-FFF2-40B4-BE49-F238E27FC236}">
+                <a16:creationId xmlns:a16="http://schemas.microsoft.com/office/drawing/2014/main" id="{4E35493B-EC95-4D54-B376-84DABC1F268E}"/>
+              </a:ext>
+            </a:extLst>
+          </p:cNvPr>
+          <p:cNvSpPr>
+            <a:spLocks noGrp="1"/>
+          </p:cNvSpPr>
+          <p:nvPr>
+            <p:ph type="title"/>
+          </p:nvPr>
+        </p:nvSpPr>
+        <p:spPr>
+          <a:xfrm>
+            <a:off x="841248" y="256032"/>
+            <a:ext cx="10506456" cy="1014984"/>
+          </a:xfrm>
+        </p:spPr>
+        <p:txBody>
+          <a:bodyPr anchor="b">
+            <a:normAutofit/>
+          </a:bodyPr>
+          <a:lstStyle/>
+          <a:p>
+            <a:r>
+              <a:rPr lang="en-CA" b="1" dirty="0"/>
+              <a:t>Classification – Decision Tree</a:t>
+            </a:r>
+            <a:endParaRPr lang="en-CA" dirty="0"/>
+          </a:p>
+        </p:txBody>
+      </p:sp>
+      <p:sp>
+        <p:nvSpPr>
+          <p:cNvPr id="50" name="Rectangle 49">
+            <a:extLst>
+              <a:ext uri="{FF2B5EF4-FFF2-40B4-BE49-F238E27FC236}">
+                <a16:creationId xmlns:a16="http://schemas.microsoft.com/office/drawing/2014/main" id="{52D502E5-F6B4-4D58-B4AE-FC466FF15EE8}"/>
+              </a:ext>
+              <a:ext uri="{C183D7F6-B498-43B3-948B-1728B52AA6E4}">
+                <adec:decorative xmlns:adec="http://schemas.microsoft.com/office/drawing/2017/decorative" val="1"/>
+              </a:ext>
+            </a:extLst>
+          </p:cNvPr>
+          <p:cNvSpPr>
+            <a:spLocks noGrp="1" noRot="1" noChangeAspect="1" noMove="1" noResize="1" noEditPoints="1" noAdjustHandles="1" noChangeArrowheads="1" noChangeShapeType="1" noTextEdit="1"/>
+          </p:cNvSpPr>
+          <p:nvPr>
+            <p:extLst>
+              <p:ext uri="{386F3935-93C4-4BCD-93E2-E3B085C9AB24}">
+                <p16:designElem xmlns:p16="http://schemas.microsoft.com/office/powerpoint/2015/main" val="1"/>
+              </p:ext>
+            </p:extLst>
+          </p:nvPr>
+        </p:nvSpPr>
+        <p:spPr>
+          <a:xfrm>
+            <a:off x="865953" y="1634502"/>
+            <a:ext cx="10451592" cy="18288"/>
+          </a:xfrm>
+          <a:prstGeom prst="rect">
+            <a:avLst/>
+          </a:prstGeom>
+          <a:solidFill>
+            <a:srgbClr val="D5D5D5"/>
+          </a:solidFill>
+          <a:ln w="3175">
+            <a:noFill/>
+          </a:ln>
+          <a:effectLst/>
+        </p:spPr>
+        <p:style>
+          <a:lnRef idx="2">
+            <a:schemeClr val="accent1">
+              <a:shade val="50000"/>
+            </a:schemeClr>
+          </a:lnRef>
+          <a:fillRef idx="1">
+            <a:schemeClr val="accent1"/>
+          </a:fillRef>
+          <a:effectRef idx="0">
+            <a:schemeClr val="accent1"/>
+          </a:effectRef>
+          <a:fontRef idx="minor">
+            <a:schemeClr val="lt1"/>
+          </a:fontRef>
+        </p:style>
+        <p:txBody>
+          <a:bodyPr rtlCol="0" anchor="ctr"/>
+          <a:lstStyle/>
+          <a:p>
+            <a:pPr algn="ctr"/>
+            <a:endParaRPr lang="en-US">
+              <a:solidFill>
+                <a:prstClr val="white"/>
+              </a:solidFill>
+              <a:latin typeface="Calibri" panose="020F0502020204030204"/>
+            </a:endParaRPr>
+          </a:p>
+        </p:txBody>
+      </p:sp>
+      <p:sp>
+        <p:nvSpPr>
+          <p:cNvPr id="52" name="Rectangle 51">
+            <a:extLst>
+              <a:ext uri="{FF2B5EF4-FFF2-40B4-BE49-F238E27FC236}">
+                <a16:creationId xmlns:a16="http://schemas.microsoft.com/office/drawing/2014/main" id="{9DECDBF4-02B6-4BB4-B65B-B8107AD6A9E8}"/>
+              </a:ext>
+              <a:ext uri="{C183D7F6-B498-43B3-948B-1728B52AA6E4}">
+                <adec:decorative xmlns:adec="http://schemas.microsoft.com/office/drawing/2017/decorative" val="1"/>
+              </a:ext>
+            </a:extLst>
+          </p:cNvPr>
+          <p:cNvSpPr>
+            <a:spLocks noGrp="1" noRot="1" noChangeAspect="1" noMove="1" noResize="1" noEditPoints="1" noAdjustHandles="1" noChangeArrowheads="1" noChangeShapeType="1" noTextEdit="1"/>
+          </p:cNvSpPr>
+          <p:nvPr>
+            <p:extLst>
+              <p:ext uri="{386F3935-93C4-4BCD-93E2-E3B085C9AB24}">
+                <p16:designElem xmlns:p16="http://schemas.microsoft.com/office/powerpoint/2015/main" val="1"/>
+              </p:ext>
+            </p:extLst>
+          </p:nvPr>
+        </p:nvSpPr>
+        <p:spPr>
+          <a:xfrm flipV="1">
+            <a:off x="841248" y="1538176"/>
+            <a:ext cx="1873457" cy="109814"/>
+          </a:xfrm>
+          <a:prstGeom prst="rect">
+            <a:avLst/>
+          </a:prstGeom>
+          <a:solidFill>
+            <a:schemeClr val="accent2"/>
+          </a:solidFill>
+          <a:ln>
+            <a:noFill/>
+          </a:ln>
+        </p:spPr>
+        <p:style>
+          <a:lnRef idx="2">
+            <a:schemeClr val="accent1">
+              <a:shade val="50000"/>
+            </a:schemeClr>
+          </a:lnRef>
+          <a:fillRef idx="1">
+            <a:schemeClr val="accent1"/>
+          </a:fillRef>
+          <a:effectRef idx="0">
+            <a:schemeClr val="accent1"/>
+          </a:effectRef>
+          <a:fontRef idx="minor">
+            <a:schemeClr val="lt1"/>
+          </a:fontRef>
+        </p:style>
+        <p:txBody>
+          <a:bodyPr rtlCol="0" anchor="ctr"/>
+          <a:lstStyle/>
+          <a:p>
+            <a:pPr algn="ctr"/>
+            <a:endParaRPr lang="en-US">
+              <a:solidFill>
+                <a:prstClr val="white"/>
+              </a:solidFill>
+              <a:latin typeface="Calibri" panose="020F0502020204030204"/>
+            </a:endParaRPr>
+          </a:p>
+        </p:txBody>
+      </p:sp>
+      <p:sp>
+        <p:nvSpPr>
           <p:cNvPr id="3" name="TextBox 2">
             <a:extLst>
               <a:ext uri="{FF2B5EF4-FFF2-40B4-BE49-F238E27FC236}">
@@ -14340,7 +15006,290 @@
 </p:sld>
 </file>
 
-<file path=ppt/slides/slide19.xml><?xml version="1.0" encoding="utf-8"?>
+<file path=ppt/slides/slide2.xml><?xml version="1.0" encoding="utf-8"?>
+<p:sld xmlns:a="http://schemas.openxmlformats.org/drawingml/2006/main" xmlns:r="http://schemas.openxmlformats.org/officeDocument/2006/relationships" xmlns:p="http://schemas.openxmlformats.org/presentationml/2006/main">
+  <p:cSld>
+    <p:bg>
+      <p:bgPr>
+        <a:solidFill>
+          <a:schemeClr val="bg1"/>
+        </a:solidFill>
+        <a:effectLst/>
+      </p:bgPr>
+    </p:bg>
+    <p:spTree>
+      <p:nvGrpSpPr>
+        <p:cNvPr id="1" name=""/>
+        <p:cNvGrpSpPr/>
+        <p:nvPr/>
+      </p:nvGrpSpPr>
+      <p:grpSpPr>
+        <a:xfrm>
+          <a:off x="0" y="0"/>
+          <a:ext cx="0" cy="0"/>
+          <a:chOff x="0" y="0"/>
+          <a:chExt cx="0" cy="0"/>
+        </a:xfrm>
+      </p:grpSpPr>
+      <p:sp>
+        <p:nvSpPr>
+          <p:cNvPr id="2" name="Title 1">
+            <a:extLst>
+              <a:ext uri="{FF2B5EF4-FFF2-40B4-BE49-F238E27FC236}">
+                <a16:creationId xmlns:a16="http://schemas.microsoft.com/office/drawing/2014/main" id="{32772C02-A137-4364-960E-6ACE46B922E3}"/>
+              </a:ext>
+            </a:extLst>
+          </p:cNvPr>
+          <p:cNvSpPr>
+            <a:spLocks noGrp="1"/>
+          </p:cNvSpPr>
+          <p:nvPr>
+            <p:ph type="ctrTitle"/>
+          </p:nvPr>
+        </p:nvSpPr>
+        <p:spPr>
+          <a:xfrm>
+            <a:off x="8153400" y="1128094"/>
+            <a:ext cx="3434180" cy="1415270"/>
+          </a:xfrm>
+        </p:spPr>
+        <p:txBody>
+          <a:bodyPr vert="horz" lIns="91440" tIns="45720" rIns="91440" bIns="45720" rtlCol="0" anchor="t">
+            <a:normAutofit/>
+          </a:bodyPr>
+          <a:lstStyle/>
+          <a:p>
+            <a:pPr algn="l"/>
+            <a:r>
+              <a:rPr lang="en-US" sz="3200" b="1"/>
+              <a:t>Agenda</a:t>
+            </a:r>
+          </a:p>
+        </p:txBody>
+      </p:sp>
+      <p:pic>
+        <p:nvPicPr>
+          <p:cNvPr id="40" name="Picture 39" descr="Writing an appointment on a paper agenda">
+            <a:extLst>
+              <a:ext uri="{FF2B5EF4-FFF2-40B4-BE49-F238E27FC236}">
+                <a16:creationId xmlns:a16="http://schemas.microsoft.com/office/drawing/2014/main" id="{2E72645C-681F-D6EA-DC87-A9DC1C0DF293}"/>
+              </a:ext>
+            </a:extLst>
+          </p:cNvPr>
+          <p:cNvPicPr>
+            <a:picLocks noChangeAspect="1"/>
+          </p:cNvPicPr>
+          <p:nvPr/>
+        </p:nvPicPr>
+        <p:blipFill rotWithShape="1">
+          <a:blip r:embed="rId2"/>
+          <a:srcRect r="26294" b="-1"/>
+          <a:stretch/>
+        </p:blipFill>
+        <p:spPr>
+          <a:xfrm>
+            <a:off x="-9886" y="10"/>
+            <a:ext cx="7572605" cy="6857990"/>
+          </a:xfrm>
+          <a:prstGeom prst="rect">
+            <a:avLst/>
+          </a:prstGeom>
+        </p:spPr>
+      </p:pic>
+      <p:cxnSp>
+        <p:nvCxnSpPr>
+          <p:cNvPr id="47" name="Straight Connector 46">
+            <a:extLst>
+              <a:ext uri="{FF2B5EF4-FFF2-40B4-BE49-F238E27FC236}">
+                <a16:creationId xmlns:a16="http://schemas.microsoft.com/office/drawing/2014/main" id="{249EDD1B-F94D-B4E6-ACAA-566B9A26FDE3}"/>
+              </a:ext>
+              <a:ext uri="{C183D7F6-B498-43B3-948B-1728B52AA6E4}">
+                <adec:decorative xmlns:adec="http://schemas.microsoft.com/office/drawing/2017/decorative" val="1"/>
+              </a:ext>
+            </a:extLst>
+          </p:cNvPr>
+          <p:cNvCxnSpPr>
+            <a:cxnSpLocks noGrp="1" noRot="1" noChangeAspect="1" noMove="1" noResize="1" noEditPoints="1" noAdjustHandles="1" noChangeArrowheads="1" noChangeShapeType="1"/>
+          </p:cNvCxnSpPr>
+          <p:nvPr>
+            <p:extLst>
+              <p:ext uri="{386F3935-93C4-4BCD-93E2-E3B085C9AB24}">
+                <p16:designElem xmlns:p16="http://schemas.microsoft.com/office/powerpoint/2015/main" val="1"/>
+              </p:ext>
+            </p:extLst>
+          </p:nvPr>
+        </p:nvCxnSpPr>
+        <p:spPr>
+          <a:xfrm>
+            <a:off x="8199390" y="871146"/>
+            <a:ext cx="736939" cy="0"/>
+          </a:xfrm>
+          <a:prstGeom prst="line">
+            <a:avLst/>
+          </a:prstGeom>
+          <a:ln w="57150">
+            <a:solidFill>
+              <a:schemeClr val="accent4"/>
+            </a:solidFill>
+          </a:ln>
+        </p:spPr>
+        <p:style>
+          <a:lnRef idx="1">
+            <a:schemeClr val="accent1"/>
+          </a:lnRef>
+          <a:fillRef idx="0">
+            <a:schemeClr val="accent1"/>
+          </a:fillRef>
+          <a:effectRef idx="0">
+            <a:schemeClr val="accent1"/>
+          </a:effectRef>
+          <a:fontRef idx="minor">
+            <a:schemeClr val="tx1"/>
+          </a:fontRef>
+        </p:style>
+      </p:cxnSp>
+      <p:sp>
+        <p:nvSpPr>
+          <p:cNvPr id="3" name="Subtitle 2">
+            <a:extLst>
+              <a:ext uri="{FF2B5EF4-FFF2-40B4-BE49-F238E27FC236}">
+                <a16:creationId xmlns:a16="http://schemas.microsoft.com/office/drawing/2014/main" id="{5E8BA5FB-6C9E-4A1C-8038-6871E8514952}"/>
+              </a:ext>
+            </a:extLst>
+          </p:cNvPr>
+          <p:cNvSpPr>
+            <a:spLocks noGrp="1"/>
+          </p:cNvSpPr>
+          <p:nvPr>
+            <p:ph type="subTitle" idx="1"/>
+          </p:nvPr>
+        </p:nvSpPr>
+        <p:spPr>
+          <a:xfrm>
+            <a:off x="8153400" y="1779814"/>
+            <a:ext cx="3897086" cy="4362569"/>
+          </a:xfrm>
+        </p:spPr>
+        <p:txBody>
+          <a:bodyPr vert="horz" lIns="91440" tIns="45720" rIns="91440" bIns="45720" rtlCol="0">
+            <a:normAutofit/>
+          </a:bodyPr>
+          <a:lstStyle/>
+          <a:p>
+            <a:pPr indent="-228600" algn="l">
+              <a:buFont typeface="Arial" panose="020B0604020202020204" pitchFamily="34" charset="0"/>
+              <a:buChar char="•"/>
+            </a:pPr>
+            <a:r>
+              <a:rPr lang="en-US" sz="2000" dirty="0"/>
+              <a:t>Context</a:t>
+            </a:r>
+          </a:p>
+          <a:p>
+            <a:pPr marL="800100" lvl="1" indent="-228600" algn="l">
+              <a:buFont typeface="Arial" panose="020B0604020202020204" pitchFamily="34" charset="0"/>
+              <a:buChar char="•"/>
+            </a:pPr>
+            <a:r>
+              <a:rPr lang="en-US" dirty="0"/>
+              <a:t>Business Case</a:t>
+            </a:r>
+          </a:p>
+          <a:p>
+            <a:pPr marL="800100" lvl="1" indent="-228600" algn="l">
+              <a:buFont typeface="Arial" panose="020B0604020202020204" pitchFamily="34" charset="0"/>
+              <a:buChar char="•"/>
+            </a:pPr>
+            <a:r>
+              <a:rPr lang="en-US" dirty="0"/>
+              <a:t>Objectives</a:t>
+            </a:r>
+          </a:p>
+          <a:p>
+            <a:pPr marL="800100" lvl="1" indent="-228600" algn="l">
+              <a:buFont typeface="Arial" panose="020B0604020202020204" pitchFamily="34" charset="0"/>
+              <a:buChar char="•"/>
+            </a:pPr>
+            <a:r>
+              <a:rPr lang="en-US" dirty="0"/>
+              <a:t>Exploratory Data Analysis</a:t>
+            </a:r>
+          </a:p>
+          <a:p>
+            <a:pPr indent="-228600" algn="l">
+              <a:buFont typeface="Arial" panose="020B0604020202020204" pitchFamily="34" charset="0"/>
+              <a:buChar char="•"/>
+            </a:pPr>
+            <a:r>
+              <a:rPr lang="en-US" sz="2000" dirty="0"/>
+              <a:t>Classification - </a:t>
+            </a:r>
+            <a:r>
+              <a:rPr lang="en-US" sz="2000" dirty="0">
+                <a:sym typeface="Tahoma"/>
+              </a:rPr>
+              <a:t>Naïve Bayes</a:t>
+            </a:r>
+          </a:p>
+          <a:p>
+            <a:pPr indent="-228600" algn="l">
+              <a:buFont typeface="Arial" panose="020B0604020202020204" pitchFamily="34" charset="0"/>
+              <a:buChar char="•"/>
+            </a:pPr>
+            <a:r>
+              <a:rPr lang="en-US" sz="2000" dirty="0"/>
+              <a:t>Classification - </a:t>
+            </a:r>
+            <a:r>
+              <a:rPr lang="en-US" sz="2000" dirty="0">
+                <a:sym typeface="Tahoma"/>
+              </a:rPr>
+              <a:t>Decision Tree</a:t>
+            </a:r>
+          </a:p>
+          <a:p>
+            <a:pPr indent="-228600" algn="l">
+              <a:buFont typeface="Arial" panose="020B0604020202020204" pitchFamily="34" charset="0"/>
+              <a:buChar char="•"/>
+            </a:pPr>
+            <a:r>
+              <a:rPr lang="en-US" sz="2000" dirty="0"/>
+              <a:t>Clustering</a:t>
+            </a:r>
+          </a:p>
+          <a:p>
+            <a:pPr indent="-228600" algn="l">
+              <a:buFont typeface="Arial" panose="020B0604020202020204" pitchFamily="34" charset="0"/>
+              <a:buChar char="•"/>
+            </a:pPr>
+            <a:r>
+              <a:rPr lang="en-US" sz="2000" dirty="0"/>
+              <a:t>Conclusion and Insights</a:t>
+            </a:r>
+          </a:p>
+          <a:p>
+            <a:pPr indent="-228600" algn="l">
+              <a:buFont typeface="Arial" panose="020B0604020202020204" pitchFamily="34" charset="0"/>
+              <a:buChar char="•"/>
+            </a:pPr>
+            <a:endParaRPr lang="en-US" sz="2000" dirty="0"/>
+          </a:p>
+        </p:txBody>
+      </p:sp>
+    </p:spTree>
+    <p:extLst>
+      <p:ext uri="{BB962C8B-B14F-4D97-AF65-F5344CB8AC3E}">
+        <p14:creationId xmlns:p14="http://schemas.microsoft.com/office/powerpoint/2010/main" val="1314500098"/>
+      </p:ext>
+    </p:extLst>
+  </p:cSld>
+  <p:clrMapOvr>
+    <a:masterClrMapping/>
+  </p:clrMapOvr>
+</p:sld>
+</file>
+
+<file path=ppt/slides/slide20.xml><?xml version="1.0" encoding="utf-8"?>
 <p:sld xmlns:a="http://schemas.openxmlformats.org/drawingml/2006/main" xmlns:r="http://schemas.openxmlformats.org/officeDocument/2006/relationships" xmlns:p="http://schemas.openxmlformats.org/presentationml/2006/main">
   <p:cSld>
     <p:bg>
@@ -14972,290 +15921,7 @@
 </p:sld>
 </file>
 
-<file path=ppt/slides/slide2.xml><?xml version="1.0" encoding="utf-8"?>
-<p:sld xmlns:a="http://schemas.openxmlformats.org/drawingml/2006/main" xmlns:r="http://schemas.openxmlformats.org/officeDocument/2006/relationships" xmlns:p="http://schemas.openxmlformats.org/presentationml/2006/main">
-  <p:cSld>
-    <p:bg>
-      <p:bgPr>
-        <a:solidFill>
-          <a:schemeClr val="bg1"/>
-        </a:solidFill>
-        <a:effectLst/>
-      </p:bgPr>
-    </p:bg>
-    <p:spTree>
-      <p:nvGrpSpPr>
-        <p:cNvPr id="1" name=""/>
-        <p:cNvGrpSpPr/>
-        <p:nvPr/>
-      </p:nvGrpSpPr>
-      <p:grpSpPr>
-        <a:xfrm>
-          <a:off x="0" y="0"/>
-          <a:ext cx="0" cy="0"/>
-          <a:chOff x="0" y="0"/>
-          <a:chExt cx="0" cy="0"/>
-        </a:xfrm>
-      </p:grpSpPr>
-      <p:sp>
-        <p:nvSpPr>
-          <p:cNvPr id="2" name="Title 1">
-            <a:extLst>
-              <a:ext uri="{FF2B5EF4-FFF2-40B4-BE49-F238E27FC236}">
-                <a16:creationId xmlns:a16="http://schemas.microsoft.com/office/drawing/2014/main" id="{32772C02-A137-4364-960E-6ACE46B922E3}"/>
-              </a:ext>
-            </a:extLst>
-          </p:cNvPr>
-          <p:cNvSpPr>
-            <a:spLocks noGrp="1"/>
-          </p:cNvSpPr>
-          <p:nvPr>
-            <p:ph type="ctrTitle"/>
-          </p:nvPr>
-        </p:nvSpPr>
-        <p:spPr>
-          <a:xfrm>
-            <a:off x="8153400" y="1128094"/>
-            <a:ext cx="3434180" cy="1415270"/>
-          </a:xfrm>
-        </p:spPr>
-        <p:txBody>
-          <a:bodyPr vert="horz" lIns="91440" tIns="45720" rIns="91440" bIns="45720" rtlCol="0" anchor="t">
-            <a:normAutofit/>
-          </a:bodyPr>
-          <a:lstStyle/>
-          <a:p>
-            <a:pPr algn="l"/>
-            <a:r>
-              <a:rPr lang="en-US" sz="3200" b="1"/>
-              <a:t>Agenda</a:t>
-            </a:r>
-          </a:p>
-        </p:txBody>
-      </p:sp>
-      <p:pic>
-        <p:nvPicPr>
-          <p:cNvPr id="40" name="Picture 39" descr="Writing an appointment on a paper agenda">
-            <a:extLst>
-              <a:ext uri="{FF2B5EF4-FFF2-40B4-BE49-F238E27FC236}">
-                <a16:creationId xmlns:a16="http://schemas.microsoft.com/office/drawing/2014/main" id="{2E72645C-681F-D6EA-DC87-A9DC1C0DF293}"/>
-              </a:ext>
-            </a:extLst>
-          </p:cNvPr>
-          <p:cNvPicPr>
-            <a:picLocks noChangeAspect="1"/>
-          </p:cNvPicPr>
-          <p:nvPr/>
-        </p:nvPicPr>
-        <p:blipFill rotWithShape="1">
-          <a:blip r:embed="rId2"/>
-          <a:srcRect r="26294" b="-1"/>
-          <a:stretch/>
-        </p:blipFill>
-        <p:spPr>
-          <a:xfrm>
-            <a:off x="-9886" y="10"/>
-            <a:ext cx="7572605" cy="6857990"/>
-          </a:xfrm>
-          <a:prstGeom prst="rect">
-            <a:avLst/>
-          </a:prstGeom>
-        </p:spPr>
-      </p:pic>
-      <p:cxnSp>
-        <p:nvCxnSpPr>
-          <p:cNvPr id="47" name="Straight Connector 46">
-            <a:extLst>
-              <a:ext uri="{FF2B5EF4-FFF2-40B4-BE49-F238E27FC236}">
-                <a16:creationId xmlns:a16="http://schemas.microsoft.com/office/drawing/2014/main" id="{249EDD1B-F94D-B4E6-ACAA-566B9A26FDE3}"/>
-              </a:ext>
-              <a:ext uri="{C183D7F6-B498-43B3-948B-1728B52AA6E4}">
-                <adec:decorative xmlns:adec="http://schemas.microsoft.com/office/drawing/2017/decorative" val="1"/>
-              </a:ext>
-            </a:extLst>
-          </p:cNvPr>
-          <p:cNvCxnSpPr>
-            <a:cxnSpLocks noGrp="1" noRot="1" noChangeAspect="1" noMove="1" noResize="1" noEditPoints="1" noAdjustHandles="1" noChangeArrowheads="1" noChangeShapeType="1"/>
-          </p:cNvCxnSpPr>
-          <p:nvPr>
-            <p:extLst>
-              <p:ext uri="{386F3935-93C4-4BCD-93E2-E3B085C9AB24}">
-                <p16:designElem xmlns:p16="http://schemas.microsoft.com/office/powerpoint/2015/main" val="1"/>
-              </p:ext>
-            </p:extLst>
-          </p:nvPr>
-        </p:nvCxnSpPr>
-        <p:spPr>
-          <a:xfrm>
-            <a:off x="8199390" y="871146"/>
-            <a:ext cx="736939" cy="0"/>
-          </a:xfrm>
-          <a:prstGeom prst="line">
-            <a:avLst/>
-          </a:prstGeom>
-          <a:ln w="57150">
-            <a:solidFill>
-              <a:schemeClr val="accent4"/>
-            </a:solidFill>
-          </a:ln>
-        </p:spPr>
-        <p:style>
-          <a:lnRef idx="1">
-            <a:schemeClr val="accent1"/>
-          </a:lnRef>
-          <a:fillRef idx="0">
-            <a:schemeClr val="accent1"/>
-          </a:fillRef>
-          <a:effectRef idx="0">
-            <a:schemeClr val="accent1"/>
-          </a:effectRef>
-          <a:fontRef idx="minor">
-            <a:schemeClr val="tx1"/>
-          </a:fontRef>
-        </p:style>
-      </p:cxnSp>
-      <p:sp>
-        <p:nvSpPr>
-          <p:cNvPr id="3" name="Subtitle 2">
-            <a:extLst>
-              <a:ext uri="{FF2B5EF4-FFF2-40B4-BE49-F238E27FC236}">
-                <a16:creationId xmlns:a16="http://schemas.microsoft.com/office/drawing/2014/main" id="{5E8BA5FB-6C9E-4A1C-8038-6871E8514952}"/>
-              </a:ext>
-            </a:extLst>
-          </p:cNvPr>
-          <p:cNvSpPr>
-            <a:spLocks noGrp="1"/>
-          </p:cNvSpPr>
-          <p:nvPr>
-            <p:ph type="subTitle" idx="1"/>
-          </p:nvPr>
-        </p:nvSpPr>
-        <p:spPr>
-          <a:xfrm>
-            <a:off x="8153400" y="1779814"/>
-            <a:ext cx="3897086" cy="4362569"/>
-          </a:xfrm>
-        </p:spPr>
-        <p:txBody>
-          <a:bodyPr vert="horz" lIns="91440" tIns="45720" rIns="91440" bIns="45720" rtlCol="0">
-            <a:normAutofit/>
-          </a:bodyPr>
-          <a:lstStyle/>
-          <a:p>
-            <a:pPr indent="-228600" algn="l">
-              <a:buFont typeface="Arial" panose="020B0604020202020204" pitchFamily="34" charset="0"/>
-              <a:buChar char="•"/>
-            </a:pPr>
-            <a:r>
-              <a:rPr lang="en-US" sz="2000" dirty="0"/>
-              <a:t>Context</a:t>
-            </a:r>
-          </a:p>
-          <a:p>
-            <a:pPr marL="800100" lvl="1" indent="-228600" algn="l">
-              <a:buFont typeface="Arial" panose="020B0604020202020204" pitchFamily="34" charset="0"/>
-              <a:buChar char="•"/>
-            </a:pPr>
-            <a:r>
-              <a:rPr lang="en-US" dirty="0"/>
-              <a:t>Business Case</a:t>
-            </a:r>
-          </a:p>
-          <a:p>
-            <a:pPr marL="800100" lvl="1" indent="-228600" algn="l">
-              <a:buFont typeface="Arial" panose="020B0604020202020204" pitchFamily="34" charset="0"/>
-              <a:buChar char="•"/>
-            </a:pPr>
-            <a:r>
-              <a:rPr lang="en-US" dirty="0"/>
-              <a:t>Objectives</a:t>
-            </a:r>
-          </a:p>
-          <a:p>
-            <a:pPr marL="800100" lvl="1" indent="-228600" algn="l">
-              <a:buFont typeface="Arial" panose="020B0604020202020204" pitchFamily="34" charset="0"/>
-              <a:buChar char="•"/>
-            </a:pPr>
-            <a:r>
-              <a:rPr lang="en-US" dirty="0"/>
-              <a:t>Exploratory Data Analysis</a:t>
-            </a:r>
-          </a:p>
-          <a:p>
-            <a:pPr indent="-228600" algn="l">
-              <a:buFont typeface="Arial" panose="020B0604020202020204" pitchFamily="34" charset="0"/>
-              <a:buChar char="•"/>
-            </a:pPr>
-            <a:r>
-              <a:rPr lang="en-US" sz="2000" dirty="0"/>
-              <a:t>Classification - </a:t>
-            </a:r>
-            <a:r>
-              <a:rPr lang="en-US" sz="2000" dirty="0">
-                <a:sym typeface="Tahoma"/>
-              </a:rPr>
-              <a:t>Naïve Bayes</a:t>
-            </a:r>
-          </a:p>
-          <a:p>
-            <a:pPr indent="-228600" algn="l">
-              <a:buFont typeface="Arial" panose="020B0604020202020204" pitchFamily="34" charset="0"/>
-              <a:buChar char="•"/>
-            </a:pPr>
-            <a:r>
-              <a:rPr lang="en-US" sz="2000" dirty="0"/>
-              <a:t>Classification - </a:t>
-            </a:r>
-            <a:r>
-              <a:rPr lang="en-US" sz="2000" dirty="0">
-                <a:sym typeface="Tahoma"/>
-              </a:rPr>
-              <a:t>Decision Tree</a:t>
-            </a:r>
-          </a:p>
-          <a:p>
-            <a:pPr indent="-228600" algn="l">
-              <a:buFont typeface="Arial" panose="020B0604020202020204" pitchFamily="34" charset="0"/>
-              <a:buChar char="•"/>
-            </a:pPr>
-            <a:r>
-              <a:rPr lang="en-US" sz="2000" dirty="0"/>
-              <a:t>Clustering</a:t>
-            </a:r>
-          </a:p>
-          <a:p>
-            <a:pPr indent="-228600" algn="l">
-              <a:buFont typeface="Arial" panose="020B0604020202020204" pitchFamily="34" charset="0"/>
-              <a:buChar char="•"/>
-            </a:pPr>
-            <a:r>
-              <a:rPr lang="en-US" sz="2000" dirty="0"/>
-              <a:t>Conclusion and Insights</a:t>
-            </a:r>
-          </a:p>
-          <a:p>
-            <a:pPr indent="-228600" algn="l">
-              <a:buFont typeface="Arial" panose="020B0604020202020204" pitchFamily="34" charset="0"/>
-              <a:buChar char="•"/>
-            </a:pPr>
-            <a:endParaRPr lang="en-US" sz="2000" dirty="0"/>
-          </a:p>
-        </p:txBody>
-      </p:sp>
-    </p:spTree>
-    <p:extLst>
-      <p:ext uri="{BB962C8B-B14F-4D97-AF65-F5344CB8AC3E}">
-        <p14:creationId xmlns:p14="http://schemas.microsoft.com/office/powerpoint/2010/main" val="1314500098"/>
-      </p:ext>
-    </p:extLst>
-  </p:cSld>
-  <p:clrMapOvr>
-    <a:masterClrMapping/>
-  </p:clrMapOvr>
-</p:sld>
-</file>
-
-<file path=ppt/slides/slide20.xml><?xml version="1.0" encoding="utf-8"?>
+<file path=ppt/slides/slide21.xml><?xml version="1.0" encoding="utf-8"?>
 <p:sld xmlns:a="http://schemas.openxmlformats.org/drawingml/2006/main" xmlns:r="http://schemas.openxmlformats.org/officeDocument/2006/relationships" xmlns:p="http://schemas.openxmlformats.org/presentationml/2006/main">
   <p:cSld>
     <p:bg>
@@ -16562,337 +17228,6 @@
     <p:extLst>
       <p:ext uri="{BB962C8B-B14F-4D97-AF65-F5344CB8AC3E}">
         <p14:creationId xmlns:p14="http://schemas.microsoft.com/office/powerpoint/2010/main" val="2133069272"/>
-      </p:ext>
-    </p:extLst>
-  </p:cSld>
-  <p:clrMapOvr>
-    <a:masterClrMapping/>
-  </p:clrMapOvr>
-</p:sld>
-</file>
-
-<file path=ppt/slides/slide21.xml><?xml version="1.0" encoding="utf-8"?>
-<p:sld xmlns:a="http://schemas.openxmlformats.org/drawingml/2006/main" xmlns:r="http://schemas.openxmlformats.org/officeDocument/2006/relationships" xmlns:p="http://schemas.openxmlformats.org/presentationml/2006/main">
-  <p:cSld>
-    <p:bg>
-      <p:bgPr>
-        <a:solidFill>
-          <a:schemeClr val="bg1"/>
-        </a:solidFill>
-        <a:effectLst/>
-      </p:bgPr>
-    </p:bg>
-    <p:spTree>
-      <p:nvGrpSpPr>
-        <p:cNvPr id="1" name=""/>
-        <p:cNvGrpSpPr/>
-        <p:nvPr/>
-      </p:nvGrpSpPr>
-      <p:grpSpPr>
-        <a:xfrm>
-          <a:off x="0" y="0"/>
-          <a:ext cx="0" cy="0"/>
-          <a:chOff x="0" y="0"/>
-          <a:chExt cx="0" cy="0"/>
-        </a:xfrm>
-      </p:grpSpPr>
-      <p:sp useBgFill="1">
-        <p:nvSpPr>
-          <p:cNvPr id="48" name="Rectangle 47">
-            <a:extLst>
-              <a:ext uri="{FF2B5EF4-FFF2-40B4-BE49-F238E27FC236}">
-                <a16:creationId xmlns:a16="http://schemas.microsoft.com/office/drawing/2014/main" id="{53B021B3-DE93-4AB7-8A18-CF5F1CED88B8}"/>
-              </a:ext>
-              <a:ext uri="{C183D7F6-B498-43B3-948B-1728B52AA6E4}">
-                <adec:decorative xmlns:adec="http://schemas.microsoft.com/office/drawing/2017/decorative" val="1"/>
-              </a:ext>
-            </a:extLst>
-          </p:cNvPr>
-          <p:cNvSpPr>
-            <a:spLocks noGrp="1" noRot="1" noChangeAspect="1" noMove="1" noResize="1" noEditPoints="1" noAdjustHandles="1" noChangeArrowheads="1" noChangeShapeType="1" noTextEdit="1"/>
-          </p:cNvSpPr>
-          <p:nvPr>
-            <p:extLst>
-              <p:ext uri="{386F3935-93C4-4BCD-93E2-E3B085C9AB24}">
-                <p16:designElem xmlns:p16="http://schemas.microsoft.com/office/powerpoint/2015/main" val="1"/>
-              </p:ext>
-            </p:extLst>
-          </p:nvPr>
-        </p:nvSpPr>
-        <p:spPr>
-          <a:xfrm>
-            <a:off x="0" y="0"/>
-            <a:ext cx="12192000" cy="6858000"/>
-          </a:xfrm>
-          <a:prstGeom prst="rect">
-            <a:avLst/>
-          </a:prstGeom>
-          <a:ln>
-            <a:noFill/>
-          </a:ln>
-        </p:spPr>
-        <p:style>
-          <a:lnRef idx="2">
-            <a:schemeClr val="accent1">
-              <a:shade val="50000"/>
-            </a:schemeClr>
-          </a:lnRef>
-          <a:fillRef idx="1">
-            <a:schemeClr val="accent1"/>
-          </a:fillRef>
-          <a:effectRef idx="0">
-            <a:schemeClr val="accent1"/>
-          </a:effectRef>
-          <a:fontRef idx="minor">
-            <a:schemeClr val="lt1"/>
-          </a:fontRef>
-        </p:style>
-        <p:txBody>
-          <a:bodyPr rtlCol="0" anchor="ctr"/>
-          <a:lstStyle/>
-          <a:p>
-            <a:pPr algn="ctr"/>
-            <a:endParaRPr lang="en-US"/>
-          </a:p>
-        </p:txBody>
-      </p:sp>
-      <p:sp>
-        <p:nvSpPr>
-          <p:cNvPr id="2" name="Title 1">
-            <a:extLst>
-              <a:ext uri="{FF2B5EF4-FFF2-40B4-BE49-F238E27FC236}">
-                <a16:creationId xmlns:a16="http://schemas.microsoft.com/office/drawing/2014/main" id="{4E35493B-EC95-4D54-B376-84DABC1F268E}"/>
-              </a:ext>
-            </a:extLst>
-          </p:cNvPr>
-          <p:cNvSpPr>
-            <a:spLocks noGrp="1"/>
-          </p:cNvSpPr>
-          <p:nvPr>
-            <p:ph type="title"/>
-          </p:nvPr>
-        </p:nvSpPr>
-        <p:spPr>
-          <a:xfrm>
-            <a:off x="841248" y="256032"/>
-            <a:ext cx="10506456" cy="1014984"/>
-          </a:xfrm>
-        </p:spPr>
-        <p:txBody>
-          <a:bodyPr anchor="b">
-            <a:normAutofit/>
-          </a:bodyPr>
-          <a:lstStyle/>
-          <a:p>
-            <a:r>
-              <a:rPr lang="en-CA" b="1" dirty="0"/>
-              <a:t>Clustering – K-means</a:t>
-            </a:r>
-            <a:endParaRPr lang="en-CA" dirty="0"/>
-          </a:p>
-        </p:txBody>
-      </p:sp>
-      <p:sp>
-        <p:nvSpPr>
-          <p:cNvPr id="50" name="Rectangle 49">
-            <a:extLst>
-              <a:ext uri="{FF2B5EF4-FFF2-40B4-BE49-F238E27FC236}">
-                <a16:creationId xmlns:a16="http://schemas.microsoft.com/office/drawing/2014/main" id="{52D502E5-F6B4-4D58-B4AE-FC466FF15EE8}"/>
-              </a:ext>
-              <a:ext uri="{C183D7F6-B498-43B3-948B-1728B52AA6E4}">
-                <adec:decorative xmlns:adec="http://schemas.microsoft.com/office/drawing/2017/decorative" val="1"/>
-              </a:ext>
-            </a:extLst>
-          </p:cNvPr>
-          <p:cNvSpPr>
-            <a:spLocks noGrp="1" noRot="1" noChangeAspect="1" noMove="1" noResize="1" noEditPoints="1" noAdjustHandles="1" noChangeArrowheads="1" noChangeShapeType="1" noTextEdit="1"/>
-          </p:cNvSpPr>
-          <p:nvPr>
-            <p:extLst>
-              <p:ext uri="{386F3935-93C4-4BCD-93E2-E3B085C9AB24}">
-                <p16:designElem xmlns:p16="http://schemas.microsoft.com/office/powerpoint/2015/main" val="1"/>
-              </p:ext>
-            </p:extLst>
-          </p:nvPr>
-        </p:nvSpPr>
-        <p:spPr>
-          <a:xfrm>
-            <a:off x="865953" y="1634502"/>
-            <a:ext cx="10451592" cy="18288"/>
-          </a:xfrm>
-          <a:prstGeom prst="rect">
-            <a:avLst/>
-          </a:prstGeom>
-          <a:solidFill>
-            <a:srgbClr val="D5D5D5"/>
-          </a:solidFill>
-          <a:ln w="3175">
-            <a:noFill/>
-          </a:ln>
-          <a:effectLst/>
-        </p:spPr>
-        <p:style>
-          <a:lnRef idx="2">
-            <a:schemeClr val="accent1">
-              <a:shade val="50000"/>
-            </a:schemeClr>
-          </a:lnRef>
-          <a:fillRef idx="1">
-            <a:schemeClr val="accent1"/>
-          </a:fillRef>
-          <a:effectRef idx="0">
-            <a:schemeClr val="accent1"/>
-          </a:effectRef>
-          <a:fontRef idx="minor">
-            <a:schemeClr val="lt1"/>
-          </a:fontRef>
-        </p:style>
-        <p:txBody>
-          <a:bodyPr rtlCol="0" anchor="ctr"/>
-          <a:lstStyle/>
-          <a:p>
-            <a:pPr algn="ctr"/>
-            <a:endParaRPr lang="en-US">
-              <a:solidFill>
-                <a:prstClr val="white"/>
-              </a:solidFill>
-              <a:latin typeface="Calibri" panose="020F0502020204030204"/>
-            </a:endParaRPr>
-          </a:p>
-        </p:txBody>
-      </p:sp>
-      <p:sp>
-        <p:nvSpPr>
-          <p:cNvPr id="52" name="Rectangle 51">
-            <a:extLst>
-              <a:ext uri="{FF2B5EF4-FFF2-40B4-BE49-F238E27FC236}">
-                <a16:creationId xmlns:a16="http://schemas.microsoft.com/office/drawing/2014/main" id="{9DECDBF4-02B6-4BB4-B65B-B8107AD6A9E8}"/>
-              </a:ext>
-              <a:ext uri="{C183D7F6-B498-43B3-948B-1728B52AA6E4}">
-                <adec:decorative xmlns:adec="http://schemas.microsoft.com/office/drawing/2017/decorative" val="1"/>
-              </a:ext>
-            </a:extLst>
-          </p:cNvPr>
-          <p:cNvSpPr>
-            <a:spLocks noGrp="1" noRot="1" noChangeAspect="1" noMove="1" noResize="1" noEditPoints="1" noAdjustHandles="1" noChangeArrowheads="1" noChangeShapeType="1" noTextEdit="1"/>
-          </p:cNvSpPr>
-          <p:nvPr>
-            <p:extLst>
-              <p:ext uri="{386F3935-93C4-4BCD-93E2-E3B085C9AB24}">
-                <p16:designElem xmlns:p16="http://schemas.microsoft.com/office/powerpoint/2015/main" val="1"/>
-              </p:ext>
-            </p:extLst>
-          </p:nvPr>
-        </p:nvSpPr>
-        <p:spPr>
-          <a:xfrm flipV="1">
-            <a:off x="841248" y="1538176"/>
-            <a:ext cx="1873457" cy="109814"/>
-          </a:xfrm>
-          <a:prstGeom prst="rect">
-            <a:avLst/>
-          </a:prstGeom>
-          <a:solidFill>
-            <a:schemeClr val="accent2"/>
-          </a:solidFill>
-          <a:ln>
-            <a:noFill/>
-          </a:ln>
-        </p:spPr>
-        <p:style>
-          <a:lnRef idx="2">
-            <a:schemeClr val="accent1">
-              <a:shade val="50000"/>
-            </a:schemeClr>
-          </a:lnRef>
-          <a:fillRef idx="1">
-            <a:schemeClr val="accent1"/>
-          </a:fillRef>
-          <a:effectRef idx="0">
-            <a:schemeClr val="accent1"/>
-          </a:effectRef>
-          <a:fontRef idx="minor">
-            <a:schemeClr val="lt1"/>
-          </a:fontRef>
-        </p:style>
-        <p:txBody>
-          <a:bodyPr rtlCol="0" anchor="ctr"/>
-          <a:lstStyle/>
-          <a:p>
-            <a:pPr algn="ctr"/>
-            <a:endParaRPr lang="en-US">
-              <a:solidFill>
-                <a:prstClr val="white"/>
-              </a:solidFill>
-              <a:latin typeface="Calibri" panose="020F0502020204030204"/>
-            </a:endParaRPr>
-          </a:p>
-        </p:txBody>
-      </p:sp>
-      <p:pic>
-        <p:nvPicPr>
-          <p:cNvPr id="3" name="Picture 2">
-            <a:extLst>
-              <a:ext uri="{FF2B5EF4-FFF2-40B4-BE49-F238E27FC236}">
-                <a16:creationId xmlns:a16="http://schemas.microsoft.com/office/drawing/2014/main" id="{745DD60C-A0BF-A6FF-BEB5-F220FBCA856D}"/>
-              </a:ext>
-            </a:extLst>
-          </p:cNvPr>
-          <p:cNvPicPr>
-            <a:picLocks noChangeAspect="1"/>
-          </p:cNvPicPr>
-          <p:nvPr/>
-        </p:nvPicPr>
-        <p:blipFill>
-          <a:blip r:embed="rId2"/>
-          <a:stretch>
-            <a:fillRect/>
-          </a:stretch>
-        </p:blipFill>
-        <p:spPr>
-          <a:xfrm>
-            <a:off x="382505" y="1983097"/>
-            <a:ext cx="5400675" cy="4333875"/>
-          </a:xfrm>
-          <a:prstGeom prst="rect">
-            <a:avLst/>
-          </a:prstGeom>
-        </p:spPr>
-      </p:pic>
-      <p:pic>
-        <p:nvPicPr>
-          <p:cNvPr id="4" name="Picture 3">
-            <a:extLst>
-              <a:ext uri="{FF2B5EF4-FFF2-40B4-BE49-F238E27FC236}">
-                <a16:creationId xmlns:a16="http://schemas.microsoft.com/office/drawing/2014/main" id="{44641527-CE28-5219-3AC1-65D05979FD46}"/>
-              </a:ext>
-            </a:extLst>
-          </p:cNvPr>
-          <p:cNvPicPr>
-            <a:picLocks noChangeAspect="1"/>
-          </p:cNvPicPr>
-          <p:nvPr/>
-        </p:nvPicPr>
-        <p:blipFill>
-          <a:blip r:embed="rId3"/>
-          <a:stretch>
-            <a:fillRect/>
-          </a:stretch>
-        </p:blipFill>
-        <p:spPr>
-          <a:xfrm>
-            <a:off x="6323095" y="1983097"/>
-            <a:ext cx="5486400" cy="4333875"/>
-          </a:xfrm>
-          <a:prstGeom prst="rect">
-            <a:avLst/>
-          </a:prstGeom>
-        </p:spPr>
-      </p:pic>
-    </p:spTree>
-    <p:extLst>
-      <p:ext uri="{BB962C8B-B14F-4D97-AF65-F5344CB8AC3E}">
-        <p14:creationId xmlns:p14="http://schemas.microsoft.com/office/powerpoint/2010/main" val="1985676203"/>
       </p:ext>
     </p:extLst>
   </p:cSld>
@@ -17165,7 +17500,7 @@
           <p:cNvPr id="3" name="Picture 2">
             <a:extLst>
               <a:ext uri="{FF2B5EF4-FFF2-40B4-BE49-F238E27FC236}">
-                <a16:creationId xmlns:a16="http://schemas.microsoft.com/office/drawing/2014/main" id="{D343B4E3-150C-16A2-F79E-CC2598939F97}"/>
+                <a16:creationId xmlns:a16="http://schemas.microsoft.com/office/drawing/2014/main" id="{745DD60C-A0BF-A6FF-BEB5-F220FBCA856D}"/>
               </a:ext>
             </a:extLst>
           </p:cNvPr>
@@ -17182,8 +17517,8 @@
         </p:blipFill>
         <p:spPr>
           <a:xfrm>
-            <a:off x="1147761" y="1728216"/>
-            <a:ext cx="9896475" cy="2307055"/>
+            <a:off x="382505" y="1983097"/>
+            <a:ext cx="5400675" cy="4333875"/>
           </a:xfrm>
           <a:prstGeom prst="rect">
             <a:avLst/>
@@ -17195,7 +17530,7 @@
           <p:cNvPr id="4" name="Picture 3">
             <a:extLst>
               <a:ext uri="{FF2B5EF4-FFF2-40B4-BE49-F238E27FC236}">
-                <a16:creationId xmlns:a16="http://schemas.microsoft.com/office/drawing/2014/main" id="{9D013888-9545-5ECA-2F50-A3BB84F24F7E}"/>
+                <a16:creationId xmlns:a16="http://schemas.microsoft.com/office/drawing/2014/main" id="{44641527-CE28-5219-3AC1-65D05979FD46}"/>
               </a:ext>
             </a:extLst>
           </p:cNvPr>
@@ -17212,8 +17547,8 @@
         </p:blipFill>
         <p:spPr>
           <a:xfrm>
-            <a:off x="1147761" y="4199021"/>
-            <a:ext cx="9896475" cy="2307055"/>
+            <a:off x="5883147" y="1983097"/>
+            <a:ext cx="5486400" cy="4333875"/>
           </a:xfrm>
           <a:prstGeom prst="rect">
             <a:avLst/>
@@ -17223,7 +17558,7 @@
     </p:spTree>
     <p:extLst>
       <p:ext uri="{BB962C8B-B14F-4D97-AF65-F5344CB8AC3E}">
-        <p14:creationId xmlns:p14="http://schemas.microsoft.com/office/powerpoint/2010/main" val="1627067803"/>
+        <p14:creationId xmlns:p14="http://schemas.microsoft.com/office/powerpoint/2010/main" val="1985676203"/>
       </p:ext>
     </p:extLst>
   </p:cSld>
@@ -17496,6 +17831,337 @@
           <p:cNvPr id="3" name="Picture 2">
             <a:extLst>
               <a:ext uri="{FF2B5EF4-FFF2-40B4-BE49-F238E27FC236}">
+                <a16:creationId xmlns:a16="http://schemas.microsoft.com/office/drawing/2014/main" id="{D343B4E3-150C-16A2-F79E-CC2598939F97}"/>
+              </a:ext>
+            </a:extLst>
+          </p:cNvPr>
+          <p:cNvPicPr>
+            <a:picLocks noChangeAspect="1"/>
+          </p:cNvPicPr>
+          <p:nvPr/>
+        </p:nvPicPr>
+        <p:blipFill>
+          <a:blip r:embed="rId2"/>
+          <a:stretch>
+            <a:fillRect/>
+          </a:stretch>
+        </p:blipFill>
+        <p:spPr>
+          <a:xfrm>
+            <a:off x="1147761" y="1728216"/>
+            <a:ext cx="9896475" cy="2307055"/>
+          </a:xfrm>
+          <a:prstGeom prst="rect">
+            <a:avLst/>
+          </a:prstGeom>
+        </p:spPr>
+      </p:pic>
+      <p:pic>
+        <p:nvPicPr>
+          <p:cNvPr id="4" name="Picture 3">
+            <a:extLst>
+              <a:ext uri="{FF2B5EF4-FFF2-40B4-BE49-F238E27FC236}">
+                <a16:creationId xmlns:a16="http://schemas.microsoft.com/office/drawing/2014/main" id="{9D013888-9545-5ECA-2F50-A3BB84F24F7E}"/>
+              </a:ext>
+            </a:extLst>
+          </p:cNvPr>
+          <p:cNvPicPr>
+            <a:picLocks noChangeAspect="1"/>
+          </p:cNvPicPr>
+          <p:nvPr/>
+        </p:nvPicPr>
+        <p:blipFill>
+          <a:blip r:embed="rId3"/>
+          <a:stretch>
+            <a:fillRect/>
+          </a:stretch>
+        </p:blipFill>
+        <p:spPr>
+          <a:xfrm>
+            <a:off x="1147761" y="4199021"/>
+            <a:ext cx="9896475" cy="2307055"/>
+          </a:xfrm>
+          <a:prstGeom prst="rect">
+            <a:avLst/>
+          </a:prstGeom>
+        </p:spPr>
+      </p:pic>
+    </p:spTree>
+    <p:extLst>
+      <p:ext uri="{BB962C8B-B14F-4D97-AF65-F5344CB8AC3E}">
+        <p14:creationId xmlns:p14="http://schemas.microsoft.com/office/powerpoint/2010/main" val="1627067803"/>
+      </p:ext>
+    </p:extLst>
+  </p:cSld>
+  <p:clrMapOvr>
+    <a:masterClrMapping/>
+  </p:clrMapOvr>
+</p:sld>
+</file>
+
+<file path=ppt/slides/slide24.xml><?xml version="1.0" encoding="utf-8"?>
+<p:sld xmlns:a="http://schemas.openxmlformats.org/drawingml/2006/main" xmlns:r="http://schemas.openxmlformats.org/officeDocument/2006/relationships" xmlns:p="http://schemas.openxmlformats.org/presentationml/2006/main">
+  <p:cSld>
+    <p:bg>
+      <p:bgPr>
+        <a:solidFill>
+          <a:schemeClr val="bg1"/>
+        </a:solidFill>
+        <a:effectLst/>
+      </p:bgPr>
+    </p:bg>
+    <p:spTree>
+      <p:nvGrpSpPr>
+        <p:cNvPr id="1" name=""/>
+        <p:cNvGrpSpPr/>
+        <p:nvPr/>
+      </p:nvGrpSpPr>
+      <p:grpSpPr>
+        <a:xfrm>
+          <a:off x="0" y="0"/>
+          <a:ext cx="0" cy="0"/>
+          <a:chOff x="0" y="0"/>
+          <a:chExt cx="0" cy="0"/>
+        </a:xfrm>
+      </p:grpSpPr>
+      <p:sp useBgFill="1">
+        <p:nvSpPr>
+          <p:cNvPr id="48" name="Rectangle 47">
+            <a:extLst>
+              <a:ext uri="{FF2B5EF4-FFF2-40B4-BE49-F238E27FC236}">
+                <a16:creationId xmlns:a16="http://schemas.microsoft.com/office/drawing/2014/main" id="{53B021B3-DE93-4AB7-8A18-CF5F1CED88B8}"/>
+              </a:ext>
+              <a:ext uri="{C183D7F6-B498-43B3-948B-1728B52AA6E4}">
+                <adec:decorative xmlns:adec="http://schemas.microsoft.com/office/drawing/2017/decorative" val="1"/>
+              </a:ext>
+            </a:extLst>
+          </p:cNvPr>
+          <p:cNvSpPr>
+            <a:spLocks noGrp="1" noRot="1" noChangeAspect="1" noMove="1" noResize="1" noEditPoints="1" noAdjustHandles="1" noChangeArrowheads="1" noChangeShapeType="1" noTextEdit="1"/>
+          </p:cNvSpPr>
+          <p:nvPr>
+            <p:extLst>
+              <p:ext uri="{386F3935-93C4-4BCD-93E2-E3B085C9AB24}">
+                <p16:designElem xmlns:p16="http://schemas.microsoft.com/office/powerpoint/2015/main" val="1"/>
+              </p:ext>
+            </p:extLst>
+          </p:nvPr>
+        </p:nvSpPr>
+        <p:spPr>
+          <a:xfrm>
+            <a:off x="0" y="0"/>
+            <a:ext cx="12192000" cy="6858000"/>
+          </a:xfrm>
+          <a:prstGeom prst="rect">
+            <a:avLst/>
+          </a:prstGeom>
+          <a:ln>
+            <a:noFill/>
+          </a:ln>
+        </p:spPr>
+        <p:style>
+          <a:lnRef idx="2">
+            <a:schemeClr val="accent1">
+              <a:shade val="50000"/>
+            </a:schemeClr>
+          </a:lnRef>
+          <a:fillRef idx="1">
+            <a:schemeClr val="accent1"/>
+          </a:fillRef>
+          <a:effectRef idx="0">
+            <a:schemeClr val="accent1"/>
+          </a:effectRef>
+          <a:fontRef idx="minor">
+            <a:schemeClr val="lt1"/>
+          </a:fontRef>
+        </p:style>
+        <p:txBody>
+          <a:bodyPr rtlCol="0" anchor="ctr"/>
+          <a:lstStyle/>
+          <a:p>
+            <a:pPr algn="ctr"/>
+            <a:endParaRPr lang="en-US"/>
+          </a:p>
+        </p:txBody>
+      </p:sp>
+      <p:sp>
+        <p:nvSpPr>
+          <p:cNvPr id="2" name="Title 1">
+            <a:extLst>
+              <a:ext uri="{FF2B5EF4-FFF2-40B4-BE49-F238E27FC236}">
+                <a16:creationId xmlns:a16="http://schemas.microsoft.com/office/drawing/2014/main" id="{4E35493B-EC95-4D54-B376-84DABC1F268E}"/>
+              </a:ext>
+            </a:extLst>
+          </p:cNvPr>
+          <p:cNvSpPr>
+            <a:spLocks noGrp="1"/>
+          </p:cNvSpPr>
+          <p:nvPr>
+            <p:ph type="title"/>
+          </p:nvPr>
+        </p:nvSpPr>
+        <p:spPr>
+          <a:xfrm>
+            <a:off x="841248" y="256032"/>
+            <a:ext cx="10506456" cy="1014984"/>
+          </a:xfrm>
+        </p:spPr>
+        <p:txBody>
+          <a:bodyPr anchor="b">
+            <a:normAutofit/>
+          </a:bodyPr>
+          <a:lstStyle/>
+          <a:p>
+            <a:r>
+              <a:rPr lang="en-CA" b="1" dirty="0"/>
+              <a:t>Clustering – K-means</a:t>
+            </a:r>
+            <a:endParaRPr lang="en-CA" dirty="0"/>
+          </a:p>
+        </p:txBody>
+      </p:sp>
+      <p:sp>
+        <p:nvSpPr>
+          <p:cNvPr id="50" name="Rectangle 49">
+            <a:extLst>
+              <a:ext uri="{FF2B5EF4-FFF2-40B4-BE49-F238E27FC236}">
+                <a16:creationId xmlns:a16="http://schemas.microsoft.com/office/drawing/2014/main" id="{52D502E5-F6B4-4D58-B4AE-FC466FF15EE8}"/>
+              </a:ext>
+              <a:ext uri="{C183D7F6-B498-43B3-948B-1728B52AA6E4}">
+                <adec:decorative xmlns:adec="http://schemas.microsoft.com/office/drawing/2017/decorative" val="1"/>
+              </a:ext>
+            </a:extLst>
+          </p:cNvPr>
+          <p:cNvSpPr>
+            <a:spLocks noGrp="1" noRot="1" noChangeAspect="1" noMove="1" noResize="1" noEditPoints="1" noAdjustHandles="1" noChangeArrowheads="1" noChangeShapeType="1" noTextEdit="1"/>
+          </p:cNvSpPr>
+          <p:nvPr>
+            <p:extLst>
+              <p:ext uri="{386F3935-93C4-4BCD-93E2-E3B085C9AB24}">
+                <p16:designElem xmlns:p16="http://schemas.microsoft.com/office/powerpoint/2015/main" val="1"/>
+              </p:ext>
+            </p:extLst>
+          </p:nvPr>
+        </p:nvSpPr>
+        <p:spPr>
+          <a:xfrm>
+            <a:off x="865953" y="1634502"/>
+            <a:ext cx="10451592" cy="18288"/>
+          </a:xfrm>
+          <a:prstGeom prst="rect">
+            <a:avLst/>
+          </a:prstGeom>
+          <a:solidFill>
+            <a:srgbClr val="D5D5D5"/>
+          </a:solidFill>
+          <a:ln w="3175">
+            <a:noFill/>
+          </a:ln>
+          <a:effectLst/>
+        </p:spPr>
+        <p:style>
+          <a:lnRef idx="2">
+            <a:schemeClr val="accent1">
+              <a:shade val="50000"/>
+            </a:schemeClr>
+          </a:lnRef>
+          <a:fillRef idx="1">
+            <a:schemeClr val="accent1"/>
+          </a:fillRef>
+          <a:effectRef idx="0">
+            <a:schemeClr val="accent1"/>
+          </a:effectRef>
+          <a:fontRef idx="minor">
+            <a:schemeClr val="lt1"/>
+          </a:fontRef>
+        </p:style>
+        <p:txBody>
+          <a:bodyPr rtlCol="0" anchor="ctr"/>
+          <a:lstStyle/>
+          <a:p>
+            <a:pPr algn="ctr"/>
+            <a:endParaRPr lang="en-US">
+              <a:solidFill>
+                <a:prstClr val="white"/>
+              </a:solidFill>
+              <a:latin typeface="Calibri" panose="020F0502020204030204"/>
+            </a:endParaRPr>
+          </a:p>
+        </p:txBody>
+      </p:sp>
+      <p:sp>
+        <p:nvSpPr>
+          <p:cNvPr id="52" name="Rectangle 51">
+            <a:extLst>
+              <a:ext uri="{FF2B5EF4-FFF2-40B4-BE49-F238E27FC236}">
+                <a16:creationId xmlns:a16="http://schemas.microsoft.com/office/drawing/2014/main" id="{9DECDBF4-02B6-4BB4-B65B-B8107AD6A9E8}"/>
+              </a:ext>
+              <a:ext uri="{C183D7F6-B498-43B3-948B-1728B52AA6E4}">
+                <adec:decorative xmlns:adec="http://schemas.microsoft.com/office/drawing/2017/decorative" val="1"/>
+              </a:ext>
+            </a:extLst>
+          </p:cNvPr>
+          <p:cNvSpPr>
+            <a:spLocks noGrp="1" noRot="1" noChangeAspect="1" noMove="1" noResize="1" noEditPoints="1" noAdjustHandles="1" noChangeArrowheads="1" noChangeShapeType="1" noTextEdit="1"/>
+          </p:cNvSpPr>
+          <p:nvPr>
+            <p:extLst>
+              <p:ext uri="{386F3935-93C4-4BCD-93E2-E3B085C9AB24}">
+                <p16:designElem xmlns:p16="http://schemas.microsoft.com/office/powerpoint/2015/main" val="1"/>
+              </p:ext>
+            </p:extLst>
+          </p:nvPr>
+        </p:nvSpPr>
+        <p:spPr>
+          <a:xfrm flipV="1">
+            <a:off x="841248" y="1538176"/>
+            <a:ext cx="1873457" cy="109814"/>
+          </a:xfrm>
+          <a:prstGeom prst="rect">
+            <a:avLst/>
+          </a:prstGeom>
+          <a:solidFill>
+            <a:schemeClr val="accent2"/>
+          </a:solidFill>
+          <a:ln>
+            <a:noFill/>
+          </a:ln>
+        </p:spPr>
+        <p:style>
+          <a:lnRef idx="2">
+            <a:schemeClr val="accent1">
+              <a:shade val="50000"/>
+            </a:schemeClr>
+          </a:lnRef>
+          <a:fillRef idx="1">
+            <a:schemeClr val="accent1"/>
+          </a:fillRef>
+          <a:effectRef idx="0">
+            <a:schemeClr val="accent1"/>
+          </a:effectRef>
+          <a:fontRef idx="minor">
+            <a:schemeClr val="lt1"/>
+          </a:fontRef>
+        </p:style>
+        <p:txBody>
+          <a:bodyPr rtlCol="0" anchor="ctr"/>
+          <a:lstStyle/>
+          <a:p>
+            <a:pPr algn="ctr"/>
+            <a:endParaRPr lang="en-US">
+              <a:solidFill>
+                <a:prstClr val="white"/>
+              </a:solidFill>
+              <a:latin typeface="Calibri" panose="020F0502020204030204"/>
+            </a:endParaRPr>
+          </a:p>
+        </p:txBody>
+      </p:sp>
+      <p:pic>
+        <p:nvPicPr>
+          <p:cNvPr id="3" name="Picture 2">
+            <a:extLst>
+              <a:ext uri="{FF2B5EF4-FFF2-40B4-BE49-F238E27FC236}">
                 <a16:creationId xmlns:a16="http://schemas.microsoft.com/office/drawing/2014/main" id="{B1ABA4CD-F3BF-D15E-82B9-46E7CE2480DA}"/>
               </a:ext>
             </a:extLst>
@@ -17543,7 +18209,7 @@
         </p:blipFill>
         <p:spPr>
           <a:xfrm>
-            <a:off x="6199632" y="1728216"/>
+            <a:off x="5587169" y="1728216"/>
             <a:ext cx="5400000" cy="4322284"/>
           </a:xfrm>
           <a:prstGeom prst="rect">
@@ -17564,7 +18230,7 @@
 </p:sld>
 </file>
 
-<file path=ppt/slides/slide24.xml><?xml version="1.0" encoding="utf-8"?>
+<file path=ppt/slides/slide25.xml><?xml version="1.0" encoding="utf-8"?>
 <p:sld xmlns:a="http://schemas.openxmlformats.org/drawingml/2006/main" xmlns:r="http://schemas.openxmlformats.org/officeDocument/2006/relationships" xmlns:p="http://schemas.openxmlformats.org/presentationml/2006/main">
   <p:cSld>
     <p:bg>
@@ -18196,7 +18862,7 @@
 </p:sld>
 </file>
 
-<file path=ppt/slides/slide25.xml><?xml version="1.0" encoding="utf-8"?>
+<file path=ppt/slides/slide26.xml><?xml version="1.0" encoding="utf-8"?>
 <p:sld xmlns:a="http://schemas.openxmlformats.org/drawingml/2006/main" xmlns:r="http://schemas.openxmlformats.org/officeDocument/2006/relationships" xmlns:p="http://schemas.openxmlformats.org/presentationml/2006/main">
   <p:cSld>
     <p:bg>
@@ -18583,7 +19249,23 @@
                   <a:schemeClr val="tx1"/>
                 </a:solidFill>
               </a:rPr>
-              <a:t>, the accuracy on the training set was 75.71%, and the </a:t>
+              <a:t>, the accuracy on the </a:t>
+            </a:r>
+            <a:r>
+              <a:rPr lang="en-US" sz="1400" b="1" dirty="0">
+                <a:solidFill>
+                  <a:schemeClr val="tx1"/>
+                </a:solidFill>
+              </a:rPr>
+              <a:t>training set was 75.71%</a:t>
+            </a:r>
+            <a:r>
+              <a:rPr lang="en-US" sz="1400" dirty="0">
+                <a:solidFill>
+                  <a:schemeClr val="tx1"/>
+                </a:solidFill>
+              </a:rPr>
+              <a:t>, and the </a:t>
             </a:r>
             <a:r>
               <a:rPr lang="en-US" sz="1400" b="1" dirty="0">
@@ -18613,7 +19295,23 @@
                   <a:schemeClr val="tx1"/>
                 </a:solidFill>
               </a:rPr>
-              <a:t>These values provide insights into how the Naive Bayes model performs well in terms of accuracy, recall, and ROC curve analysis.</a:t>
+              <a:t>These values provide insights into how the Naive Bayes model performs well in terms of accuracy, recall, and ROC (</a:t>
+            </a:r>
+            <a:r>
+              <a:rPr lang="en-US" sz="1400" b="1" dirty="0">
+                <a:solidFill>
+                  <a:schemeClr val="tx1"/>
+                </a:solidFill>
+              </a:rPr>
+              <a:t>0.75</a:t>
+            </a:r>
+            <a:r>
+              <a:rPr lang="en-US" sz="1400" dirty="0">
+                <a:solidFill>
+                  <a:schemeClr val="tx1"/>
+                </a:solidFill>
+              </a:rPr>
+              <a:t>) curve analysis.</a:t>
             </a:r>
             <a:endParaRPr lang="en-CA" sz="1400" dirty="0">
               <a:solidFill>
@@ -18752,7 +19450,23 @@
                   <a:schemeClr val="tx1"/>
                 </a:solidFill>
               </a:rPr>
-              <a:t>, the accuracy on the training set was 84.20%, and the </a:t>
+              <a:t>, the accuracy on the </a:t>
+            </a:r>
+            <a:r>
+              <a:rPr lang="en-US" sz="1400" b="1" dirty="0">
+                <a:solidFill>
+                  <a:schemeClr val="tx1"/>
+                </a:solidFill>
+              </a:rPr>
+              <a:t>training set was 84.20%</a:t>
+            </a:r>
+            <a:r>
+              <a:rPr lang="en-US" sz="1400" dirty="0">
+                <a:solidFill>
+                  <a:schemeClr val="tx1"/>
+                </a:solidFill>
+              </a:rPr>
+              <a:t>, and the </a:t>
             </a:r>
             <a:r>
               <a:rPr lang="en-US" sz="1400" b="1" dirty="0">
@@ -18782,7 +19496,23 @@
                   <a:schemeClr val="tx1"/>
                 </a:solidFill>
               </a:rPr>
-              <a:t>These values provide insights into how the Decision Tree model performs well in terms of accuracy, recall, and ROC curve analysis. It also has </a:t>
+              <a:t>These values provide insights into how the Decision Tree model performs well in terms of accuracy, recall, and ROC (</a:t>
+            </a:r>
+            <a:r>
+              <a:rPr lang="en-US" sz="1400" b="1" dirty="0">
+                <a:solidFill>
+                  <a:schemeClr val="tx1"/>
+                </a:solidFill>
+              </a:rPr>
+              <a:t>0.84</a:t>
+            </a:r>
+            <a:r>
+              <a:rPr lang="en-US" sz="1400" dirty="0">
+                <a:solidFill>
+                  <a:schemeClr val="tx1"/>
+                </a:solidFill>
+              </a:rPr>
+              <a:t>) curve analysis. It also has </a:t>
             </a:r>
             <a:r>
               <a:rPr lang="en-US" sz="1400" b="1" dirty="0">
@@ -19092,7 +19822,7 @@
 </p:sld>
 </file>
 
-<file path=ppt/slides/slide26.xml><?xml version="1.0" encoding="utf-8"?>
+<file path=ppt/slides/slide27.xml><?xml version="1.0" encoding="utf-8"?>
 <p:sld xmlns:a="http://schemas.openxmlformats.org/drawingml/2006/main" xmlns:r="http://schemas.openxmlformats.org/officeDocument/2006/relationships" xmlns:p="http://schemas.openxmlformats.org/presentationml/2006/main">
   <p:cSld>
     <p:bg>

--- a/Group8.Project.pptx
+++ b/Group8.Project.pptx
@@ -30,7 +30,7 @@
     <p:sldId id="320" r:id="rId24"/>
     <p:sldId id="317" r:id="rId25"/>
     <p:sldId id="304" r:id="rId26"/>
-    <p:sldId id="319" r:id="rId27"/>
+    <p:sldId id="323" r:id="rId27"/>
     <p:sldId id="306" r:id="rId28"/>
   </p:sldIdLst>
   <p:sldSz cx="12192000" cy="6858000"/>
@@ -141,7 +141,7 @@
 <file path=ppt/revisionInfo.xml><?xml version="1.0" encoding="utf-8"?>
 <p1510:revInfo xmlns:a="http://schemas.openxmlformats.org/drawingml/2006/main" xmlns:r="http://schemas.openxmlformats.org/officeDocument/2006/relationships" xmlns:p1510="http://schemas.microsoft.com/office/powerpoint/2015/10/main">
   <p1510:revLst>
-    <p1510:client id="{9C6018EA-39C4-4AB7-B48D-617997665656}" v="83" dt="2024-04-08T16:19:10.020"/>
+    <p1510:client id="{9C6018EA-39C4-4AB7-B48D-617997665656}" v="161" dt="2024-04-11T20:31:43.328"/>
   </p1510:revLst>
 </p1510:revInfo>
 </file>
@@ -151,12 +151,12 @@
   <pc:docChgLst>
     <pc:chgData name="Sergio Torres" userId="e32728b6-7cbc-4ccd-b17b-325991a4b818" providerId="ADAL" clId="{9C6018EA-39C4-4AB7-B48D-617997665656}"/>
     <pc:docChg chg="undo custSel addSld delSld modSld">
-      <pc:chgData name="Sergio Torres" userId="e32728b6-7cbc-4ccd-b17b-325991a4b818" providerId="ADAL" clId="{9C6018EA-39C4-4AB7-B48D-617997665656}" dt="2024-04-08T16:32:06.688" v="73" actId="207"/>
+      <pc:chgData name="Sergio Torres" userId="e32728b6-7cbc-4ccd-b17b-325991a4b818" providerId="ADAL" clId="{9C6018EA-39C4-4AB7-B48D-617997665656}" dt="2024-04-08T17:33:33.197" v="165" actId="1076"/>
       <pc:docMkLst>
         <pc:docMk/>
       </pc:docMkLst>
-      <pc:sldChg chg="modSp mod">
-        <pc:chgData name="Sergio Torres" userId="e32728b6-7cbc-4ccd-b17b-325991a4b818" providerId="ADAL" clId="{9C6018EA-39C4-4AB7-B48D-617997665656}" dt="2024-04-08T16:32:06.688" v="73" actId="207"/>
+      <pc:sldChg chg="addSp delSp modSp mod">
+        <pc:chgData name="Sergio Torres" userId="e32728b6-7cbc-4ccd-b17b-325991a4b818" providerId="ADAL" clId="{9C6018EA-39C4-4AB7-B48D-617997665656}" dt="2024-04-08T16:47:50.270" v="119" actId="478"/>
         <pc:sldMkLst>
           <pc:docMk/>
           <pc:sldMk cId="1314500098" sldId="257"/>
@@ -167,6 +167,54 @@
             <pc:docMk/>
             <pc:sldMk cId="1314500098" sldId="257"/>
             <ac:spMk id="3" creationId="{5E8BA5FB-6C9E-4A1C-8038-6871E8514952}"/>
+          </ac:spMkLst>
+        </pc:spChg>
+        <pc:spChg chg="add del mod">
+          <ac:chgData name="Sergio Torres" userId="e32728b6-7cbc-4ccd-b17b-325991a4b818" providerId="ADAL" clId="{9C6018EA-39C4-4AB7-B48D-617997665656}" dt="2024-04-08T16:47:50.270" v="119" actId="478"/>
+          <ac:spMkLst>
+            <pc:docMk/>
+            <pc:sldMk cId="1314500098" sldId="257"/>
+            <ac:spMk id="4" creationId="{78EA58E7-2622-CC48-3A53-C67159095AE6}"/>
+          </ac:spMkLst>
+        </pc:spChg>
+        <pc:spChg chg="add del mod">
+          <ac:chgData name="Sergio Torres" userId="e32728b6-7cbc-4ccd-b17b-325991a4b818" providerId="ADAL" clId="{9C6018EA-39C4-4AB7-B48D-617997665656}" dt="2024-04-08T16:47:50.270" v="119" actId="478"/>
+          <ac:spMkLst>
+            <pc:docMk/>
+            <pc:sldMk cId="1314500098" sldId="257"/>
+            <ac:spMk id="5" creationId="{783CDBD7-0F93-A26F-0623-1BDA2B1F63CD}"/>
+          </ac:spMkLst>
+        </pc:spChg>
+        <pc:spChg chg="add del mod">
+          <ac:chgData name="Sergio Torres" userId="e32728b6-7cbc-4ccd-b17b-325991a4b818" providerId="ADAL" clId="{9C6018EA-39C4-4AB7-B48D-617997665656}" dt="2024-04-08T16:47:50.270" v="119" actId="478"/>
+          <ac:spMkLst>
+            <pc:docMk/>
+            <pc:sldMk cId="1314500098" sldId="257"/>
+            <ac:spMk id="6" creationId="{9DFAB159-FF6C-A6AB-535F-3D61A8B6E6C4}"/>
+          </ac:spMkLst>
+        </pc:spChg>
+        <pc:spChg chg="add del mod">
+          <ac:chgData name="Sergio Torres" userId="e32728b6-7cbc-4ccd-b17b-325991a4b818" providerId="ADAL" clId="{9C6018EA-39C4-4AB7-B48D-617997665656}" dt="2024-04-08T16:47:50.270" v="119" actId="478"/>
+          <ac:spMkLst>
+            <pc:docMk/>
+            <pc:sldMk cId="1314500098" sldId="257"/>
+            <ac:spMk id="7" creationId="{9C9C7454-F0A2-B6DE-3033-CA7A4AF14A87}"/>
+          </ac:spMkLst>
+        </pc:spChg>
+        <pc:spChg chg="add del">
+          <ac:chgData name="Sergio Torres" userId="e32728b6-7cbc-4ccd-b17b-325991a4b818" providerId="ADAL" clId="{9C6018EA-39C4-4AB7-B48D-617997665656}" dt="2024-04-08T16:47:50.270" v="119" actId="478"/>
+          <ac:spMkLst>
+            <pc:docMk/>
+            <pc:sldMk cId="1314500098" sldId="257"/>
+            <ac:spMk id="8" creationId="{522BA7ED-5003-1BFE-3D94-DA9387C6D5E8}"/>
+          </ac:spMkLst>
+        </pc:spChg>
+        <pc:spChg chg="add del mod">
+          <ac:chgData name="Sergio Torres" userId="e32728b6-7cbc-4ccd-b17b-325991a4b818" providerId="ADAL" clId="{9C6018EA-39C4-4AB7-B48D-617997665656}" dt="2024-04-08T16:47:50.270" v="119" actId="478"/>
+          <ac:spMkLst>
+            <pc:docMk/>
+            <pc:sldMk cId="1314500098" sldId="257"/>
+            <ac:spMk id="9" creationId="{CF0FD3EC-A541-2234-96E0-BEA1D252A2F0}"/>
           </ac:spMkLst>
         </pc:spChg>
       </pc:sldChg>
@@ -182,6 +230,21 @@
             <pc:docMk/>
             <pc:sldMk cId="3904493462" sldId="289"/>
             <ac:spMk id="3" creationId="{CFEE5BBD-982D-4605-EFC3-B5525952F45C}"/>
+          </ac:spMkLst>
+        </pc:spChg>
+      </pc:sldChg>
+      <pc:sldChg chg="modSp mod">
+        <pc:chgData name="Sergio Torres" userId="e32728b6-7cbc-4ccd-b17b-325991a4b818" providerId="ADAL" clId="{9C6018EA-39C4-4AB7-B48D-617997665656}" dt="2024-04-08T17:06:45.568" v="162" actId="20577"/>
+        <pc:sldMkLst>
+          <pc:docMk/>
+          <pc:sldMk cId="1306767820" sldId="313"/>
+        </pc:sldMkLst>
+        <pc:spChg chg="mod">
+          <ac:chgData name="Sergio Torres" userId="e32728b6-7cbc-4ccd-b17b-325991a4b818" providerId="ADAL" clId="{9C6018EA-39C4-4AB7-B48D-617997665656}" dt="2024-04-08T17:06:45.568" v="162" actId="20577"/>
+          <ac:spMkLst>
+            <pc:docMk/>
+            <pc:sldMk cId="1306767820" sldId="313"/>
+            <ac:spMk id="17" creationId="{639FEAB6-348D-C19F-EA9D-188F9AD8747C}"/>
           </ac:spMkLst>
         </pc:spChg>
       </pc:sldChg>
@@ -256,7 +319,7 @@
         </pc:sldMkLst>
       </pc:sldChg>
       <pc:sldChg chg="addSp delSp modSp add mod">
-        <pc:chgData name="Sergio Torres" userId="e32728b6-7cbc-4ccd-b17b-325991a4b818" providerId="ADAL" clId="{9C6018EA-39C4-4AB7-B48D-617997665656}" dt="2024-04-08T16:30:16.839" v="69" actId="113"/>
+        <pc:chgData name="Sergio Torres" userId="e32728b6-7cbc-4ccd-b17b-325991a4b818" providerId="ADAL" clId="{9C6018EA-39C4-4AB7-B48D-617997665656}" dt="2024-04-08T17:33:33.197" v="165" actId="1076"/>
         <pc:sldMkLst>
           <pc:docMk/>
           <pc:sldMk cId="3408765465" sldId="322"/>
@@ -277,6 +340,14 @@
             <ac:spMk id="7" creationId="{504BDD8D-194D-1B52-A1F0-C7D7D1B8EED3}"/>
           </ac:spMkLst>
         </pc:spChg>
+        <pc:picChg chg="add mod">
+          <ac:chgData name="Sergio Torres" userId="e32728b6-7cbc-4ccd-b17b-325991a4b818" providerId="ADAL" clId="{9C6018EA-39C4-4AB7-B48D-617997665656}" dt="2024-04-08T17:33:33.197" v="165" actId="1076"/>
+          <ac:picMkLst>
+            <pc:docMk/>
+            <pc:sldMk cId="3408765465" sldId="322"/>
+            <ac:picMk id="4" creationId="{A379F164-DE58-97AD-4D35-C15B826A70F9}"/>
+          </ac:picMkLst>
+        </pc:picChg>
         <pc:picChg chg="del">
           <ac:chgData name="Sergio Torres" userId="e32728b6-7cbc-4ccd-b17b-325991a4b818" providerId="ADAL" clId="{9C6018EA-39C4-4AB7-B48D-617997665656}" dt="2024-04-08T16:15:18.153" v="27" actId="478"/>
           <ac:picMkLst>
@@ -285,8 +356,8 @@
             <ac:picMk id="4" creationId="{C4811094-EF60-24E2-0C67-3178FE82DA03}"/>
           </ac:picMkLst>
         </pc:picChg>
-        <pc:picChg chg="add mod">
-          <ac:chgData name="Sergio Torres" userId="e32728b6-7cbc-4ccd-b17b-325991a4b818" providerId="ADAL" clId="{9C6018EA-39C4-4AB7-B48D-617997665656}" dt="2024-04-08T16:15:34.827" v="32"/>
+        <pc:picChg chg="add del mod">
+          <ac:chgData name="Sergio Torres" userId="e32728b6-7cbc-4ccd-b17b-325991a4b818" providerId="ADAL" clId="{9C6018EA-39C4-4AB7-B48D-617997665656}" dt="2024-04-08T17:33:25.302" v="163" actId="478"/>
           <ac:picMkLst>
             <pc:docMk/>
             <pc:sldMk cId="3408765465" sldId="322"/>
@@ -537,8 +608,8 @@
   </pc:docChgLst>
   <pc:docChgLst>
     <pc:chgData name="Torres, Sergio E." userId="e32728b6-7cbc-4ccd-b17b-325991a4b818" providerId="ADAL" clId="{9C6018EA-39C4-4AB7-B48D-617997665656}"/>
-    <pc:docChg chg="undo custSel addSld delSld modSld sldOrd">
-      <pc:chgData name="Torres, Sergio E." userId="e32728b6-7cbc-4ccd-b17b-325991a4b818" providerId="ADAL" clId="{9C6018EA-39C4-4AB7-B48D-617997665656}" dt="2024-04-07T15:31:57.051" v="3082" actId="113"/>
+    <pc:docChg chg="undo redo custSel addSld delSld modSld sldOrd">
+      <pc:chgData name="Torres, Sergio E." userId="e32728b6-7cbc-4ccd-b17b-325991a4b818" providerId="ADAL" clId="{9C6018EA-39C4-4AB7-B48D-617997665656}" dt="2024-04-11T21:19:23.370" v="4500" actId="478"/>
       <pc:docMkLst>
         <pc:docMk/>
       </pc:docMkLst>
@@ -4001,7 +4072,7 @@
         </pc:picChg>
       </pc:sldChg>
       <pc:sldChg chg="addSp modSp add mod">
-        <pc:chgData name="Torres, Sergio E." userId="e32728b6-7cbc-4ccd-b17b-325991a4b818" providerId="ADAL" clId="{9C6018EA-39C4-4AB7-B48D-617997665656}" dt="2024-04-07T03:54:57.805" v="2988" actId="20577"/>
+        <pc:chgData name="Torres, Sergio E." userId="e32728b6-7cbc-4ccd-b17b-325991a4b818" providerId="ADAL" clId="{9C6018EA-39C4-4AB7-B48D-617997665656}" dt="2024-04-11T18:21:26.484" v="3137" actId="20577"/>
         <pc:sldMkLst>
           <pc:docMk/>
           <pc:sldMk cId="578829396" sldId="312"/>
@@ -4015,7 +4086,7 @@
           </ac:spMkLst>
         </pc:spChg>
         <pc:spChg chg="add mod">
-          <ac:chgData name="Torres, Sergio E." userId="e32728b6-7cbc-4ccd-b17b-325991a4b818" providerId="ADAL" clId="{9C6018EA-39C4-4AB7-B48D-617997665656}" dt="2024-04-07T03:54:57.805" v="2988" actId="20577"/>
+          <ac:chgData name="Torres, Sergio E." userId="e32728b6-7cbc-4ccd-b17b-325991a4b818" providerId="ADAL" clId="{9C6018EA-39C4-4AB7-B48D-617997665656}" dt="2024-04-11T18:21:26.484" v="3137" actId="20577"/>
           <ac:spMkLst>
             <pc:docMk/>
             <pc:sldMk cId="578829396" sldId="312"/>
@@ -4513,8 +4584,8 @@
           </ac:picMkLst>
         </pc:picChg>
       </pc:sldChg>
-      <pc:sldChg chg="addSp delSp modSp add mod ord">
-        <pc:chgData name="Torres, Sergio E." userId="e32728b6-7cbc-4ccd-b17b-325991a4b818" providerId="ADAL" clId="{9C6018EA-39C4-4AB7-B48D-617997665656}" dt="2024-04-07T15:31:57.051" v="3082" actId="113"/>
+      <pc:sldChg chg="addSp delSp modSp add del mod ord modShow">
+        <pc:chgData name="Torres, Sergio E." userId="e32728b6-7cbc-4ccd-b17b-325991a4b818" providerId="ADAL" clId="{9C6018EA-39C4-4AB7-B48D-617997665656}" dt="2024-04-11T20:34:49.429" v="4419" actId="47"/>
         <pc:sldMkLst>
           <pc:docMk/>
           <pc:sldMk cId="2721228401" sldId="319"/>
@@ -4582,6 +4653,228 @@
             <ac:picMk id="4" creationId="{9D013888-9545-5ECA-2F50-A3BB84F24F7E}"/>
           </ac:picMkLst>
         </pc:picChg>
+      </pc:sldChg>
+      <pc:sldChg chg="modSp mod">
+        <pc:chgData name="Torres, Sergio E." userId="e32728b6-7cbc-4ccd-b17b-325991a4b818" providerId="ADAL" clId="{9C6018EA-39C4-4AB7-B48D-617997665656}" dt="2024-04-11T18:24:32.982" v="3229" actId="113"/>
+        <pc:sldMkLst>
+          <pc:docMk/>
+          <pc:sldMk cId="3408765465" sldId="322"/>
+        </pc:sldMkLst>
+        <pc:spChg chg="mod">
+          <ac:chgData name="Torres, Sergio E." userId="e32728b6-7cbc-4ccd-b17b-325991a4b818" providerId="ADAL" clId="{9C6018EA-39C4-4AB7-B48D-617997665656}" dt="2024-04-11T18:24:32.982" v="3229" actId="113"/>
+          <ac:spMkLst>
+            <pc:docMk/>
+            <pc:sldMk cId="3408765465" sldId="322"/>
+            <ac:spMk id="7" creationId="{504BDD8D-194D-1B52-A1F0-C7D7D1B8EED3}"/>
+          </ac:spMkLst>
+        </pc:spChg>
+      </pc:sldChg>
+      <pc:sldChg chg="addSp delSp modSp add mod setBg delDesignElem">
+        <pc:chgData name="Torres, Sergio E." userId="e32728b6-7cbc-4ccd-b17b-325991a4b818" providerId="ADAL" clId="{9C6018EA-39C4-4AB7-B48D-617997665656}" dt="2024-04-11T21:19:23.370" v="4500" actId="478"/>
+        <pc:sldMkLst>
+          <pc:docMk/>
+          <pc:sldMk cId="774127219" sldId="323"/>
+        </pc:sldMkLst>
+        <pc:spChg chg="del">
+          <ac:chgData name="Torres, Sergio E." userId="e32728b6-7cbc-4ccd-b17b-325991a4b818" providerId="ADAL" clId="{9C6018EA-39C4-4AB7-B48D-617997665656}" dt="2024-04-11T18:30:16.832" v="3233" actId="478"/>
+          <ac:spMkLst>
+            <pc:docMk/>
+            <pc:sldMk cId="774127219" sldId="323"/>
+            <ac:spMk id="3" creationId="{B18EE540-C219-47F7-F5C5-246903EC48C0}"/>
+          </ac:spMkLst>
+        </pc:spChg>
+        <pc:spChg chg="del">
+          <ac:chgData name="Torres, Sergio E." userId="e32728b6-7cbc-4ccd-b17b-325991a4b818" providerId="ADAL" clId="{9C6018EA-39C4-4AB7-B48D-617997665656}" dt="2024-04-11T18:30:18.838" v="3234" actId="478"/>
+          <ac:spMkLst>
+            <pc:docMk/>
+            <pc:sldMk cId="774127219" sldId="323"/>
+            <ac:spMk id="4" creationId="{BCA18A83-44B6-7AD0-8C91-522B04BA2FFF}"/>
+          </ac:spMkLst>
+        </pc:spChg>
+        <pc:spChg chg="del">
+          <ac:chgData name="Torres, Sergio E." userId="e32728b6-7cbc-4ccd-b17b-325991a4b818" providerId="ADAL" clId="{9C6018EA-39C4-4AB7-B48D-617997665656}" dt="2024-04-11T18:30:19.977" v="3235" actId="478"/>
+          <ac:spMkLst>
+            <pc:docMk/>
+            <pc:sldMk cId="774127219" sldId="323"/>
+            <ac:spMk id="5" creationId="{1ED6AE18-B613-A07F-5CAD-714BE726D74B}"/>
+          </ac:spMkLst>
+        </pc:spChg>
+        <pc:spChg chg="add del mod">
+          <ac:chgData name="Torres, Sergio E." userId="e32728b6-7cbc-4ccd-b17b-325991a4b818" providerId="ADAL" clId="{9C6018EA-39C4-4AB7-B48D-617997665656}" dt="2024-04-11T18:32:03.670" v="3247" actId="478"/>
+          <ac:spMkLst>
+            <pc:docMk/>
+            <pc:sldMk cId="774127219" sldId="323"/>
+            <ac:spMk id="6" creationId="{FC14F83E-910C-9AC9-95EE-5DFD7523C27C}"/>
+          </ac:spMkLst>
+        </pc:spChg>
+        <pc:spChg chg="add del mod">
+          <ac:chgData name="Torres, Sergio E." userId="e32728b6-7cbc-4ccd-b17b-325991a4b818" providerId="ADAL" clId="{9C6018EA-39C4-4AB7-B48D-617997665656}" dt="2024-04-11T18:32:04.384" v="3248" actId="478"/>
+          <ac:spMkLst>
+            <pc:docMk/>
+            <pc:sldMk cId="774127219" sldId="323"/>
+            <ac:spMk id="7" creationId="{613B887C-207A-6E3B-122F-66DE932C4730}"/>
+          </ac:spMkLst>
+        </pc:spChg>
+        <pc:spChg chg="add mod">
+          <ac:chgData name="Torres, Sergio E." userId="e32728b6-7cbc-4ccd-b17b-325991a4b818" providerId="ADAL" clId="{9C6018EA-39C4-4AB7-B48D-617997665656}" dt="2024-04-11T21:04:09.041" v="4457" actId="1076"/>
+          <ac:spMkLst>
+            <pc:docMk/>
+            <pc:sldMk cId="774127219" sldId="323"/>
+            <ac:spMk id="8" creationId="{ECB6CF17-0729-F2F8-3D2C-C3A004FBB7ED}"/>
+          </ac:spMkLst>
+        </pc:spChg>
+        <pc:spChg chg="add del mod">
+          <ac:chgData name="Torres, Sergio E." userId="e32728b6-7cbc-4ccd-b17b-325991a4b818" providerId="ADAL" clId="{9C6018EA-39C4-4AB7-B48D-617997665656}" dt="2024-04-11T18:48:01.351" v="3670" actId="478"/>
+          <ac:spMkLst>
+            <pc:docMk/>
+            <pc:sldMk cId="774127219" sldId="323"/>
+            <ac:spMk id="9" creationId="{79A4C4A4-AA0B-2F71-851A-4DA93D5C3F64}"/>
+          </ac:spMkLst>
+        </pc:spChg>
+        <pc:spChg chg="add del mod">
+          <ac:chgData name="Torres, Sergio E." userId="e32728b6-7cbc-4ccd-b17b-325991a4b818" providerId="ADAL" clId="{9C6018EA-39C4-4AB7-B48D-617997665656}" dt="2024-04-11T18:33:50.903" v="3317" actId="478"/>
+          <ac:spMkLst>
+            <pc:docMk/>
+            <pc:sldMk cId="774127219" sldId="323"/>
+            <ac:spMk id="10" creationId="{D2073255-3E77-46D7-2FE6-527EF6B48857}"/>
+          </ac:spMkLst>
+        </pc:spChg>
+        <pc:spChg chg="add mod">
+          <ac:chgData name="Torres, Sergio E." userId="e32728b6-7cbc-4ccd-b17b-325991a4b818" providerId="ADAL" clId="{9C6018EA-39C4-4AB7-B48D-617997665656}" dt="2024-04-11T20:32:46.723" v="4408" actId="1035"/>
+          <ac:spMkLst>
+            <pc:docMk/>
+            <pc:sldMk cId="774127219" sldId="323"/>
+            <ac:spMk id="11" creationId="{7768EDAC-6388-2064-96EC-649A643A43C8}"/>
+          </ac:spMkLst>
+        </pc:spChg>
+        <pc:spChg chg="add mod ord">
+          <ac:chgData name="Torres, Sergio E." userId="e32728b6-7cbc-4ccd-b17b-325991a4b818" providerId="ADAL" clId="{9C6018EA-39C4-4AB7-B48D-617997665656}" dt="2024-04-11T20:32:46.723" v="4408" actId="1035"/>
+          <ac:spMkLst>
+            <pc:docMk/>
+            <pc:sldMk cId="774127219" sldId="323"/>
+            <ac:spMk id="12" creationId="{57546918-0ED2-3DF7-8389-5B67C00CC89F}"/>
+          </ac:spMkLst>
+        </pc:spChg>
+        <pc:spChg chg="add mod ord">
+          <ac:chgData name="Torres, Sergio E." userId="e32728b6-7cbc-4ccd-b17b-325991a4b818" providerId="ADAL" clId="{9C6018EA-39C4-4AB7-B48D-617997665656}" dt="2024-04-11T21:03:51.952" v="4456" actId="1076"/>
+          <ac:spMkLst>
+            <pc:docMk/>
+            <pc:sldMk cId="774127219" sldId="323"/>
+            <ac:spMk id="13" creationId="{F132FAD7-3747-814F-0B9E-EEE885C8015D}"/>
+          </ac:spMkLst>
+        </pc:spChg>
+        <pc:spChg chg="add mod">
+          <ac:chgData name="Torres, Sergio E." userId="e32728b6-7cbc-4ccd-b17b-325991a4b818" providerId="ADAL" clId="{9C6018EA-39C4-4AB7-B48D-617997665656}" dt="2024-04-11T20:45:10.005" v="4428" actId="403"/>
+          <ac:spMkLst>
+            <pc:docMk/>
+            <pc:sldMk cId="774127219" sldId="323"/>
+            <ac:spMk id="14" creationId="{DF7A86D7-922A-8CE1-613B-E51901437C27}"/>
+          </ac:spMkLst>
+        </pc:spChg>
+        <pc:spChg chg="add mod">
+          <ac:chgData name="Torres, Sergio E." userId="e32728b6-7cbc-4ccd-b17b-325991a4b818" providerId="ADAL" clId="{9C6018EA-39C4-4AB7-B48D-617997665656}" dt="2024-04-11T20:46:35.474" v="4433" actId="1076"/>
+          <ac:spMkLst>
+            <pc:docMk/>
+            <pc:sldMk cId="774127219" sldId="323"/>
+            <ac:spMk id="15" creationId="{AFA8661C-99E4-B0D6-0148-89527E8486C9}"/>
+          </ac:spMkLst>
+        </pc:spChg>
+        <pc:spChg chg="add mod">
+          <ac:chgData name="Torres, Sergio E." userId="e32728b6-7cbc-4ccd-b17b-325991a4b818" providerId="ADAL" clId="{9C6018EA-39C4-4AB7-B48D-617997665656}" dt="2024-04-11T21:10:23.911" v="4495" actId="20577"/>
+          <ac:spMkLst>
+            <pc:docMk/>
+            <pc:sldMk cId="774127219" sldId="323"/>
+            <ac:spMk id="18" creationId="{013B37A6-E0B2-F2FB-27DA-07DA7B881D39}"/>
+          </ac:spMkLst>
+        </pc:spChg>
+        <pc:spChg chg="add mod">
+          <ac:chgData name="Torres, Sergio E." userId="e32728b6-7cbc-4ccd-b17b-325991a4b818" providerId="ADAL" clId="{9C6018EA-39C4-4AB7-B48D-617997665656}" dt="2024-04-11T20:46:42.760" v="4434" actId="1076"/>
+          <ac:spMkLst>
+            <pc:docMk/>
+            <pc:sldMk cId="774127219" sldId="323"/>
+            <ac:spMk id="19" creationId="{21E80924-CFC3-4C56-F1F6-1BA9CA0C0B41}"/>
+          </ac:spMkLst>
+        </pc:spChg>
+        <pc:spChg chg="add del">
+          <ac:chgData name="Torres, Sergio E." userId="e32728b6-7cbc-4ccd-b17b-325991a4b818" providerId="ADAL" clId="{9C6018EA-39C4-4AB7-B48D-617997665656}" dt="2024-04-11T20:28:59.431" v="4345" actId="478"/>
+          <ac:spMkLst>
+            <pc:docMk/>
+            <pc:sldMk cId="774127219" sldId="323"/>
+            <ac:spMk id="24" creationId="{AAA51964-46EC-E65D-8AB4-E305273A7E39}"/>
+          </ac:spMkLst>
+        </pc:spChg>
+        <pc:spChg chg="add mod">
+          <ac:chgData name="Torres, Sergio E." userId="e32728b6-7cbc-4ccd-b17b-325991a4b818" providerId="ADAL" clId="{9C6018EA-39C4-4AB7-B48D-617997665656}" dt="2024-04-11T20:34:29.712" v="4418" actId="554"/>
+          <ac:spMkLst>
+            <pc:docMk/>
+            <pc:sldMk cId="774127219" sldId="323"/>
+            <ac:spMk id="27" creationId="{C6738D07-7202-D5B5-73D9-3124017131A4}"/>
+          </ac:spMkLst>
+        </pc:spChg>
+        <pc:spChg chg="add mod">
+          <ac:chgData name="Torres, Sergio E." userId="e32728b6-7cbc-4ccd-b17b-325991a4b818" providerId="ADAL" clId="{9C6018EA-39C4-4AB7-B48D-617997665656}" dt="2024-04-11T20:34:29.712" v="4418" actId="554"/>
+          <ac:spMkLst>
+            <pc:docMk/>
+            <pc:sldMk cId="774127219" sldId="323"/>
+            <ac:spMk id="28" creationId="{A5400D94-CB18-7E40-181C-FB106AB21CD4}"/>
+          </ac:spMkLst>
+        </pc:spChg>
+        <pc:spChg chg="add del">
+          <ac:chgData name="Torres, Sergio E." userId="e32728b6-7cbc-4ccd-b17b-325991a4b818" providerId="ADAL" clId="{9C6018EA-39C4-4AB7-B48D-617997665656}" dt="2024-04-11T21:02:47.355" v="4447" actId="22"/>
+          <ac:spMkLst>
+            <pc:docMk/>
+            <pc:sldMk cId="774127219" sldId="323"/>
+            <ac:spMk id="30" creationId="{5D767FB8-CE30-70F3-0D2F-814F0C7BD3CA}"/>
+          </ac:spMkLst>
+        </pc:spChg>
+        <pc:spChg chg="add mod">
+          <ac:chgData name="Torres, Sergio E." userId="e32728b6-7cbc-4ccd-b17b-325991a4b818" providerId="ADAL" clId="{9C6018EA-39C4-4AB7-B48D-617997665656}" dt="2024-04-11T21:06:03.584" v="4493" actId="113"/>
+          <ac:spMkLst>
+            <pc:docMk/>
+            <pc:sldMk cId="774127219" sldId="323"/>
+            <ac:spMk id="32" creationId="{1BE99DEB-7EA0-7009-7884-AC17CFE1C8EC}"/>
+          </ac:spMkLst>
+        </pc:spChg>
+        <pc:spChg chg="del">
+          <ac:chgData name="Torres, Sergio E." userId="e32728b6-7cbc-4ccd-b17b-325991a4b818" providerId="ADAL" clId="{9C6018EA-39C4-4AB7-B48D-617997665656}" dt="2024-04-11T18:30:10.072" v="3231"/>
+          <ac:spMkLst>
+            <pc:docMk/>
+            <pc:sldMk cId="774127219" sldId="323"/>
+            <ac:spMk id="48" creationId="{53B021B3-DE93-4AB7-8A18-CF5F1CED88B8}"/>
+          </ac:spMkLst>
+        </pc:spChg>
+        <pc:spChg chg="del">
+          <ac:chgData name="Torres, Sergio E." userId="e32728b6-7cbc-4ccd-b17b-325991a4b818" providerId="ADAL" clId="{9C6018EA-39C4-4AB7-B48D-617997665656}" dt="2024-04-11T18:30:10.072" v="3231"/>
+          <ac:spMkLst>
+            <pc:docMk/>
+            <pc:sldMk cId="774127219" sldId="323"/>
+            <ac:spMk id="50" creationId="{52D502E5-F6B4-4D58-B4AE-FC466FF15EE8}"/>
+          </ac:spMkLst>
+        </pc:spChg>
+        <pc:spChg chg="del">
+          <ac:chgData name="Torres, Sergio E." userId="e32728b6-7cbc-4ccd-b17b-325991a4b818" providerId="ADAL" clId="{9C6018EA-39C4-4AB7-B48D-617997665656}" dt="2024-04-11T18:30:10.072" v="3231"/>
+          <ac:spMkLst>
+            <pc:docMk/>
+            <pc:sldMk cId="774127219" sldId="323"/>
+            <ac:spMk id="52" creationId="{9DECDBF4-02B6-4BB4-B65B-B8107AD6A9E8}"/>
+          </ac:spMkLst>
+        </pc:spChg>
+        <pc:cxnChg chg="add del mod">
+          <ac:chgData name="Torres, Sergio E." userId="e32728b6-7cbc-4ccd-b17b-325991a4b818" providerId="ADAL" clId="{9C6018EA-39C4-4AB7-B48D-617997665656}" dt="2024-04-11T21:19:17.444" v="4498" actId="478"/>
+          <ac:cxnSpMkLst>
+            <pc:docMk/>
+            <pc:sldMk cId="774127219" sldId="323"/>
+            <ac:cxnSpMk id="17" creationId="{D8B4FF0C-469D-57B4-6C73-9133E7C54C8F}"/>
+          </ac:cxnSpMkLst>
+        </pc:cxnChg>
+        <pc:cxnChg chg="add del mod">
+          <ac:chgData name="Torres, Sergio E." userId="e32728b6-7cbc-4ccd-b17b-325991a4b818" providerId="ADAL" clId="{9C6018EA-39C4-4AB7-B48D-617997665656}" dt="2024-04-11T21:19:23.370" v="4500" actId="478"/>
+          <ac:cxnSpMkLst>
+            <pc:docMk/>
+            <pc:sldMk cId="774127219" sldId="323"/>
+            <ac:cxnSpMk id="21" creationId="{7C94876C-E733-7C26-8852-4310B0F6E68E}"/>
+          </ac:cxnSpMkLst>
+        </pc:cxnChg>
       </pc:sldChg>
       <pc:sldMasterChg chg="delSldLayout">
         <pc:chgData name="Torres, Sergio E." userId="e32728b6-7cbc-4ccd-b17b-325991a4b818" providerId="ADAL" clId="{9C6018EA-39C4-4AB7-B48D-617997665656}" dt="2024-04-07T02:29:03.768" v="2491" actId="2696"/>
@@ -4760,7 +5053,7 @@
           <a:p>
             <a:fld id="{60AFC7E9-2C41-4931-9D17-B7C30FDA9379}" type="datetimeFigureOut">
               <a:rPr lang="en-CA" smtClean="0"/>
-              <a:t>2024-04-08</a:t>
+              <a:t>2024-04-11</a:t>
             </a:fld>
             <a:endParaRPr lang="en-CA"/>
           </a:p>
@@ -4960,7 +5253,7 @@
           <a:p>
             <a:fld id="{60AFC7E9-2C41-4931-9D17-B7C30FDA9379}" type="datetimeFigureOut">
               <a:rPr lang="en-CA" smtClean="0"/>
-              <a:t>2024-04-08</a:t>
+              <a:t>2024-04-11</a:t>
             </a:fld>
             <a:endParaRPr lang="en-CA"/>
           </a:p>
@@ -5236,7 +5529,7 @@
           <a:p>
             <a:fld id="{60AFC7E9-2C41-4931-9D17-B7C30FDA9379}" type="datetimeFigureOut">
               <a:rPr lang="en-CA" smtClean="0"/>
-              <a:t>2024-04-08</a:t>
+              <a:t>2024-04-11</a:t>
             </a:fld>
             <a:endParaRPr lang="en-CA"/>
           </a:p>
@@ -5504,7 +5797,7 @@
           <a:p>
             <a:fld id="{60AFC7E9-2C41-4931-9D17-B7C30FDA9379}" type="datetimeFigureOut">
               <a:rPr lang="en-CA" smtClean="0"/>
-              <a:t>2024-04-08</a:t>
+              <a:t>2024-04-11</a:t>
             </a:fld>
             <a:endParaRPr lang="en-CA"/>
           </a:p>
@@ -5919,7 +6212,7 @@
           <a:p>
             <a:fld id="{60AFC7E9-2C41-4931-9D17-B7C30FDA9379}" type="datetimeFigureOut">
               <a:rPr lang="en-CA" smtClean="0"/>
-              <a:t>2024-04-08</a:t>
+              <a:t>2024-04-11</a:t>
             </a:fld>
             <a:endParaRPr lang="en-CA"/>
           </a:p>
@@ -6232,7 +6525,7 @@
           <a:p>
             <a:fld id="{60AFC7E9-2C41-4931-9D17-B7C30FDA9379}" type="datetimeFigureOut">
               <a:rPr lang="en-CA" smtClean="0"/>
-              <a:t>2024-04-08</a:t>
+              <a:t>2024-04-11</a:t>
             </a:fld>
             <a:endParaRPr lang="en-CA"/>
           </a:p>
@@ -6521,7 +6814,7 @@
           <a:p>
             <a:fld id="{60AFC7E9-2C41-4931-9D17-B7C30FDA9379}" type="datetimeFigureOut">
               <a:rPr lang="en-CA" smtClean="0"/>
-              <a:t>2024-04-08</a:t>
+              <a:t>2024-04-11</a:t>
             </a:fld>
             <a:endParaRPr lang="en-CA"/>
           </a:p>
@@ -6721,7 +7014,7 @@
           <a:p>
             <a:fld id="{60AFC7E9-2C41-4931-9D17-B7C30FDA9379}" type="datetimeFigureOut">
               <a:rPr lang="en-CA" smtClean="0"/>
-              <a:t>2024-04-08</a:t>
+              <a:t>2024-04-11</a:t>
             </a:fld>
             <a:endParaRPr lang="en-CA"/>
           </a:p>
@@ -6931,7 +7224,7 @@
           <a:p>
             <a:fld id="{60AFC7E9-2C41-4931-9D17-B7C30FDA9379}" type="datetimeFigureOut">
               <a:rPr lang="en-CA" smtClean="0"/>
-              <a:t>2024-04-08</a:t>
+              <a:t>2024-04-11</a:t>
             </a:fld>
             <a:endParaRPr lang="en-CA"/>
           </a:p>
@@ -7174,7 +7467,7 @@
           <a:p>
             <a:fld id="{60AFC7E9-2C41-4931-9D17-B7C30FDA9379}" type="datetimeFigureOut">
               <a:rPr lang="en-CA" smtClean="0"/>
-              <a:t>2024-04-08</a:t>
+              <a:t>2024-04-11</a:t>
             </a:fld>
             <a:endParaRPr lang="en-CA"/>
           </a:p>
@@ -11174,7 +11467,7 @@
         <p:spPr>
           <a:xfrm>
             <a:off x="6288798" y="1964657"/>
-            <a:ext cx="5058906" cy="4401205"/>
+            <a:ext cx="5058906" cy="4616648"/>
           </a:xfrm>
           <a:prstGeom prst="rect">
             <a:avLst/>
@@ -11295,6 +11588,25 @@
           </a:p>
           <a:p>
             <a:endParaRPr lang="en-US" sz="1400" dirty="0"/>
+          </a:p>
+          <a:p>
+            <a:r>
+              <a:rPr lang="en-US" sz="1400" b="1" dirty="0"/>
+              <a:t>Mean Score</a:t>
+            </a:r>
+            <a:r>
+              <a:rPr lang="en-US" sz="1400" dirty="0"/>
+              <a:t> Naïve Bayes: </a:t>
+            </a:r>
+            <a:r>
+              <a:rPr lang="en-US" sz="1400" b="1" dirty="0"/>
+              <a:t>75.76%</a:t>
+            </a:r>
+            <a:r>
+              <a:rPr lang="en-US" sz="1400" dirty="0"/>
+              <a:t>.</a:t>
+            </a:r>
+            <a:endParaRPr lang="en-US" sz="1400" b="1" dirty="0"/>
           </a:p>
           <a:p>
             <a:endParaRPr lang="en-US" sz="1400" dirty="0"/>
@@ -13066,7 +13378,7 @@
               </a:spcAft>
             </a:pPr>
             <a:r>
-              <a:rPr lang="en-CA" sz="1512" kern="1200">
+              <a:rPr lang="en-CA" sz="1512" kern="1200" dirty="0">
                 <a:solidFill>
                   <a:sysClr val="windowText" lastClr="000000"/>
                 </a:solidFill>
@@ -13074,10 +13386,10 @@
                 <a:ea typeface="+mn-ea"/>
                 <a:cs typeface="+mn-cs"/>
               </a:rPr>
-              <a:t>Applying Naïve Bayes - </a:t>
-            </a:r>
-            <a:r>
-              <a:rPr lang="en-CA" sz="1512" kern="1200" err="1">
+              <a:t>Applying Decision Tree - </a:t>
+            </a:r>
+            <a:r>
+              <a:rPr lang="en-CA" sz="1512" kern="1200" dirty="0" err="1">
                 <a:solidFill>
                   <a:sysClr val="windowText" lastClr="000000"/>
                 </a:solidFill>
@@ -13085,9 +13397,9 @@
                 <a:ea typeface="+mn-ea"/>
                 <a:cs typeface="+mn-cs"/>
               </a:rPr>
-              <a:t>GaussianNB</a:t>
-            </a:r>
-            <a:endParaRPr lang="en-CA" sz="1400">
+              <a:t>DecisionTreeClassifier</a:t>
+            </a:r>
+            <a:endParaRPr lang="en-CA" sz="1400" dirty="0">
               <a:solidFill>
                 <a:sysClr val="windowText" lastClr="000000"/>
               </a:solidFill>
@@ -14364,7 +14676,7 @@
         <p:spPr>
           <a:xfrm>
             <a:off x="6288798" y="1964657"/>
-            <a:ext cx="5058906" cy="4185761"/>
+            <a:ext cx="5058906" cy="4616648"/>
           </a:xfrm>
           <a:prstGeom prst="rect">
             <a:avLst/>
@@ -14489,6 +14801,30 @@
           <a:p>
             <a:pPr algn="just"/>
             <a:r>
+              <a:rPr lang="en-US" sz="1400" b="1" dirty="0"/>
+              <a:t>Mean Score</a:t>
+            </a:r>
+            <a:r>
+              <a:rPr lang="en-US" sz="1400" dirty="0"/>
+              <a:t> Decision Tree: </a:t>
+            </a:r>
+            <a:r>
+              <a:rPr lang="en-US" sz="1400" b="1" dirty="0"/>
+              <a:t>84.27%</a:t>
+            </a:r>
+            <a:r>
+              <a:rPr lang="en-US" sz="1400" dirty="0"/>
+              <a:t>.</a:t>
+            </a:r>
+            <a:endParaRPr lang="en-US" sz="1400" b="1" dirty="0"/>
+          </a:p>
+          <a:p>
+            <a:pPr algn="just"/>
+            <a:endParaRPr lang="en-US" sz="1400" dirty="0"/>
+          </a:p>
+          <a:p>
+            <a:pPr algn="just"/>
+            <a:r>
               <a:rPr lang="en-US" sz="1400" dirty="0"/>
               <a:t>The </a:t>
             </a:r>
@@ -14498,15 +14834,15 @@
             </a:r>
             <a:r>
               <a:rPr lang="en-US" sz="1400" dirty="0"/>
-              <a:t>value of 0.84 can be considered </a:t>
+              <a:t>value of 0.84 can be considered a</a:t>
             </a:r>
             <a:r>
               <a:rPr lang="en-US" sz="1400" b="1" dirty="0"/>
-              <a:t>good </a:t>
+              <a:t> good </a:t>
             </a:r>
             <a:r>
               <a:rPr lang="en-US" sz="1400" dirty="0"/>
-              <a:t>range because indicating that it has a strong ability to distinguish between the positive and negative classes.</a:t>
+              <a:t>range because it indicates a strong ability to distinguish between the positive and negative classes.</a:t>
             </a:r>
             <a:endParaRPr lang="en-CA" sz="1400" dirty="0"/>
           </a:p>
@@ -14514,10 +14850,10 @@
       </p:sp>
       <p:pic>
         <p:nvPicPr>
-          <p:cNvPr id="6" name="Picture 5">
-            <a:extLst>
-              <a:ext uri="{FF2B5EF4-FFF2-40B4-BE49-F238E27FC236}">
-                <a16:creationId xmlns:a16="http://schemas.microsoft.com/office/drawing/2014/main" id="{B1081E7F-5A1E-3AD4-FD22-B5793874226D}"/>
+          <p:cNvPr id="4" name="Picture 3">
+            <a:extLst>
+              <a:ext uri="{FF2B5EF4-FFF2-40B4-BE49-F238E27FC236}">
+                <a16:creationId xmlns:a16="http://schemas.microsoft.com/office/drawing/2014/main" id="{A379F164-DE58-97AD-4D35-C15B826A70F9}"/>
               </a:ext>
             </a:extLst>
           </p:cNvPr>
@@ -14534,7 +14870,7 @@
         </p:blipFill>
         <p:spPr>
           <a:xfrm>
-            <a:off x="397753" y="1877783"/>
+            <a:off x="391674" y="1744316"/>
             <a:ext cx="5505450" cy="4333875"/>
           </a:xfrm>
           <a:prstGeom prst="rect">
@@ -18865,14 +19201,6 @@
 <file path=ppt/slides/slide26.xml><?xml version="1.0" encoding="utf-8"?>
 <p:sld xmlns:a="http://schemas.openxmlformats.org/drawingml/2006/main" xmlns:r="http://schemas.openxmlformats.org/officeDocument/2006/relationships" xmlns:p="http://schemas.openxmlformats.org/presentationml/2006/main">
   <p:cSld>
-    <p:bg>
-      <p:bgPr>
-        <a:solidFill>
-          <a:schemeClr val="bg1"/>
-        </a:solidFill>
-        <a:effectLst/>
-      </p:bgPr>
-    </p:bg>
     <p:spTree>
       <p:nvGrpSpPr>
         <p:cNvPr id="1" name=""/>
@@ -18887,245 +19215,12 @@
           <a:chExt cx="0" cy="0"/>
         </a:xfrm>
       </p:grpSpPr>
-      <p:sp useBgFill="1">
-        <p:nvSpPr>
-          <p:cNvPr id="48" name="Rectangle 47">
-            <a:extLst>
-              <a:ext uri="{FF2B5EF4-FFF2-40B4-BE49-F238E27FC236}">
-                <a16:creationId xmlns:a16="http://schemas.microsoft.com/office/drawing/2014/main" id="{53B021B3-DE93-4AB7-8A18-CF5F1CED88B8}"/>
-              </a:ext>
-              <a:ext uri="{C183D7F6-B498-43B3-948B-1728B52AA6E4}">
-                <adec:decorative xmlns:adec="http://schemas.microsoft.com/office/drawing/2017/decorative" val="1"/>
-              </a:ext>
-            </a:extLst>
-          </p:cNvPr>
-          <p:cNvSpPr>
-            <a:spLocks noGrp="1" noRot="1" noChangeAspect="1" noMove="1" noResize="1" noEditPoints="1" noAdjustHandles="1" noChangeArrowheads="1" noChangeShapeType="1" noTextEdit="1"/>
-          </p:cNvSpPr>
-          <p:nvPr>
-            <p:extLst>
-              <p:ext uri="{386F3935-93C4-4BCD-93E2-E3B085C9AB24}">
-                <p16:designElem xmlns:p16="http://schemas.microsoft.com/office/powerpoint/2015/main" val="1"/>
-              </p:ext>
-            </p:extLst>
-          </p:nvPr>
-        </p:nvSpPr>
-        <p:spPr>
-          <a:xfrm>
-            <a:off x="0" y="0"/>
-            <a:ext cx="12192000" cy="6858000"/>
-          </a:xfrm>
-          <a:prstGeom prst="rect">
-            <a:avLst/>
-          </a:prstGeom>
-          <a:ln>
-            <a:noFill/>
-          </a:ln>
-        </p:spPr>
-        <p:style>
-          <a:lnRef idx="2">
-            <a:schemeClr val="accent1">
-              <a:shade val="50000"/>
-            </a:schemeClr>
-          </a:lnRef>
-          <a:fillRef idx="1">
-            <a:schemeClr val="accent1"/>
-          </a:fillRef>
-          <a:effectRef idx="0">
-            <a:schemeClr val="accent1"/>
-          </a:effectRef>
-          <a:fontRef idx="minor">
-            <a:schemeClr val="lt1"/>
-          </a:fontRef>
-        </p:style>
-        <p:txBody>
-          <a:bodyPr rtlCol="0" anchor="ctr"/>
-          <a:lstStyle/>
-          <a:p>
-            <a:pPr algn="ctr"/>
-            <a:endParaRPr lang="en-US"/>
-          </a:p>
-        </p:txBody>
-      </p:sp>
       <p:sp>
         <p:nvSpPr>
-          <p:cNvPr id="2" name="Title 1">
-            <a:extLst>
-              <a:ext uri="{FF2B5EF4-FFF2-40B4-BE49-F238E27FC236}">
-                <a16:creationId xmlns:a16="http://schemas.microsoft.com/office/drawing/2014/main" id="{4E35493B-EC95-4D54-B376-84DABC1F268E}"/>
-              </a:ext>
-            </a:extLst>
-          </p:cNvPr>
-          <p:cNvSpPr>
-            <a:spLocks noGrp="1"/>
-          </p:cNvSpPr>
-          <p:nvPr>
-            <p:ph type="title"/>
-          </p:nvPr>
-        </p:nvSpPr>
-        <p:spPr>
-          <a:xfrm>
-            <a:off x="841248" y="256032"/>
-            <a:ext cx="10506456" cy="1014984"/>
-          </a:xfrm>
-        </p:spPr>
-        <p:txBody>
-          <a:bodyPr anchor="b">
-            <a:normAutofit/>
-          </a:bodyPr>
-          <a:lstStyle/>
-          <a:p>
-            <a:r>
-              <a:rPr lang="en-CA" b="1" dirty="0"/>
-              <a:t>Conclusion and Insights</a:t>
-            </a:r>
-            <a:endParaRPr lang="en-CA" dirty="0"/>
-          </a:p>
-        </p:txBody>
-      </p:sp>
-      <p:sp>
-        <p:nvSpPr>
-          <p:cNvPr id="50" name="Rectangle 49">
-            <a:extLst>
-              <a:ext uri="{FF2B5EF4-FFF2-40B4-BE49-F238E27FC236}">
-                <a16:creationId xmlns:a16="http://schemas.microsoft.com/office/drawing/2014/main" id="{52D502E5-F6B4-4D58-B4AE-FC466FF15EE8}"/>
-              </a:ext>
-              <a:ext uri="{C183D7F6-B498-43B3-948B-1728B52AA6E4}">
-                <adec:decorative xmlns:adec="http://schemas.microsoft.com/office/drawing/2017/decorative" val="1"/>
-              </a:ext>
-            </a:extLst>
-          </p:cNvPr>
-          <p:cNvSpPr>
-            <a:spLocks noGrp="1" noRot="1" noChangeAspect="1" noMove="1" noResize="1" noEditPoints="1" noAdjustHandles="1" noChangeArrowheads="1" noChangeShapeType="1" noTextEdit="1"/>
-          </p:cNvSpPr>
-          <p:nvPr>
-            <p:extLst>
-              <p:ext uri="{386F3935-93C4-4BCD-93E2-E3B085C9AB24}">
-                <p16:designElem xmlns:p16="http://schemas.microsoft.com/office/powerpoint/2015/main" val="1"/>
-              </p:ext>
-            </p:extLst>
-          </p:nvPr>
-        </p:nvSpPr>
-        <p:spPr>
-          <a:xfrm>
-            <a:off x="865953" y="1634502"/>
-            <a:ext cx="10451592" cy="18288"/>
-          </a:xfrm>
-          <a:prstGeom prst="rect">
-            <a:avLst/>
-          </a:prstGeom>
-          <a:solidFill>
-            <a:srgbClr val="D5D5D5"/>
-          </a:solidFill>
-          <a:ln w="3175">
-            <a:noFill/>
-          </a:ln>
-          <a:effectLst/>
-        </p:spPr>
-        <p:style>
-          <a:lnRef idx="2">
-            <a:schemeClr val="accent1">
-              <a:shade val="50000"/>
-            </a:schemeClr>
-          </a:lnRef>
-          <a:fillRef idx="1">
-            <a:schemeClr val="accent1"/>
-          </a:fillRef>
-          <a:effectRef idx="0">
-            <a:schemeClr val="accent1"/>
-          </a:effectRef>
-          <a:fontRef idx="minor">
-            <a:schemeClr val="lt1"/>
-          </a:fontRef>
-        </p:style>
-        <p:txBody>
-          <a:bodyPr rtlCol="0" anchor="ctr"/>
-          <a:lstStyle/>
-          <a:p>
-            <a:pPr algn="ctr"/>
-            <a:endParaRPr lang="en-US">
-              <a:solidFill>
-                <a:prstClr val="white"/>
-              </a:solidFill>
-              <a:latin typeface="Calibri" panose="020F0502020204030204"/>
-            </a:endParaRPr>
-          </a:p>
-        </p:txBody>
-      </p:sp>
-      <p:sp>
-        <p:nvSpPr>
-          <p:cNvPr id="52" name="Rectangle 51">
-            <a:extLst>
-              <a:ext uri="{FF2B5EF4-FFF2-40B4-BE49-F238E27FC236}">
-                <a16:creationId xmlns:a16="http://schemas.microsoft.com/office/drawing/2014/main" id="{9DECDBF4-02B6-4BB4-B65B-B8107AD6A9E8}"/>
-              </a:ext>
-              <a:ext uri="{C183D7F6-B498-43B3-948B-1728B52AA6E4}">
-                <adec:decorative xmlns:adec="http://schemas.microsoft.com/office/drawing/2017/decorative" val="1"/>
-              </a:ext>
-            </a:extLst>
-          </p:cNvPr>
-          <p:cNvSpPr>
-            <a:spLocks noGrp="1" noRot="1" noChangeAspect="1" noMove="1" noResize="1" noEditPoints="1" noAdjustHandles="1" noChangeArrowheads="1" noChangeShapeType="1" noTextEdit="1"/>
-          </p:cNvSpPr>
-          <p:nvPr>
-            <p:extLst>
-              <p:ext uri="{386F3935-93C4-4BCD-93E2-E3B085C9AB24}">
-                <p16:designElem xmlns:p16="http://schemas.microsoft.com/office/powerpoint/2015/main" val="1"/>
-              </p:ext>
-            </p:extLst>
-          </p:nvPr>
-        </p:nvSpPr>
-        <p:spPr>
-          <a:xfrm flipV="1">
-            <a:off x="841248" y="1538176"/>
-            <a:ext cx="1873457" cy="109814"/>
-          </a:xfrm>
-          <a:prstGeom prst="rect">
-            <a:avLst/>
-          </a:prstGeom>
-          <a:solidFill>
-            <a:schemeClr val="accent2"/>
-          </a:solidFill>
-          <a:ln>
-            <a:noFill/>
-          </a:ln>
-        </p:spPr>
-        <p:style>
-          <a:lnRef idx="2">
-            <a:schemeClr val="accent1">
-              <a:shade val="50000"/>
-            </a:schemeClr>
-          </a:lnRef>
-          <a:fillRef idx="1">
-            <a:schemeClr val="accent1"/>
-          </a:fillRef>
-          <a:effectRef idx="0">
-            <a:schemeClr val="accent1"/>
-          </a:effectRef>
-          <a:fontRef idx="minor">
-            <a:schemeClr val="lt1"/>
-          </a:fontRef>
-        </p:style>
-        <p:txBody>
-          <a:bodyPr rtlCol="0" anchor="ctr"/>
-          <a:lstStyle/>
-          <a:p>
-            <a:pPr algn="ctr"/>
-            <a:endParaRPr lang="en-US">
-              <a:solidFill>
-                <a:prstClr val="white"/>
-              </a:solidFill>
-              <a:latin typeface="Calibri" panose="020F0502020204030204"/>
-            </a:endParaRPr>
-          </a:p>
-        </p:txBody>
-      </p:sp>
-      <p:sp>
-        <p:nvSpPr>
-          <p:cNvPr id="3" name="Arrow: Pentagon 2">
-            <a:extLst>
-              <a:ext uri="{FF2B5EF4-FFF2-40B4-BE49-F238E27FC236}">
-                <a16:creationId xmlns:a16="http://schemas.microsoft.com/office/drawing/2014/main" id="{B18EE540-C219-47F7-F5C5-246903EC48C0}"/>
+          <p:cNvPr id="13" name="Rectangle: Rounded Corners 12">
+            <a:extLst>
+              <a:ext uri="{FF2B5EF4-FFF2-40B4-BE49-F238E27FC236}">
+                <a16:creationId xmlns:a16="http://schemas.microsoft.com/office/drawing/2014/main" id="{F132FAD7-3747-814F-0B9E-EEE885C8015D}"/>
               </a:ext>
             </a:extLst>
           </p:cNvPr>
@@ -19134,24 +19229,20 @@
         </p:nvSpPr>
         <p:spPr>
           <a:xfrm>
-            <a:off x="838199" y="1741360"/>
-            <a:ext cx="10479345" cy="1431759"/>
+            <a:off x="4976221" y="1359447"/>
+            <a:ext cx="1614196" cy="4589010"/>
           </a:xfrm>
-          <a:prstGeom prst="homePlate">
-            <a:avLst>
-              <a:gd name="adj" fmla="val 0"/>
-            </a:avLst>
+          <a:prstGeom prst="roundRect">
+            <a:avLst/>
           </a:prstGeom>
           <a:solidFill>
-            <a:schemeClr val="accent4">
+            <a:schemeClr val="accent6">
               <a:lumMod val="20000"/>
               <a:lumOff val="80000"/>
             </a:schemeClr>
           </a:solidFill>
           <a:ln>
-            <a:solidFill>
-              <a:schemeClr val="bg1"/>
-            </a:solidFill>
+            <a:noFill/>
           </a:ln>
         </p:spPr>
         <p:style>
@@ -19174,159 +19265,17 @@
           <a:bodyPr rtlCol="0" anchor="ctr"/>
           <a:lstStyle/>
           <a:p>
-            <a:pPr algn="just"/>
-            <a:r>
-              <a:rPr lang="en-US" sz="1400" b="1" dirty="0">
-                <a:solidFill>
-                  <a:schemeClr val="tx1"/>
-                </a:solidFill>
-              </a:rPr>
-              <a:t>Naive Bayes</a:t>
-            </a:r>
-            <a:r>
-              <a:rPr lang="en-US" sz="1400" dirty="0">
-                <a:solidFill>
-                  <a:schemeClr val="tx1"/>
-                </a:solidFill>
-              </a:rPr>
-              <a:t>:</a:t>
-            </a:r>
-          </a:p>
-          <a:p>
-            <a:pPr marL="285750" indent="-285750" algn="just">
-              <a:buFont typeface="Arial" panose="020B0604020202020204" pitchFamily="34" charset="0"/>
-              <a:buChar char="•"/>
-            </a:pPr>
-            <a:r>
-              <a:rPr lang="en-US" sz="1400" dirty="0">
-                <a:solidFill>
-                  <a:schemeClr val="tx1"/>
-                </a:solidFill>
-              </a:rPr>
-              <a:t>In this first classification model, Naive Bayes is applied, precisely the </a:t>
-            </a:r>
-            <a:r>
-              <a:rPr lang="en-US" sz="1400" dirty="0" err="1">
-                <a:solidFill>
-                  <a:schemeClr val="tx1"/>
-                </a:solidFill>
-              </a:rPr>
-              <a:t>GaussianNB</a:t>
-            </a:r>
-            <a:r>
-              <a:rPr lang="en-US" sz="1400" dirty="0">
-                <a:solidFill>
-                  <a:schemeClr val="tx1"/>
-                </a:solidFill>
-              </a:rPr>
-              <a:t> algorithm. Where feature selection is carried out with Logistic Regression and scaling with Standard Scaler.</a:t>
-            </a:r>
-          </a:p>
-          <a:p>
-            <a:pPr marL="285750" indent="-285750" algn="just">
-              <a:buFont typeface="Arial" panose="020B0604020202020204" pitchFamily="34" charset="0"/>
-              <a:buChar char="•"/>
-            </a:pPr>
-            <a:r>
-              <a:rPr lang="en-US" sz="1400" dirty="0">
-                <a:solidFill>
-                  <a:schemeClr val="tx1"/>
-                </a:solidFill>
-              </a:rPr>
-              <a:t>The </a:t>
-            </a:r>
-            <a:r>
-              <a:rPr lang="en-US" sz="1400" b="1" dirty="0">
-                <a:solidFill>
-                  <a:schemeClr val="tx1"/>
-                </a:solidFill>
-              </a:rPr>
-              <a:t>mean score was 75.76%</a:t>
-            </a:r>
-            <a:r>
-              <a:rPr lang="en-US" sz="1400" dirty="0">
-                <a:solidFill>
-                  <a:schemeClr val="tx1"/>
-                </a:solidFill>
-              </a:rPr>
-              <a:t>, the accuracy on the </a:t>
-            </a:r>
-            <a:r>
-              <a:rPr lang="en-US" sz="1400" b="1" dirty="0">
-                <a:solidFill>
-                  <a:schemeClr val="tx1"/>
-                </a:solidFill>
-              </a:rPr>
-              <a:t>training set was 75.71%</a:t>
-            </a:r>
-            <a:r>
-              <a:rPr lang="en-US" sz="1400" dirty="0">
-                <a:solidFill>
-                  <a:schemeClr val="tx1"/>
-                </a:solidFill>
-              </a:rPr>
-              <a:t>, and the </a:t>
-            </a:r>
-            <a:r>
-              <a:rPr lang="en-US" sz="1400" b="1" dirty="0">
-                <a:solidFill>
-                  <a:schemeClr val="tx1"/>
-                </a:solidFill>
-              </a:rPr>
-              <a:t>accuracy on the test set was 75.91%</a:t>
-            </a:r>
-            <a:r>
-              <a:rPr lang="en-US" sz="1400" dirty="0">
-                <a:solidFill>
-                  <a:schemeClr val="tx1"/>
-                </a:solidFill>
-              </a:rPr>
-              <a:t>, which results in a model with no overfitting or underfitting.</a:t>
-            </a:r>
-          </a:p>
-          <a:p>
-            <a:pPr marL="285750" indent="-285750" algn="just">
-              <a:buFont typeface="Arial" panose="020B0604020202020204" pitchFamily="34" charset="0"/>
-              <a:buChar char="•"/>
-            </a:pPr>
-            <a:r>
-              <a:rPr lang="en-US" sz="1400" dirty="0">
-                <a:solidFill>
-                  <a:schemeClr val="tx1"/>
-                </a:solidFill>
-              </a:rPr>
-              <a:t>These values provide insights into how the Naive Bayes model performs well in terms of accuracy, recall, and ROC (</a:t>
-            </a:r>
-            <a:r>
-              <a:rPr lang="en-US" sz="1400" b="1" dirty="0">
-                <a:solidFill>
-                  <a:schemeClr val="tx1"/>
-                </a:solidFill>
-              </a:rPr>
-              <a:t>0.75</a:t>
-            </a:r>
-            <a:r>
-              <a:rPr lang="en-US" sz="1400" dirty="0">
-                <a:solidFill>
-                  <a:schemeClr val="tx1"/>
-                </a:solidFill>
-              </a:rPr>
-              <a:t>) curve analysis.</a:t>
-            </a:r>
-            <a:endParaRPr lang="en-CA" sz="1400" dirty="0">
-              <a:solidFill>
-                <a:schemeClr val="tx1"/>
-              </a:solidFill>
-            </a:endParaRPr>
+            <a:pPr algn="ctr"/>
+            <a:endParaRPr lang="en-CA"/>
           </a:p>
         </p:txBody>
       </p:sp>
       <p:sp>
         <p:nvSpPr>
-          <p:cNvPr id="4" name="Arrow: Pentagon 3">
-            <a:extLst>
-              <a:ext uri="{FF2B5EF4-FFF2-40B4-BE49-F238E27FC236}">
-                <a16:creationId xmlns:a16="http://schemas.microsoft.com/office/drawing/2014/main" id="{BCA18A83-44B6-7AD0-8C91-522B04BA2FFF}"/>
+          <p:cNvPr id="12" name="Rectangle: Rounded Corners 11">
+            <a:extLst>
+              <a:ext uri="{FF2B5EF4-FFF2-40B4-BE49-F238E27FC236}">
+                <a16:creationId xmlns:a16="http://schemas.microsoft.com/office/drawing/2014/main" id="{57546918-0ED2-3DF7-8389-5B67C00CC89F}"/>
               </a:ext>
             </a:extLst>
           </p:cNvPr>
@@ -19335,24 +19284,20 @@
         </p:nvSpPr>
         <p:spPr>
           <a:xfrm>
-            <a:off x="838198" y="3287838"/>
-            <a:ext cx="10479345" cy="1551571"/>
+            <a:off x="3172408" y="1355857"/>
+            <a:ext cx="1614196" cy="3959746"/>
           </a:xfrm>
-          <a:prstGeom prst="homePlate">
-            <a:avLst>
-              <a:gd name="adj" fmla="val 0"/>
-            </a:avLst>
+          <a:prstGeom prst="roundRect">
+            <a:avLst/>
           </a:prstGeom>
           <a:solidFill>
-            <a:schemeClr val="accent6">
+            <a:schemeClr val="accent4">
               <a:lumMod val="20000"/>
               <a:lumOff val="80000"/>
             </a:schemeClr>
           </a:solidFill>
           <a:ln>
-            <a:solidFill>
-              <a:schemeClr val="bg1"/>
-            </a:solidFill>
+            <a:noFill/>
           </a:ln>
         </p:spPr>
         <p:style>
@@ -19375,205 +19320,53 @@
           <a:bodyPr rtlCol="0" anchor="ctr"/>
           <a:lstStyle/>
           <a:p>
-            <a:pPr algn="just"/>
-            <a:r>
-              <a:rPr lang="en-US" sz="1400" b="1" dirty="0">
-                <a:solidFill>
-                  <a:schemeClr val="tx1"/>
-                </a:solidFill>
-              </a:rPr>
-              <a:t>Decision Tree</a:t>
-            </a:r>
-            <a:r>
-              <a:rPr lang="en-US" sz="1400" dirty="0">
-                <a:solidFill>
-                  <a:schemeClr val="tx1"/>
-                </a:solidFill>
-              </a:rPr>
-              <a:t>:</a:t>
-            </a:r>
-          </a:p>
-          <a:p>
-            <a:pPr marL="285750" indent="-285750" algn="just">
-              <a:buFont typeface="Arial" panose="020B0604020202020204" pitchFamily="34" charset="0"/>
-              <a:buChar char="•"/>
-            </a:pPr>
-            <a:r>
-              <a:rPr lang="en-US" sz="1400" dirty="0">
-                <a:solidFill>
-                  <a:schemeClr val="tx1"/>
-                </a:solidFill>
-              </a:rPr>
-              <a:t>In the second classification model, a Decision Tree is applied, using a parameter of </a:t>
-            </a:r>
-            <a:r>
-              <a:rPr lang="en-US" sz="1400" dirty="0" err="1">
-                <a:solidFill>
-                  <a:schemeClr val="tx1"/>
-                </a:solidFill>
-              </a:rPr>
-              <a:t>max_depth</a:t>
-            </a:r>
-            <a:r>
-              <a:rPr lang="en-US" sz="1400" dirty="0">
-                <a:solidFill>
-                  <a:schemeClr val="tx1"/>
-                </a:solidFill>
-              </a:rPr>
-              <a:t>=5.</a:t>
-            </a:r>
-          </a:p>
-          <a:p>
-            <a:pPr marL="285750" indent="-285750" algn="just">
-              <a:buFont typeface="Arial" panose="020B0604020202020204" pitchFamily="34" charset="0"/>
-              <a:buChar char="•"/>
-            </a:pPr>
-            <a:r>
-              <a:rPr lang="en-US" sz="1400" dirty="0">
-                <a:solidFill>
-                  <a:schemeClr val="tx1"/>
-                </a:solidFill>
-              </a:rPr>
-              <a:t>The </a:t>
-            </a:r>
-            <a:r>
-              <a:rPr lang="en-US" sz="1400" b="1" dirty="0">
-                <a:solidFill>
-                  <a:schemeClr val="tx1"/>
-                </a:solidFill>
-              </a:rPr>
-              <a:t>mean score was 84.27%</a:t>
-            </a:r>
-            <a:r>
-              <a:rPr lang="en-US" sz="1400" dirty="0">
-                <a:solidFill>
-                  <a:schemeClr val="tx1"/>
-                </a:solidFill>
-              </a:rPr>
-              <a:t>, the accuracy on the </a:t>
-            </a:r>
-            <a:r>
-              <a:rPr lang="en-US" sz="1400" b="1" dirty="0">
-                <a:solidFill>
-                  <a:schemeClr val="tx1"/>
-                </a:solidFill>
-              </a:rPr>
-              <a:t>training set was 84.20%</a:t>
-            </a:r>
-            <a:r>
-              <a:rPr lang="en-US" sz="1400" dirty="0">
-                <a:solidFill>
-                  <a:schemeClr val="tx1"/>
-                </a:solidFill>
-              </a:rPr>
-              <a:t>, and the </a:t>
-            </a:r>
-            <a:r>
-              <a:rPr lang="en-US" sz="1400" b="1" dirty="0">
-                <a:solidFill>
-                  <a:schemeClr val="tx1"/>
-                </a:solidFill>
-              </a:rPr>
-              <a:t>accuracy on the test set was 84.20%</a:t>
-            </a:r>
-            <a:r>
-              <a:rPr lang="en-US" sz="1400" dirty="0">
-                <a:solidFill>
-                  <a:schemeClr val="tx1"/>
-                </a:solidFill>
-              </a:rPr>
-              <a:t>.</a:t>
-            </a:r>
-          </a:p>
-          <a:p>
-            <a:pPr marL="285750" indent="-285750" algn="just">
-              <a:buFont typeface="Arial" panose="020B0604020202020204" pitchFamily="34" charset="0"/>
-              <a:buChar char="•"/>
-            </a:pPr>
-            <a:r>
-              <a:rPr lang="en-US" sz="1400" dirty="0">
-                <a:solidFill>
-                  <a:schemeClr val="tx1"/>
-                </a:solidFill>
-              </a:rPr>
-              <a:t>These values provide insights into how the Decision Tree model performs well in terms of accuracy, recall, and ROC (</a:t>
-            </a:r>
-            <a:r>
-              <a:rPr lang="en-US" sz="1400" b="1" dirty="0">
-                <a:solidFill>
-                  <a:schemeClr val="tx1"/>
-                </a:solidFill>
-              </a:rPr>
-              <a:t>0.84</a:t>
-            </a:r>
-            <a:r>
-              <a:rPr lang="en-US" sz="1400" dirty="0">
-                <a:solidFill>
-                  <a:schemeClr val="tx1"/>
-                </a:solidFill>
-              </a:rPr>
-              <a:t>) curve analysis. It also has </a:t>
-            </a:r>
-            <a:r>
-              <a:rPr lang="en-US" sz="1400" b="1" dirty="0">
-                <a:solidFill>
-                  <a:schemeClr val="tx1"/>
-                </a:solidFill>
-              </a:rPr>
-              <a:t>better prediction probability than the Naive Bayes</a:t>
-            </a:r>
-            <a:r>
-              <a:rPr lang="en-US" sz="1400" dirty="0">
-                <a:solidFill>
-                  <a:schemeClr val="tx1"/>
-                </a:solidFill>
-              </a:rPr>
-              <a:t> model.</a:t>
-            </a:r>
-          </a:p>
-          <a:p>
-            <a:pPr marL="285750" indent="-285750" algn="just">
-              <a:buFont typeface="Arial" panose="020B0604020202020204" pitchFamily="34" charset="0"/>
-              <a:buChar char="•"/>
-            </a:pPr>
-            <a:r>
-              <a:rPr lang="en-US" sz="1400" dirty="0">
-                <a:solidFill>
-                  <a:schemeClr val="tx1"/>
-                </a:solidFill>
-              </a:rPr>
-              <a:t>In addition, it manages to identify six features that are the most relevant in decision-making. Still, the </a:t>
-            </a:r>
-            <a:r>
-              <a:rPr lang="en-US" sz="1400" b="1" dirty="0">
-                <a:solidFill>
-                  <a:schemeClr val="tx1"/>
-                </a:solidFill>
-              </a:rPr>
-              <a:t>positive evaluation of Inflight entertainment is essential</a:t>
-            </a:r>
-            <a:r>
-              <a:rPr lang="en-US" sz="1400" dirty="0">
-                <a:solidFill>
-                  <a:schemeClr val="tx1"/>
-                </a:solidFill>
-              </a:rPr>
-              <a:t> in determining passenger satisfaction.</a:t>
-            </a:r>
-            <a:endParaRPr lang="en-CA" sz="1400" dirty="0">
-              <a:solidFill>
-                <a:schemeClr val="tx1"/>
-              </a:solidFill>
-            </a:endParaRPr>
+            <a:pPr algn="ctr"/>
+            <a:endParaRPr lang="en-CA"/>
           </a:p>
         </p:txBody>
       </p:sp>
       <p:sp>
         <p:nvSpPr>
-          <p:cNvPr id="5" name="Arrow: Pentagon 4">
-            <a:extLst>
-              <a:ext uri="{FF2B5EF4-FFF2-40B4-BE49-F238E27FC236}">
-                <a16:creationId xmlns:a16="http://schemas.microsoft.com/office/drawing/2014/main" id="{1ED6AE18-B613-A07F-5CAD-714BE726D74B}"/>
+          <p:cNvPr id="2" name="Title 1">
+            <a:extLst>
+              <a:ext uri="{FF2B5EF4-FFF2-40B4-BE49-F238E27FC236}">
+                <a16:creationId xmlns:a16="http://schemas.microsoft.com/office/drawing/2014/main" id="{4E35493B-EC95-4D54-B376-84DABC1F268E}"/>
+              </a:ext>
+            </a:extLst>
+          </p:cNvPr>
+          <p:cNvSpPr>
+            <a:spLocks noGrp="1"/>
+          </p:cNvSpPr>
+          <p:nvPr>
+            <p:ph type="title"/>
+          </p:nvPr>
+        </p:nvSpPr>
+        <p:spPr>
+          <a:xfrm>
+            <a:off x="841248" y="256032"/>
+            <a:ext cx="10506456" cy="1014984"/>
+          </a:xfrm>
+        </p:spPr>
+        <p:txBody>
+          <a:bodyPr anchor="b">
+            <a:normAutofit/>
+          </a:bodyPr>
+          <a:lstStyle/>
+          <a:p>
+            <a:r>
+              <a:rPr lang="en-CA" b="1" dirty="0"/>
+              <a:t>Conclusion and Insights</a:t>
+            </a:r>
+            <a:endParaRPr lang="en-CA" dirty="0"/>
+          </a:p>
+        </p:txBody>
+      </p:sp>
+      <p:sp>
+        <p:nvSpPr>
+          <p:cNvPr id="8" name="Rectangle: Rounded Corners 7">
+            <a:extLst>
+              <a:ext uri="{FF2B5EF4-FFF2-40B4-BE49-F238E27FC236}">
+                <a16:creationId xmlns:a16="http://schemas.microsoft.com/office/drawing/2014/main" id="{ECB6CF17-0729-F2F8-3D2C-C3A004FBB7ED}"/>
               </a:ext>
             </a:extLst>
           </p:cNvPr>
@@ -19582,24 +19375,20 @@
         </p:nvSpPr>
         <p:spPr>
           <a:xfrm>
-            <a:off x="838198" y="4948067"/>
-            <a:ext cx="10479345" cy="1684421"/>
+            <a:off x="9560955" y="1355856"/>
+            <a:ext cx="1612800" cy="3433583"/>
           </a:xfrm>
-          <a:prstGeom prst="homePlate">
-            <a:avLst>
-              <a:gd name="adj" fmla="val 0"/>
-            </a:avLst>
+          <a:prstGeom prst="roundRect">
+            <a:avLst/>
           </a:prstGeom>
           <a:solidFill>
-            <a:schemeClr val="accent4">
+            <a:schemeClr val="accent5">
               <a:lumMod val="20000"/>
               <a:lumOff val="80000"/>
             </a:schemeClr>
           </a:solidFill>
           <a:ln>
-            <a:solidFill>
-              <a:schemeClr val="bg1"/>
-            </a:solidFill>
+            <a:noFill/>
           </a:ln>
         </p:spPr>
         <p:style>
@@ -19622,197 +19411,580 @@
           <a:bodyPr rtlCol="0" anchor="ctr"/>
           <a:lstStyle/>
           <a:p>
-            <a:pPr algn="just"/>
-            <a:r>
-              <a:rPr lang="en-US" sz="1400" b="1" dirty="0">
-                <a:solidFill>
-                  <a:schemeClr val="tx1"/>
-                </a:solidFill>
-              </a:rPr>
-              <a:t>Clustering:</a:t>
-            </a:r>
-          </a:p>
-          <a:p>
-            <a:pPr marL="285750" indent="-285750" algn="just">
-              <a:buFont typeface="Arial" panose="020B0604020202020204" pitchFamily="34" charset="0"/>
-              <a:buChar char="•"/>
-            </a:pPr>
-            <a:r>
-              <a:rPr lang="en-US" sz="1400" dirty="0">
-                <a:solidFill>
-                  <a:schemeClr val="tx1"/>
-                </a:solidFill>
-              </a:rPr>
-              <a:t>Calculating the </a:t>
-            </a:r>
-            <a:r>
-              <a:rPr lang="en-US" sz="1400" b="1" dirty="0">
-                <a:solidFill>
-                  <a:schemeClr val="tx1"/>
-                </a:solidFill>
-              </a:rPr>
-              <a:t>Elbow method</a:t>
-            </a:r>
-            <a:r>
-              <a:rPr lang="en-US" sz="1400" dirty="0">
-                <a:solidFill>
-                  <a:schemeClr val="tx1"/>
-                </a:solidFill>
-              </a:rPr>
-              <a:t>, and then to achieve better precision, the </a:t>
-            </a:r>
-            <a:r>
-              <a:rPr lang="en-US" sz="1400" b="1" dirty="0">
-                <a:solidFill>
-                  <a:schemeClr val="tx1"/>
-                </a:solidFill>
-              </a:rPr>
-              <a:t>Silhouette Score </a:t>
-            </a:r>
-            <a:r>
-              <a:rPr lang="en-US" sz="1400" dirty="0">
-                <a:solidFill>
-                  <a:schemeClr val="tx1"/>
-                </a:solidFill>
-              </a:rPr>
-              <a:t>is applied, generating </a:t>
-            </a:r>
-            <a:r>
-              <a:rPr lang="en-US" sz="1400" b="1" dirty="0">
-                <a:solidFill>
-                  <a:schemeClr val="tx1"/>
-                </a:solidFill>
-              </a:rPr>
-              <a:t>2 clusters </a:t>
-            </a:r>
-            <a:r>
-              <a:rPr lang="en-US" sz="1400" dirty="0">
-                <a:solidFill>
-                  <a:schemeClr val="tx1"/>
-                </a:solidFill>
-              </a:rPr>
-              <a:t>as a result.</a:t>
-            </a:r>
-          </a:p>
-          <a:p>
-            <a:pPr marL="285750" indent="-285750" algn="just">
-              <a:buFont typeface="Arial" panose="020B0604020202020204" pitchFamily="34" charset="0"/>
-              <a:buChar char="•"/>
-            </a:pPr>
-            <a:r>
-              <a:rPr lang="en-US" sz="1400" dirty="0">
-                <a:solidFill>
-                  <a:schemeClr val="tx1"/>
-                </a:solidFill>
-              </a:rPr>
-              <a:t>The most significant differences between the clusters are observed in that Cluster 1 has more passengers with positive satisfaction than Cluster 0. Concerning the </a:t>
-            </a:r>
-            <a:r>
-              <a:rPr lang="en-US" sz="1400" b="1" dirty="0">
-                <a:solidFill>
-                  <a:schemeClr val="tx1"/>
-                </a:solidFill>
-              </a:rPr>
-              <a:t>ages between 41 and 50 and 51 and 60</a:t>
-            </a:r>
-            <a:r>
-              <a:rPr lang="en-US" sz="1400" dirty="0">
-                <a:solidFill>
-                  <a:schemeClr val="tx1"/>
-                </a:solidFill>
-              </a:rPr>
-              <a:t>, and those who fly long distances, </a:t>
-            </a:r>
-            <a:r>
-              <a:rPr lang="en-US" sz="1400" b="1" dirty="0">
-                <a:solidFill>
-                  <a:schemeClr val="tx1"/>
-                </a:solidFill>
-              </a:rPr>
-              <a:t>less than 1000 kilometers</a:t>
-            </a:r>
-            <a:r>
-              <a:rPr lang="en-US" sz="1400" dirty="0">
-                <a:solidFill>
-                  <a:schemeClr val="tx1"/>
-                </a:solidFill>
-              </a:rPr>
-              <a:t>, are mostly passengers with </a:t>
-            </a:r>
-            <a:r>
-              <a:rPr lang="en-US" sz="1400" b="1" dirty="0">
-                <a:solidFill>
-                  <a:schemeClr val="tx1"/>
-                </a:solidFill>
-              </a:rPr>
-              <a:t>positive satisfaction</a:t>
-            </a:r>
-            <a:r>
-              <a:rPr lang="en-US" sz="1400" dirty="0">
-                <a:solidFill>
-                  <a:schemeClr val="tx1"/>
-                </a:solidFill>
-              </a:rPr>
-              <a:t>.   </a:t>
-            </a:r>
-          </a:p>
-          <a:p>
-            <a:pPr marL="285750" indent="-285750" algn="just">
-              <a:buFont typeface="Arial" panose="020B0604020202020204" pitchFamily="34" charset="0"/>
-              <a:buChar char="•"/>
-            </a:pPr>
-            <a:r>
-              <a:rPr lang="en-US" sz="1400" dirty="0">
-                <a:solidFill>
-                  <a:schemeClr val="tx1"/>
-                </a:solidFill>
-              </a:rPr>
-              <a:t>Regarding the most crucial feature in the Decision Tree model, which is </a:t>
-            </a:r>
-            <a:r>
-              <a:rPr lang="en-US" sz="1400" b="1" dirty="0">
-                <a:solidFill>
-                  <a:schemeClr val="tx1"/>
-                </a:solidFill>
-              </a:rPr>
+            <a:pPr algn="ctr"/>
+            <a:endParaRPr lang="en-CA"/>
+          </a:p>
+        </p:txBody>
+      </p:sp>
+      <p:sp>
+        <p:nvSpPr>
+          <p:cNvPr id="11" name="TextBox 10">
+            <a:extLst>
+              <a:ext uri="{FF2B5EF4-FFF2-40B4-BE49-F238E27FC236}">
+                <a16:creationId xmlns:a16="http://schemas.microsoft.com/office/drawing/2014/main" id="{7768EDAC-6388-2064-96EC-649A643A43C8}"/>
+              </a:ext>
+            </a:extLst>
+          </p:cNvPr>
+          <p:cNvSpPr txBox="1"/>
+          <p:nvPr/>
+        </p:nvSpPr>
+        <p:spPr>
+          <a:xfrm>
+            <a:off x="841248" y="1988672"/>
+            <a:ext cx="6399307" cy="4031873"/>
+          </a:xfrm>
+          <a:prstGeom prst="rect">
+            <a:avLst/>
+          </a:prstGeom>
+          <a:noFill/>
+        </p:spPr>
+        <p:txBody>
+          <a:bodyPr wrap="square" rtlCol="0">
+            <a:spAutoFit/>
+          </a:bodyPr>
+          <a:lstStyle/>
+          <a:p>
+            <a:r>
+              <a:rPr lang="en-CA" sz="1600" b="1" dirty="0"/>
+              <a:t>Mean Score</a:t>
+            </a:r>
+            <a:r>
+              <a:rPr lang="en-CA" sz="1600" dirty="0"/>
+              <a:t>		75.76%		84.27%</a:t>
+            </a:r>
+          </a:p>
+          <a:p>
+            <a:endParaRPr lang="en-CA" sz="1600" dirty="0"/>
+          </a:p>
+          <a:p>
+            <a:r>
+              <a:rPr lang="en-CA" sz="1600" b="1" dirty="0"/>
+              <a:t>Accuracy Training Set	</a:t>
+            </a:r>
+            <a:r>
+              <a:rPr lang="en-CA" sz="1600" dirty="0"/>
+              <a:t>	75.71%		84.27%</a:t>
+            </a:r>
+          </a:p>
+          <a:p>
+            <a:endParaRPr lang="en-CA" sz="1600" dirty="0"/>
+          </a:p>
+          <a:p>
+            <a:r>
+              <a:rPr lang="en-CA" sz="1600" b="1" dirty="0"/>
+              <a:t>Accuracy Test Set</a:t>
+            </a:r>
+            <a:r>
+              <a:rPr lang="en-CA" sz="1600" dirty="0"/>
+              <a:t>		75.91%		84.20%</a:t>
+            </a:r>
+          </a:p>
+          <a:p>
+            <a:endParaRPr lang="en-CA" sz="1600" dirty="0"/>
+          </a:p>
+          <a:p>
+            <a:r>
+              <a:rPr lang="en-CA" sz="1600" b="1" dirty="0"/>
+              <a:t>True Negative (TN)</a:t>
+            </a:r>
+            <a:r>
+              <a:rPr lang="en-CA" sz="1600" dirty="0"/>
+              <a:t>		  8.078		  9.730</a:t>
+            </a:r>
+          </a:p>
+          <a:p>
+            <a:r>
+              <a:rPr lang="en-CA" sz="1600" b="1" dirty="0"/>
+              <a:t>True Positive(TP)</a:t>
+            </a:r>
+            <a:r>
+              <a:rPr lang="en-CA" sz="1600" dirty="0"/>
+              <a:t>		11.582		12.077		</a:t>
+            </a:r>
+          </a:p>
+          <a:p>
+            <a:r>
+              <a:rPr lang="en-CA" sz="1600" b="1" dirty="0"/>
+              <a:t>False Negative(FN)</a:t>
+            </a:r>
+            <a:r>
+              <a:rPr lang="en-CA" sz="1600" dirty="0"/>
+              <a:t>		  2.495		  2.000</a:t>
+            </a:r>
+          </a:p>
+          <a:p>
+            <a:r>
+              <a:rPr lang="en-CA" sz="1600" b="1" dirty="0"/>
+              <a:t>False Positive(FP)	</a:t>
+            </a:r>
+            <a:r>
+              <a:rPr lang="en-CA" sz="1600" dirty="0"/>
+              <a:t>	  3.743		  2.091	</a:t>
+            </a:r>
+          </a:p>
+          <a:p>
+            <a:endParaRPr lang="en-CA" sz="1600" dirty="0"/>
+          </a:p>
+          <a:p>
+            <a:r>
+              <a:rPr lang="en-CA" sz="1600" b="1" dirty="0"/>
+              <a:t>ROC	</a:t>
+            </a:r>
+            <a:r>
+              <a:rPr lang="en-CA" sz="1600" dirty="0"/>
+              <a:t>		  0.75		    0.84</a:t>
+            </a:r>
+          </a:p>
+          <a:p>
+            <a:endParaRPr lang="en-CA" sz="1600" dirty="0"/>
+          </a:p>
+          <a:p>
+            <a:r>
+              <a:rPr lang="en-CA" sz="1600" b="1" dirty="0"/>
+              <a:t>Features Importances				     </a:t>
+            </a:r>
+            <a:r>
+              <a:rPr lang="en-CA" sz="1600" dirty="0"/>
+              <a:t>6</a:t>
+            </a:r>
+          </a:p>
+          <a:p>
+            <a:r>
+              <a:rPr lang="en-CA" sz="1600" dirty="0"/>
+              <a:t>				</a:t>
+            </a:r>
+            <a:r>
+              <a:rPr lang="en-US" sz="1600" dirty="0"/>
+              <a:t>            </a:t>
+            </a:r>
+            <a:r>
+              <a:rPr lang="en-US" sz="1200" dirty="0"/>
               <a:t>Inflight entertainment</a:t>
             </a:r>
-            <a:r>
-              <a:rPr lang="en-US" sz="1400" dirty="0">
-                <a:solidFill>
-                  <a:schemeClr val="tx1"/>
-                </a:solidFill>
-              </a:rPr>
-              <a:t>, a correlation is observed because passengers with positive satisfaction mainly evaluate the service with </a:t>
-            </a:r>
-            <a:r>
-              <a:rPr lang="en-US" sz="1400" b="1" dirty="0">
-                <a:solidFill>
-                  <a:schemeClr val="tx1"/>
-                </a:solidFill>
-              </a:rPr>
-              <a:t>scores 4 and 5</a:t>
-            </a:r>
-            <a:r>
-              <a:rPr lang="en-US" sz="1400" dirty="0">
-                <a:solidFill>
-                  <a:schemeClr val="tx1"/>
-                </a:solidFill>
-              </a:rPr>
-              <a:t>, corresponding to the highest scores.</a:t>
-            </a:r>
-            <a:endParaRPr lang="en-CA" sz="1400" dirty="0">
-              <a:solidFill>
-                <a:schemeClr val="tx1"/>
-              </a:solidFill>
-            </a:endParaRPr>
+            <a:endParaRPr lang="en-CA" sz="1600" dirty="0"/>
+          </a:p>
+        </p:txBody>
+      </p:sp>
+      <p:sp>
+        <p:nvSpPr>
+          <p:cNvPr id="14" name="TextBox 13">
+            <a:extLst>
+              <a:ext uri="{FF2B5EF4-FFF2-40B4-BE49-F238E27FC236}">
+                <a16:creationId xmlns:a16="http://schemas.microsoft.com/office/drawing/2014/main" id="{DF7A86D7-922A-8CE1-613B-E51901437C27}"/>
+              </a:ext>
+            </a:extLst>
+          </p:cNvPr>
+          <p:cNvSpPr txBox="1"/>
+          <p:nvPr/>
+        </p:nvSpPr>
+        <p:spPr>
+          <a:xfrm>
+            <a:off x="3168875" y="1425711"/>
+            <a:ext cx="1614196" cy="400110"/>
+          </a:xfrm>
+          <a:prstGeom prst="rect">
+            <a:avLst/>
+          </a:prstGeom>
+          <a:noFill/>
+        </p:spPr>
+        <p:txBody>
+          <a:bodyPr wrap="square" rtlCol="0">
+            <a:spAutoFit/>
+          </a:bodyPr>
+          <a:lstStyle/>
+          <a:p>
+            <a:pPr algn="ctr"/>
+            <a:r>
+              <a:rPr lang="en-CA" sz="2000" b="1" dirty="0"/>
+              <a:t>Naïve Bayes</a:t>
+            </a:r>
+          </a:p>
+        </p:txBody>
+      </p:sp>
+      <p:sp>
+        <p:nvSpPr>
+          <p:cNvPr id="15" name="TextBox 14">
+            <a:extLst>
+              <a:ext uri="{FF2B5EF4-FFF2-40B4-BE49-F238E27FC236}">
+                <a16:creationId xmlns:a16="http://schemas.microsoft.com/office/drawing/2014/main" id="{AFA8661C-99E4-B0D6-0148-89527E8486C9}"/>
+              </a:ext>
+            </a:extLst>
+          </p:cNvPr>
+          <p:cNvSpPr txBox="1"/>
+          <p:nvPr/>
+        </p:nvSpPr>
+        <p:spPr>
+          <a:xfrm>
+            <a:off x="4985247" y="1417816"/>
+            <a:ext cx="1614196" cy="400110"/>
+          </a:xfrm>
+          <a:prstGeom prst="rect">
+            <a:avLst/>
+          </a:prstGeom>
+          <a:noFill/>
+        </p:spPr>
+        <p:txBody>
+          <a:bodyPr wrap="square" rtlCol="0">
+            <a:spAutoFit/>
+          </a:bodyPr>
+          <a:lstStyle/>
+          <a:p>
+            <a:pPr algn="ctr"/>
+            <a:r>
+              <a:rPr lang="en-CA" sz="2000" b="1" dirty="0"/>
+              <a:t>Decision Tree</a:t>
+            </a:r>
+          </a:p>
+        </p:txBody>
+      </p:sp>
+      <p:cxnSp>
+        <p:nvCxnSpPr>
+          <p:cNvPr id="17" name="Straight Connector 16">
+            <a:extLst>
+              <a:ext uri="{FF2B5EF4-FFF2-40B4-BE49-F238E27FC236}">
+                <a16:creationId xmlns:a16="http://schemas.microsoft.com/office/drawing/2014/main" id="{D8B4FF0C-469D-57B4-6C73-9133E7C54C8F}"/>
+              </a:ext>
+            </a:extLst>
+          </p:cNvPr>
+          <p:cNvCxnSpPr>
+            <a:cxnSpLocks/>
+          </p:cNvCxnSpPr>
+          <p:nvPr/>
+        </p:nvCxnSpPr>
+        <p:spPr>
+          <a:xfrm>
+            <a:off x="6926634" y="1355857"/>
+            <a:ext cx="0" cy="4589010"/>
+          </a:xfrm>
+          <a:prstGeom prst="line">
+            <a:avLst/>
+          </a:prstGeom>
+          <a:ln w="60325" cmpd="sng">
+            <a:solidFill>
+              <a:schemeClr val="accent2"/>
+            </a:solidFill>
+          </a:ln>
+        </p:spPr>
+        <p:style>
+          <a:lnRef idx="1">
+            <a:schemeClr val="accent1"/>
+          </a:lnRef>
+          <a:fillRef idx="0">
+            <a:schemeClr val="accent1"/>
+          </a:fillRef>
+          <a:effectRef idx="0">
+            <a:schemeClr val="accent1"/>
+          </a:effectRef>
+          <a:fontRef idx="minor">
+            <a:schemeClr val="tx1"/>
+          </a:fontRef>
+        </p:style>
+      </p:cxnSp>
+      <p:sp>
+        <p:nvSpPr>
+          <p:cNvPr id="18" name="TextBox 17">
+            <a:extLst>
+              <a:ext uri="{FF2B5EF4-FFF2-40B4-BE49-F238E27FC236}">
+                <a16:creationId xmlns:a16="http://schemas.microsoft.com/office/drawing/2014/main" id="{013B37A6-E0B2-F2FB-27DA-07DA7B881D39}"/>
+              </a:ext>
+            </a:extLst>
+          </p:cNvPr>
+          <p:cNvSpPr txBox="1"/>
+          <p:nvPr/>
+        </p:nvSpPr>
+        <p:spPr>
+          <a:xfrm>
+            <a:off x="7117764" y="1988672"/>
+            <a:ext cx="3987496" cy="2800767"/>
+          </a:xfrm>
+          <a:prstGeom prst="rect">
+            <a:avLst/>
+          </a:prstGeom>
+          <a:noFill/>
+        </p:spPr>
+        <p:txBody>
+          <a:bodyPr wrap="square" rtlCol="0">
+            <a:spAutoFit/>
+          </a:bodyPr>
+          <a:lstStyle/>
+          <a:p>
+            <a:r>
+              <a:rPr lang="en-CA" sz="1600" b="1" dirty="0"/>
+              <a:t>Clusters K-Means</a:t>
+            </a:r>
+            <a:r>
+              <a:rPr lang="en-CA" sz="1600" dirty="0"/>
+              <a:t>		        </a:t>
+            </a:r>
+            <a:r>
+              <a:rPr lang="en-CA" sz="1600" b="1" dirty="0"/>
+              <a:t>2</a:t>
+            </a:r>
+            <a:r>
+              <a:rPr lang="en-CA" sz="1600" dirty="0"/>
+              <a:t>	</a:t>
+            </a:r>
+          </a:p>
+          <a:p>
+            <a:r>
+              <a:rPr lang="en-CA" sz="1600" dirty="0"/>
+              <a:t> </a:t>
+            </a:r>
+          </a:p>
+          <a:p>
+            <a:r>
+              <a:rPr lang="en-CA" sz="1600" dirty="0"/>
+              <a:t> - Elbow Method</a:t>
+            </a:r>
+          </a:p>
+          <a:p>
+            <a:r>
+              <a:rPr lang="en-CA" sz="1600" dirty="0"/>
+              <a:t> - Silhouette Score	</a:t>
+            </a:r>
+          </a:p>
+          <a:p>
+            <a:endParaRPr lang="en-CA" sz="1600" b="1" dirty="0"/>
+          </a:p>
+          <a:p>
+            <a:r>
+              <a:rPr lang="en-CA" sz="1600" b="1" dirty="0"/>
+              <a:t>Cluster 1			 Satisfied</a:t>
+            </a:r>
+          </a:p>
+          <a:p>
+            <a:endParaRPr lang="en-CA" sz="1600" dirty="0"/>
+          </a:p>
+          <a:p>
+            <a:r>
+              <a:rPr lang="en-CA" sz="1600" dirty="0"/>
+              <a:t> - Inflight entertainment 	     4 – 5 </a:t>
+            </a:r>
+          </a:p>
+          <a:p>
+            <a:r>
+              <a:rPr lang="en-CA" sz="1600" b="1" dirty="0"/>
+              <a:t> - </a:t>
+            </a:r>
+            <a:r>
+              <a:rPr lang="en-CA" sz="1600" dirty="0"/>
+              <a:t>Flight distance </a:t>
+            </a:r>
+            <a:r>
+              <a:rPr lang="en-CA" sz="1600" b="1" dirty="0"/>
+              <a:t>	                    </a:t>
+            </a:r>
+            <a:r>
+              <a:rPr lang="en-CA" sz="1600" dirty="0"/>
+              <a:t>&lt; 1.000 km</a:t>
+            </a:r>
+          </a:p>
+          <a:p>
+            <a:r>
+              <a:rPr lang="en-CA" sz="1600" b="1" dirty="0"/>
+              <a:t> - </a:t>
+            </a:r>
+            <a:r>
+              <a:rPr lang="en-CA" sz="1600" dirty="0"/>
+              <a:t>Age</a:t>
+            </a:r>
+            <a:r>
+              <a:rPr lang="en-CA" sz="1600" b="1" dirty="0"/>
+              <a:t>			  </a:t>
+            </a:r>
+            <a:r>
+              <a:rPr lang="en-CA" sz="1600" dirty="0"/>
+              <a:t>41 – 50</a:t>
+            </a:r>
+          </a:p>
+          <a:p>
+            <a:r>
+              <a:rPr lang="en-CA" sz="1400" b="1" dirty="0"/>
+              <a:t>			</a:t>
+            </a:r>
+            <a:r>
+              <a:rPr lang="en-CA" sz="1600" b="1" dirty="0"/>
+              <a:t>  </a:t>
+            </a:r>
+            <a:r>
+              <a:rPr lang="en-CA" sz="1600" dirty="0"/>
+              <a:t>51 – 60 </a:t>
+            </a:r>
+          </a:p>
+        </p:txBody>
+      </p:sp>
+      <p:sp>
+        <p:nvSpPr>
+          <p:cNvPr id="19" name="TextBox 18">
+            <a:extLst>
+              <a:ext uri="{FF2B5EF4-FFF2-40B4-BE49-F238E27FC236}">
+                <a16:creationId xmlns:a16="http://schemas.microsoft.com/office/drawing/2014/main" id="{21E80924-CFC3-4C56-F1F6-1BA9CA0C0B41}"/>
+              </a:ext>
+            </a:extLst>
+          </p:cNvPr>
+          <p:cNvSpPr txBox="1"/>
+          <p:nvPr/>
+        </p:nvSpPr>
+        <p:spPr>
+          <a:xfrm>
+            <a:off x="9560955" y="1401765"/>
+            <a:ext cx="1614196" cy="400110"/>
+          </a:xfrm>
+          <a:prstGeom prst="rect">
+            <a:avLst/>
+          </a:prstGeom>
+          <a:noFill/>
+        </p:spPr>
+        <p:txBody>
+          <a:bodyPr wrap="square" rtlCol="0">
+            <a:spAutoFit/>
+          </a:bodyPr>
+          <a:lstStyle/>
+          <a:p>
+            <a:pPr algn="ctr"/>
+            <a:r>
+              <a:rPr lang="en-CA" sz="2000" b="1" dirty="0"/>
+              <a:t>Clustering</a:t>
+            </a:r>
+          </a:p>
+        </p:txBody>
+      </p:sp>
+      <p:sp>
+        <p:nvSpPr>
+          <p:cNvPr id="27" name="TextBox 26">
+            <a:extLst>
+              <a:ext uri="{FF2B5EF4-FFF2-40B4-BE49-F238E27FC236}">
+                <a16:creationId xmlns:a16="http://schemas.microsoft.com/office/drawing/2014/main" id="{C6738D07-7202-D5B5-73D9-3124017131A4}"/>
+              </a:ext>
+            </a:extLst>
+          </p:cNvPr>
+          <p:cNvSpPr txBox="1"/>
+          <p:nvPr/>
+        </p:nvSpPr>
+        <p:spPr>
+          <a:xfrm>
+            <a:off x="1016849" y="1401765"/>
+            <a:ext cx="1614196" cy="369332"/>
+          </a:xfrm>
+          <a:prstGeom prst="rect">
+            <a:avLst/>
+          </a:prstGeom>
+          <a:noFill/>
+        </p:spPr>
+        <p:txBody>
+          <a:bodyPr wrap="square" rtlCol="0">
+            <a:spAutoFit/>
+          </a:bodyPr>
+          <a:lstStyle/>
+          <a:p>
+            <a:pPr algn="ctr"/>
+            <a:r>
+              <a:rPr lang="en-CA" dirty="0"/>
+              <a:t>Insights</a:t>
+            </a:r>
+          </a:p>
+        </p:txBody>
+      </p:sp>
+      <p:sp>
+        <p:nvSpPr>
+          <p:cNvPr id="28" name="TextBox 27">
+            <a:extLst>
+              <a:ext uri="{FF2B5EF4-FFF2-40B4-BE49-F238E27FC236}">
+                <a16:creationId xmlns:a16="http://schemas.microsoft.com/office/drawing/2014/main" id="{A5400D94-CB18-7E40-181C-FB106AB21CD4}"/>
+              </a:ext>
+            </a:extLst>
+          </p:cNvPr>
+          <p:cNvSpPr txBox="1"/>
+          <p:nvPr/>
+        </p:nvSpPr>
+        <p:spPr>
+          <a:xfrm>
+            <a:off x="6961138" y="1401765"/>
+            <a:ext cx="1614196" cy="369332"/>
+          </a:xfrm>
+          <a:prstGeom prst="rect">
+            <a:avLst/>
+          </a:prstGeom>
+          <a:noFill/>
+        </p:spPr>
+        <p:txBody>
+          <a:bodyPr wrap="square" rtlCol="0">
+            <a:spAutoFit/>
+          </a:bodyPr>
+          <a:lstStyle/>
+          <a:p>
+            <a:pPr algn="ctr"/>
+            <a:r>
+              <a:rPr lang="en-CA" dirty="0"/>
+              <a:t>Insights</a:t>
+            </a:r>
+          </a:p>
+        </p:txBody>
+      </p:sp>
+      <p:sp>
+        <p:nvSpPr>
+          <p:cNvPr id="32" name="TextBox 31">
+            <a:extLst>
+              <a:ext uri="{FF2B5EF4-FFF2-40B4-BE49-F238E27FC236}">
+                <a16:creationId xmlns:a16="http://schemas.microsoft.com/office/drawing/2014/main" id="{1BE99DEB-7EA0-7009-7884-AC17CFE1C8EC}"/>
+              </a:ext>
+            </a:extLst>
+          </p:cNvPr>
+          <p:cNvSpPr txBox="1"/>
+          <p:nvPr/>
+        </p:nvSpPr>
+        <p:spPr>
+          <a:xfrm>
+            <a:off x="781835" y="5944867"/>
+            <a:ext cx="11097710" cy="584775"/>
+          </a:xfrm>
+          <a:prstGeom prst="rect">
+            <a:avLst/>
+          </a:prstGeom>
+          <a:noFill/>
+        </p:spPr>
+        <p:txBody>
+          <a:bodyPr wrap="square">
+            <a:spAutoFit/>
+          </a:bodyPr>
+          <a:lstStyle/>
+          <a:p>
+            <a:r>
+              <a:rPr lang="en-US" sz="1600" dirty="0"/>
+              <a:t>The most optimal to use </a:t>
+            </a:r>
+            <a:r>
+              <a:rPr lang="en-US" sz="1600" b="1" dirty="0"/>
+              <a:t>Decision Tree </a:t>
+            </a:r>
+            <a:r>
+              <a:rPr lang="en-US" sz="1600" dirty="0"/>
+              <a:t>because it has better performance and greater prediction probability than Naive Bayes (</a:t>
+            </a:r>
+            <a:r>
+              <a:rPr lang="en-US" sz="1600" b="1" dirty="0"/>
+              <a:t>84.20% vs 75.91%</a:t>
+            </a:r>
+            <a:r>
+              <a:rPr lang="en-US" sz="1600" dirty="0"/>
+              <a:t>) and generates important features for decision-making that are related to “</a:t>
+            </a:r>
+            <a:r>
+              <a:rPr lang="en-US" sz="1600" b="1" dirty="0"/>
+              <a:t>satisfied</a:t>
+            </a:r>
+            <a:r>
+              <a:rPr lang="en-US" sz="1600" dirty="0"/>
+              <a:t>” cluster.</a:t>
+            </a:r>
+            <a:endParaRPr lang="en-CA" sz="1600" dirty="0"/>
           </a:p>
         </p:txBody>
       </p:sp>
     </p:spTree>
     <p:extLst>
       <p:ext uri="{BB962C8B-B14F-4D97-AF65-F5344CB8AC3E}">
-        <p14:creationId xmlns:p14="http://schemas.microsoft.com/office/powerpoint/2010/main" val="2721228401"/>
+        <p14:creationId xmlns:p14="http://schemas.microsoft.com/office/powerpoint/2010/main" val="774127219"/>
       </p:ext>
     </p:extLst>
   </p:cSld>
@@ -22169,7 +22341,7 @@
               <a:buNone/>
             </a:pPr>
             <a:r>
-              <a:rPr lang="en-US" sz="2000"/>
+              <a:rPr lang="en-US" sz="2000" dirty="0"/>
               <a:t>By analyzing this dataset, we aim to:</a:t>
             </a:r>
           </a:p>
@@ -22178,7 +22350,7 @@
               <a:buAutoNum type="arabicPeriod"/>
             </a:pPr>
             <a:r>
-              <a:rPr lang="en-US" sz="2000"/>
+              <a:rPr lang="en-US" sz="2000" dirty="0"/>
               <a:t>Uncover key drivers of passenger satisfaction</a:t>
             </a:r>
           </a:p>
@@ -22187,7 +22359,7 @@
               <a:buAutoNum type="arabicPeriod"/>
             </a:pPr>
             <a:r>
-              <a:rPr lang="en-US" sz="2000"/>
+              <a:rPr lang="en-US" sz="2000" dirty="0"/>
               <a:t>Identify areas for improvement in airline services</a:t>
             </a:r>
           </a:p>
@@ -22196,10 +22368,9 @@
               <a:buAutoNum type="arabicPeriod"/>
             </a:pPr>
             <a:r>
-              <a:rPr lang="en-US" sz="2000"/>
+              <a:rPr lang="en-US" sz="2000" dirty="0"/>
               <a:t>Make data-driven decisions to enhance the overall passenger experience, increase customer satisfaction, and improve loyalty to the airline.</a:t>
             </a:r>
-            <a:endParaRPr lang="en-US" sz="2000" dirty="0"/>
           </a:p>
         </p:txBody>
       </p:sp>
